--- a/fall15/slidesF15/genprod.pptx
+++ b/fall15/slidesF15/genprod.pptx
@@ -2574,6 +2574,30 @@
           </a:p>
         </p:txBody>
       </p:sp>
+      <p:pic>
+        <p:nvPicPr>
+          <p:cNvPr id="7" name="Picture 6"/>
+          <p:cNvPicPr>
+            <a:picLocks noChangeAspect="1"/>
+          </p:cNvPicPr>
+          <p:nvPr userDrawn="1"/>
+        </p:nvPicPr>
+        <p:blipFill>
+          <a:blip r:embed="rId7"/>
+          <a:stretch>
+            <a:fillRect/>
+          </a:stretch>
+        </p:blipFill>
+        <p:spPr>
+          <a:xfrm>
+            <a:off x="0" y="6500091"/>
+            <a:ext cx="1016000" cy="357909"/>
+          </a:xfrm>
+          <a:prstGeom prst="rect">
+            <a:avLst/>
+          </a:prstGeom>
+        </p:spPr>
+      </p:pic>
     </p:spTree>
   </p:cSld>
   <p:clrMap bg1="lt1" tx1="dk1" bg2="lt2" tx2="dk2" accent1="accent1" accent2="accent2" accent3="accent3" accent4="accent4" accent5="accent5" accent6="accent6" hlink="hlink" folHlink="folHlink"/>
@@ -3288,7 +3312,7 @@
           <a:graphicData uri="http://schemas.openxmlformats.org/presentationml/2006/ole">
             <mc:AlternateContent xmlns:mc="http://schemas.openxmlformats.org/markup-compatibility/2006">
               <mc:Choice xmlns:v="urn:schemas-microsoft-com:vml" Requires="v">
-                <p:oleObj spid="_x0000_s8257" name="Equation" r:id="rId4" imgW="914400" imgH="198720" progId="Equation.DSMT4">
+                <p:oleObj spid="_x0000_s8261" name="Equation" r:id="rId4" imgW="914400" imgH="198720" progId="Equation.DSMT4">
                   <p:embed/>
                 </p:oleObj>
               </mc:Choice>
@@ -3444,7 +3468,7 @@
           <a:graphicData uri="http://schemas.openxmlformats.org/presentationml/2006/ole">
             <mc:AlternateContent xmlns:mc="http://schemas.openxmlformats.org/markup-compatibility/2006">
               <mc:Choice xmlns:v="urn:schemas-microsoft-com:vml" Requires="v">
-                <p:oleObj spid="_x0000_s8258" name="Equation" r:id="rId6" imgW="1180800" imgH="507960" progId="Equation.DSMT4">
+                <p:oleObj spid="_x0000_s8262" name="Equation" r:id="rId6" imgW="1180800" imgH="507960" progId="Equation.DSMT4">
                   <p:embed/>
                 </p:oleObj>
               </mc:Choice>
@@ -3557,7 +3581,7 @@
           <a:graphicData uri="http://schemas.openxmlformats.org/presentationml/2006/ole">
             <mc:AlternateContent xmlns:mc="http://schemas.openxmlformats.org/markup-compatibility/2006">
               <mc:Choice xmlns:v="urn:schemas-microsoft-com:vml" Requires="v">
-                <p:oleObj spid="_x0000_s8259" name="Equation" r:id="rId8" imgW="469900" imgH="431800" progId="Equation.DSMT4">
+                <p:oleObj spid="_x0000_s8263" name="Equation" r:id="rId8" imgW="469900" imgH="431800" progId="Equation.DSMT4">
                   <p:embed/>
                 </p:oleObj>
               </mc:Choice>
@@ -4372,9 +4396,6 @@
               </a:rPr>
               <a:t>student can’t be in 2 places:</a:t>
             </a:r>
-            <a:endParaRPr lang="en-US" sz="4400" dirty="0" smtClean="0">
-              <a:latin typeface="Comic Sans MS" pitchFamily="66" charset="0"/>
-            </a:endParaRPr>
           </a:p>
           <a:p>
             <a:pPr marL="342900" indent="-342900"/>
@@ -5405,7 +5426,7 @@
           <a:graphicData uri="http://schemas.openxmlformats.org/presentationml/2006/ole">
             <mc:AlternateContent xmlns:mc="http://schemas.openxmlformats.org/markup-compatibility/2006">
               <mc:Choice xmlns:v="urn:schemas-microsoft-com:vml" Requires="v">
-                <p:oleObj spid="_x0000_s1056" name="Equation" r:id="rId4" imgW="406400" imgH="419100" progId="Equation.DSMT4">
+                <p:oleObj spid="_x0000_s1058" name="Equation" r:id="rId4" imgW="406400" imgH="419100" progId="Equation.DSMT4">
                   <p:embed/>
                 </p:oleObj>
               </mc:Choice>
@@ -7189,7 +7210,7 @@
           <a:graphicData uri="http://schemas.openxmlformats.org/presentationml/2006/ole">
             <mc:AlternateContent xmlns:mc="http://schemas.openxmlformats.org/markup-compatibility/2006">
               <mc:Choice xmlns:v="urn:schemas-microsoft-com:vml" Requires="v">
-                <p:oleObj spid="_x0000_s2102" name="Equation" r:id="rId4" imgW="914400" imgH="198720" progId="Equation.DSMT4">
+                <p:oleObj spid="_x0000_s2105" name="Equation" r:id="rId4" imgW="914400" imgH="198720" progId="Equation.DSMT4">
                   <p:embed/>
                 </p:oleObj>
               </mc:Choice>
@@ -7259,7 +7280,7 @@
           <a:graphicData uri="http://schemas.openxmlformats.org/presentationml/2006/ole">
             <mc:AlternateContent xmlns:mc="http://schemas.openxmlformats.org/markup-compatibility/2006">
               <mc:Choice xmlns:v="urn:schemas-microsoft-com:vml" Requires="v">
-                <p:oleObj spid="_x0000_s2103" name="Equation" r:id="rId6" imgW="1854000" imgH="406080" progId="Equation.DSMT4">
+                <p:oleObj spid="_x0000_s2106" name="Equation" r:id="rId6" imgW="1854000" imgH="406080" progId="Equation.DSMT4">
                   <p:embed/>
                 </p:oleObj>
               </mc:Choice>
@@ -7638,17 +7659,7 @@
                   </a:schemeClr>
                 </a:solidFill>
               </a:rPr>
-              <a:t>|B</a:t>
-            </a:r>
-            <a:r>
-              <a:rPr lang="en-US" sz="7200" dirty="0" smtClean="0">
-                <a:solidFill>
-                  <a:schemeClr val="accent1">
-                    <a:lumMod val="50000"/>
-                  </a:schemeClr>
-                </a:solidFill>
-              </a:rPr>
-              <a:t>|</a:t>
+              <a:t>|B|</a:t>
             </a:r>
           </a:p>
           <a:p>
@@ -7678,7 +7689,7 @@
           <a:graphicData uri="http://schemas.openxmlformats.org/presentationml/2006/ole">
             <mc:AlternateContent xmlns:mc="http://schemas.openxmlformats.org/markup-compatibility/2006">
               <mc:Choice xmlns:v="urn:schemas-microsoft-com:vml" Requires="v">
-                <p:oleObj spid="_x0000_s3105" name="Equation" r:id="rId4" imgW="914400" imgH="198720" progId="Equation.DSMT4">
+                <p:oleObj spid="_x0000_s3107" name="Equation" r:id="rId4" imgW="914400" imgH="198720" progId="Equation.DSMT4">
                   <p:embed/>
                 </p:oleObj>
               </mc:Choice>
@@ -8026,7 +8037,7 @@
           <a:graphicData uri="http://schemas.openxmlformats.org/presentationml/2006/ole">
             <mc:AlternateContent xmlns:mc="http://schemas.openxmlformats.org/markup-compatibility/2006">
               <mc:Choice xmlns:v="urn:schemas-microsoft-com:vml" Requires="v">
-                <p:oleObj spid="_x0000_s4129" name="Equation" r:id="rId4" imgW="914400" imgH="198720" progId="Equation.DSMT4">
+                <p:oleObj spid="_x0000_s4131" name="Equation" r:id="rId4" imgW="914400" imgH="198720" progId="Equation.DSMT4">
                   <p:embed/>
                 </p:oleObj>
               </mc:Choice>
@@ -8970,7 +8981,7 @@
           <a:graphicData uri="http://schemas.openxmlformats.org/presentationml/2006/ole">
             <mc:AlternateContent xmlns:mc="http://schemas.openxmlformats.org/markup-compatibility/2006">
               <mc:Choice xmlns:v="urn:schemas-microsoft-com:vml" Requires="v">
-                <p:oleObj spid="_x0000_s5152" name="Equation" r:id="rId4" imgW="914400" imgH="198720" progId="Equation.DSMT4">
+                <p:oleObj spid="_x0000_s5154" name="Equation" r:id="rId4" imgW="914400" imgH="198720" progId="Equation.DSMT4">
                   <p:embed/>
                 </p:oleObj>
               </mc:Choice>
@@ -10432,7 +10443,7 @@
           <a:graphicData uri="http://schemas.openxmlformats.org/presentationml/2006/ole">
             <mc:AlternateContent xmlns:mc="http://schemas.openxmlformats.org/markup-compatibility/2006">
               <mc:Choice xmlns:v="urn:schemas-microsoft-com:vml" Requires="v">
-                <p:oleObj spid="_x0000_s7244" name="Equation" r:id="rId4" imgW="914400" imgH="198720" progId="Equation.DSMT4">
+                <p:oleObj spid="_x0000_s7248" name="Equation" r:id="rId4" imgW="914400" imgH="198720" progId="Equation.DSMT4">
                   <p:embed/>
                 </p:oleObj>
               </mc:Choice>
@@ -10568,7 +10579,7 @@
           <a:graphicData uri="http://schemas.openxmlformats.org/presentationml/2006/ole">
             <mc:AlternateContent xmlns:mc="http://schemas.openxmlformats.org/markup-compatibility/2006">
               <mc:Choice xmlns:v="urn:schemas-microsoft-com:vml" Requires="v">
-                <p:oleObj spid="_x0000_s7245" name="Equation" r:id="rId6" imgW="330200" imgH="419100" progId="Equation.DSMT4">
+                <p:oleObj spid="_x0000_s7249" name="Equation" r:id="rId6" imgW="330200" imgH="419100" progId="Equation.DSMT4">
                   <p:embed/>
                 </p:oleObj>
               </mc:Choice>
@@ -10624,7 +10635,7 @@
           <a:graphicData uri="http://schemas.openxmlformats.org/presentationml/2006/ole">
             <mc:AlternateContent xmlns:mc="http://schemas.openxmlformats.org/markup-compatibility/2006">
               <mc:Choice xmlns:v="urn:schemas-microsoft-com:vml" Requires="v">
-                <p:oleObj spid="_x0000_s7246" name="Equation" r:id="rId8" imgW="571320" imgH="457200" progId="Equation.DSMT4">
+                <p:oleObj spid="_x0000_s7250" name="Equation" r:id="rId8" imgW="571320" imgH="457200" progId="Equation.DSMT4">
                   <p:embed/>
                 </p:oleObj>
               </mc:Choice>

--- a/fall15/slidesF15/genprod.pptx
+++ b/fall15/slidesF15/genprod.pptx
@@ -3312,7 +3312,7 @@
           <a:graphicData uri="http://schemas.openxmlformats.org/presentationml/2006/ole">
             <mc:AlternateContent xmlns:mc="http://schemas.openxmlformats.org/markup-compatibility/2006">
               <mc:Choice xmlns:v="urn:schemas-microsoft-com:vml" Requires="v">
-                <p:oleObj spid="_x0000_s8261" name="Equation" r:id="rId4" imgW="914400" imgH="198720" progId="Equation.DSMT4">
+                <p:oleObj spid="_x0000_s8272" name="Equation" r:id="rId4" imgW="914400" imgH="198720" progId="Equation.DSMT4">
                   <p:embed/>
                 </p:oleObj>
               </mc:Choice>
@@ -3468,7 +3468,7 @@
           <a:graphicData uri="http://schemas.openxmlformats.org/presentationml/2006/ole">
             <mc:AlternateContent xmlns:mc="http://schemas.openxmlformats.org/markup-compatibility/2006">
               <mc:Choice xmlns:v="urn:schemas-microsoft-com:vml" Requires="v">
-                <p:oleObj spid="_x0000_s8262" name="Equation" r:id="rId6" imgW="1180800" imgH="507960" progId="Equation.DSMT4">
+                <p:oleObj spid="_x0000_s8273" name="Equation" r:id="rId6" imgW="1180800" imgH="507960" progId="Equation.DSMT4">
                   <p:embed/>
                 </p:oleObj>
               </mc:Choice>
@@ -3581,7 +3581,7 @@
           <a:graphicData uri="http://schemas.openxmlformats.org/presentationml/2006/ole">
             <mc:AlternateContent xmlns:mc="http://schemas.openxmlformats.org/markup-compatibility/2006">
               <mc:Choice xmlns:v="urn:schemas-microsoft-com:vml" Requires="v">
-                <p:oleObj spid="_x0000_s8263" name="Equation" r:id="rId8" imgW="469900" imgH="431800" progId="Equation.DSMT4">
+                <p:oleObj spid="_x0000_s8274" name="Equation" r:id="rId8" imgW="469900" imgH="431800" progId="Equation.DSMT4">
                   <p:embed/>
                 </p:oleObj>
               </mc:Choice>
@@ -5426,7 +5426,7 @@
           <a:graphicData uri="http://schemas.openxmlformats.org/presentationml/2006/ole">
             <mc:AlternateContent xmlns:mc="http://schemas.openxmlformats.org/markup-compatibility/2006">
               <mc:Choice xmlns:v="urn:schemas-microsoft-com:vml" Requires="v">
-                <p:oleObj spid="_x0000_s1058" name="Equation" r:id="rId4" imgW="406400" imgH="419100" progId="Equation.DSMT4">
+                <p:oleObj spid="_x0000_s1063" name="Equation" r:id="rId4" imgW="406400" imgH="419100" progId="Equation.DSMT4">
                   <p:embed/>
                 </p:oleObj>
               </mc:Choice>
@@ -7210,7 +7210,7 @@
           <a:graphicData uri="http://schemas.openxmlformats.org/presentationml/2006/ole">
             <mc:AlternateContent xmlns:mc="http://schemas.openxmlformats.org/markup-compatibility/2006">
               <mc:Choice xmlns:v="urn:schemas-microsoft-com:vml" Requires="v">
-                <p:oleObj spid="_x0000_s2105" name="Equation" r:id="rId4" imgW="914400" imgH="198720" progId="Equation.DSMT4">
+                <p:oleObj spid="_x0000_s2113" name="Equation" r:id="rId4" imgW="914400" imgH="198720" progId="Equation.DSMT4">
                   <p:embed/>
                 </p:oleObj>
               </mc:Choice>
@@ -7280,7 +7280,7 @@
           <a:graphicData uri="http://schemas.openxmlformats.org/presentationml/2006/ole">
             <mc:AlternateContent xmlns:mc="http://schemas.openxmlformats.org/markup-compatibility/2006">
               <mc:Choice xmlns:v="urn:schemas-microsoft-com:vml" Requires="v">
-                <p:oleObj spid="_x0000_s2106" name="Equation" r:id="rId6" imgW="1854000" imgH="406080" progId="Equation.DSMT4">
+                <p:oleObj spid="_x0000_s2114" name="Equation" r:id="rId6" imgW="1854000" imgH="406080" progId="Equation.DSMT4">
                   <p:embed/>
                 </p:oleObj>
               </mc:Choice>
@@ -7689,7 +7689,7 @@
           <a:graphicData uri="http://schemas.openxmlformats.org/presentationml/2006/ole">
             <mc:AlternateContent xmlns:mc="http://schemas.openxmlformats.org/markup-compatibility/2006">
               <mc:Choice xmlns:v="urn:schemas-microsoft-com:vml" Requires="v">
-                <p:oleObj spid="_x0000_s3107" name="Equation" r:id="rId4" imgW="914400" imgH="198720" progId="Equation.DSMT4">
+                <p:oleObj spid="_x0000_s3112" name="Equation" r:id="rId4" imgW="914400" imgH="198720" progId="Equation.DSMT4">
                   <p:embed/>
                 </p:oleObj>
               </mc:Choice>
@@ -8037,7 +8037,7 @@
           <a:graphicData uri="http://schemas.openxmlformats.org/presentationml/2006/ole">
             <mc:AlternateContent xmlns:mc="http://schemas.openxmlformats.org/markup-compatibility/2006">
               <mc:Choice xmlns:v="urn:schemas-microsoft-com:vml" Requires="v">
-                <p:oleObj spid="_x0000_s4131" name="Equation" r:id="rId4" imgW="914400" imgH="198720" progId="Equation.DSMT4">
+                <p:oleObj spid="_x0000_s4136" name="Equation" r:id="rId4" imgW="914400" imgH="198720" progId="Equation.DSMT4">
                   <p:embed/>
                 </p:oleObj>
               </mc:Choice>
@@ -8981,7 +8981,7 @@
           <a:graphicData uri="http://schemas.openxmlformats.org/presentationml/2006/ole">
             <mc:AlternateContent xmlns:mc="http://schemas.openxmlformats.org/markup-compatibility/2006">
               <mc:Choice xmlns:v="urn:schemas-microsoft-com:vml" Requires="v">
-                <p:oleObj spid="_x0000_s5154" name="Equation" r:id="rId4" imgW="914400" imgH="198720" progId="Equation.DSMT4">
+                <p:oleObj spid="_x0000_s5159" name="Equation" r:id="rId4" imgW="914400" imgH="198720" progId="Equation.DSMT4">
                   <p:embed/>
                 </p:oleObj>
               </mc:Choice>
@@ -10443,7 +10443,7 @@
           <a:graphicData uri="http://schemas.openxmlformats.org/presentationml/2006/ole">
             <mc:AlternateContent xmlns:mc="http://schemas.openxmlformats.org/markup-compatibility/2006">
               <mc:Choice xmlns:v="urn:schemas-microsoft-com:vml" Requires="v">
-                <p:oleObj spid="_x0000_s7248" name="Equation" r:id="rId4" imgW="914400" imgH="198720" progId="Equation.DSMT4">
+                <p:oleObj spid="_x0000_s7259" name="Equation" r:id="rId4" imgW="914400" imgH="198720" progId="Equation.DSMT4">
                   <p:embed/>
                 </p:oleObj>
               </mc:Choice>
@@ -10566,20 +10566,20 @@
           <p:nvPr>
             <p:extLst>
               <p:ext uri="{D42A27DB-BD31-4B8C-83A1-F6EECF244321}">
-                <p14:modId xmlns:p14="http://schemas.microsoft.com/office/powerpoint/2010/main" val="2323453144"/>
+                <p14:modId xmlns:p14="http://schemas.microsoft.com/office/powerpoint/2010/main" val="432765986"/>
               </p:ext>
             </p:extLst>
           </p:nvPr>
         </p:nvGraphicFramePr>
         <p:xfrm>
-          <a:off x="4773612" y="3386138"/>
-          <a:ext cx="1592239" cy="2024062"/>
+          <a:off x="4773613" y="3386138"/>
+          <a:ext cx="1593850" cy="2024062"/>
         </p:xfrm>
         <a:graphic>
           <a:graphicData uri="http://schemas.openxmlformats.org/presentationml/2006/ole">
             <mc:AlternateContent xmlns:mc="http://schemas.openxmlformats.org/markup-compatibility/2006">
               <mc:Choice xmlns:v="urn:schemas-microsoft-com:vml" Requires="v">
-                <p:oleObj spid="_x0000_s7249" name="Equation" r:id="rId6" imgW="330200" imgH="419100" progId="Equation.DSMT4">
+                <p:oleObj spid="_x0000_s7260" name="Equation" r:id="rId6" imgW="330200" imgH="419100" progId="Equation.DSMT4">
                   <p:embed/>
                 </p:oleObj>
               </mc:Choice>
@@ -10603,8 +10603,8 @@
                     </p:blipFill>
                     <p:spPr bwMode="auto">
                       <a:xfrm>
-                        <a:off x="4773612" y="3386138"/>
-                        <a:ext cx="1592239" cy="2024062"/>
+                        <a:off x="4773613" y="3386138"/>
+                        <a:ext cx="1593850" cy="2024062"/>
                       </a:xfrm>
                       <a:prstGeom prst="rect">
                         <a:avLst/>
@@ -10635,7 +10635,7 @@
           <a:graphicData uri="http://schemas.openxmlformats.org/presentationml/2006/ole">
             <mc:AlternateContent xmlns:mc="http://schemas.openxmlformats.org/markup-compatibility/2006">
               <mc:Choice xmlns:v="urn:schemas-microsoft-com:vml" Requires="v">
-                <p:oleObj spid="_x0000_s7250" name="Equation" r:id="rId8" imgW="571320" imgH="457200" progId="Equation.DSMT4">
+                <p:oleObj spid="_x0000_s7261" name="Equation" r:id="rId8" imgW="571320" imgH="457200" progId="Equation.DSMT4">
                   <p:embed/>
                 </p:oleObj>
               </mc:Choice>

--- a/fall15/slidesF15/genprod.pptx
+++ b/fall15/slidesF15/genprod.pptx
@@ -5,10 +5,10 @@
     <p:sldMasterId id="2147483650" r:id="rId1"/>
   </p:sldMasterIdLst>
   <p:notesMasterIdLst>
-    <p:notesMasterId r:id="rId12"/>
+    <p:notesMasterId r:id="rId15"/>
   </p:notesMasterIdLst>
   <p:handoutMasterIdLst>
-    <p:handoutMasterId r:id="rId13"/>
+    <p:handoutMasterId r:id="rId16"/>
   </p:handoutMasterIdLst>
   <p:sldIdLst>
     <p:sldId id="322" r:id="rId2"/>
@@ -17,15 +17,18 @@
     <p:sldId id="352" r:id="rId5"/>
     <p:sldId id="361" r:id="rId6"/>
     <p:sldId id="353" r:id="rId7"/>
-    <p:sldId id="354" r:id="rId8"/>
-    <p:sldId id="355" r:id="rId9"/>
-    <p:sldId id="356" r:id="rId10"/>
-    <p:sldId id="357" r:id="rId11"/>
+    <p:sldId id="363" r:id="rId8"/>
+    <p:sldId id="364" r:id="rId9"/>
+    <p:sldId id="354" r:id="rId10"/>
+    <p:sldId id="365" r:id="rId11"/>
+    <p:sldId id="355" r:id="rId12"/>
+    <p:sldId id="356" r:id="rId13"/>
+    <p:sldId id="357" r:id="rId14"/>
   </p:sldIdLst>
   <p:sldSz cx="9144000" cy="6858000" type="screen4x3"/>
   <p:notesSz cx="9601200" cy="7315200"/>
   <p:custDataLst>
-    <p:tags r:id="rId15"/>
+    <p:tags r:id="rId18"/>
   </p:custDataLst>
   <p:defaultTextStyle>
     <a:defPPr>
@@ -962,6 +965,270 @@
       </p:grpSpPr>
       <p:sp>
         <p:nvSpPr>
+          <p:cNvPr id="32770" name="Rectangle 7"/>
+          <p:cNvSpPr>
+            <a:spLocks noGrp="1" noChangeArrowheads="1"/>
+          </p:cNvSpPr>
+          <p:nvPr>
+            <p:ph type="sldNum" sz="quarter" idx="5"/>
+          </p:nvPr>
+        </p:nvSpPr>
+        <p:spPr>
+          <a:noFill/>
+        </p:spPr>
+        <p:txBody>
+          <a:bodyPr/>
+          <a:lstStyle/>
+          <a:p>
+            <a:fld id="{FDC812F3-CCCC-4B33-9A51-DD4E53A7BADD}" type="slidenum">
+              <a:rPr lang="en-US" smtClean="0"/>
+              <a:pPr/>
+              <a:t>10</a:t>
+            </a:fld>
+            <a:endParaRPr lang="en-US" dirty="0" smtClean="0"/>
+          </a:p>
+        </p:txBody>
+      </p:sp>
+      <p:sp>
+        <p:nvSpPr>
+          <p:cNvPr id="32771" name="Rectangle 2"/>
+          <p:cNvSpPr>
+            <a:spLocks noGrp="1" noRot="1" noChangeAspect="1" noChangeArrowheads="1" noTextEdit="1"/>
+          </p:cNvSpPr>
+          <p:nvPr>
+            <p:ph type="sldImg"/>
+          </p:nvPr>
+        </p:nvSpPr>
+        <p:spPr>
+          <a:ln/>
+        </p:spPr>
+      </p:sp>
+      <p:sp>
+        <p:nvSpPr>
+          <p:cNvPr id="32772" name="Rectangle 3"/>
+          <p:cNvSpPr>
+            <a:spLocks noGrp="1" noChangeArrowheads="1"/>
+          </p:cNvSpPr>
+          <p:nvPr>
+            <p:ph type="body" idx="1"/>
+          </p:nvPr>
+        </p:nvSpPr>
+        <p:spPr>
+          <a:noFill/>
+          <a:ln/>
+        </p:spPr>
+        <p:txBody>
+          <a:bodyPr/>
+          <a:lstStyle/>
+          <a:p>
+            <a:pPr eaLnBrk="1" hangingPunct="1"/>
+            <a:endParaRPr lang="en-US" dirty="0" smtClean="0"/>
+          </a:p>
+        </p:txBody>
+      </p:sp>
+    </p:spTree>
+  </p:cSld>
+  <p:clrMapOvr>
+    <a:masterClrMapping/>
+  </p:clrMapOvr>
+</p:notes>
+</file>
+
+<file path=ppt/notesSlides/notesSlide11.xml><?xml version="1.0" encoding="utf-8"?>
+<p:notes xmlns:a="http://schemas.openxmlformats.org/drawingml/2006/main" xmlns:r="http://schemas.openxmlformats.org/officeDocument/2006/relationships" xmlns:p="http://schemas.openxmlformats.org/presentationml/2006/main">
+  <p:cSld>
+    <p:spTree>
+      <p:nvGrpSpPr>
+        <p:cNvPr id="1" name=""/>
+        <p:cNvGrpSpPr/>
+        <p:nvPr/>
+      </p:nvGrpSpPr>
+      <p:grpSpPr>
+        <a:xfrm>
+          <a:off x="0" y="0"/>
+          <a:ext cx="0" cy="0"/>
+          <a:chOff x="0" y="0"/>
+          <a:chExt cx="0" cy="0"/>
+        </a:xfrm>
+      </p:grpSpPr>
+      <p:sp>
+        <p:nvSpPr>
+          <p:cNvPr id="33794" name="Rectangle 7"/>
+          <p:cNvSpPr>
+            <a:spLocks noGrp="1" noChangeArrowheads="1"/>
+          </p:cNvSpPr>
+          <p:nvPr>
+            <p:ph type="sldNum" sz="quarter" idx="5"/>
+          </p:nvPr>
+        </p:nvSpPr>
+        <p:spPr>
+          <a:noFill/>
+        </p:spPr>
+        <p:txBody>
+          <a:bodyPr/>
+          <a:lstStyle/>
+          <a:p>
+            <a:fld id="{862A9813-E0CD-4711-B985-ACE881084E19}" type="slidenum">
+              <a:rPr lang="en-US" smtClean="0"/>
+              <a:pPr/>
+              <a:t>11</a:t>
+            </a:fld>
+            <a:endParaRPr lang="en-US" dirty="0" smtClean="0"/>
+          </a:p>
+        </p:txBody>
+      </p:sp>
+      <p:sp>
+        <p:nvSpPr>
+          <p:cNvPr id="33795" name="Rectangle 2"/>
+          <p:cNvSpPr>
+            <a:spLocks noGrp="1" noRot="1" noChangeAspect="1" noChangeArrowheads="1" noTextEdit="1"/>
+          </p:cNvSpPr>
+          <p:nvPr>
+            <p:ph type="sldImg"/>
+          </p:nvPr>
+        </p:nvSpPr>
+        <p:spPr>
+          <a:ln/>
+        </p:spPr>
+      </p:sp>
+      <p:sp>
+        <p:nvSpPr>
+          <p:cNvPr id="33796" name="Rectangle 3"/>
+          <p:cNvSpPr>
+            <a:spLocks noGrp="1" noChangeArrowheads="1"/>
+          </p:cNvSpPr>
+          <p:nvPr>
+            <p:ph type="body" idx="1"/>
+          </p:nvPr>
+        </p:nvSpPr>
+        <p:spPr>
+          <a:noFill/>
+          <a:ln/>
+        </p:spPr>
+        <p:txBody>
+          <a:bodyPr/>
+          <a:lstStyle/>
+          <a:p>
+            <a:pPr eaLnBrk="1" hangingPunct="1"/>
+            <a:endParaRPr lang="en-US" dirty="0" smtClean="0"/>
+          </a:p>
+        </p:txBody>
+      </p:sp>
+    </p:spTree>
+  </p:cSld>
+  <p:clrMapOvr>
+    <a:masterClrMapping/>
+  </p:clrMapOvr>
+</p:notes>
+</file>
+
+<file path=ppt/notesSlides/notesSlide12.xml><?xml version="1.0" encoding="utf-8"?>
+<p:notes xmlns:a="http://schemas.openxmlformats.org/drawingml/2006/main" xmlns:r="http://schemas.openxmlformats.org/officeDocument/2006/relationships" xmlns:p="http://schemas.openxmlformats.org/presentationml/2006/main">
+  <p:cSld>
+    <p:spTree>
+      <p:nvGrpSpPr>
+        <p:cNvPr id="1" name=""/>
+        <p:cNvGrpSpPr/>
+        <p:nvPr/>
+      </p:nvGrpSpPr>
+      <p:grpSpPr>
+        <a:xfrm>
+          <a:off x="0" y="0"/>
+          <a:ext cx="0" cy="0"/>
+          <a:chOff x="0" y="0"/>
+          <a:chExt cx="0" cy="0"/>
+        </a:xfrm>
+      </p:grpSpPr>
+      <p:sp>
+        <p:nvSpPr>
+          <p:cNvPr id="35842" name="Rectangle 7"/>
+          <p:cNvSpPr>
+            <a:spLocks noGrp="1" noChangeArrowheads="1"/>
+          </p:cNvSpPr>
+          <p:nvPr>
+            <p:ph type="sldNum" sz="quarter" idx="5"/>
+          </p:nvPr>
+        </p:nvSpPr>
+        <p:spPr>
+          <a:noFill/>
+        </p:spPr>
+        <p:txBody>
+          <a:bodyPr/>
+          <a:lstStyle/>
+          <a:p>
+            <a:fld id="{658B8882-CA24-4CB0-99B0-EF7F2F2B58F5}" type="slidenum">
+              <a:rPr lang="en-US" smtClean="0"/>
+              <a:pPr/>
+              <a:t>12</a:t>
+            </a:fld>
+            <a:endParaRPr lang="en-US" dirty="0" smtClean="0"/>
+          </a:p>
+        </p:txBody>
+      </p:sp>
+      <p:sp>
+        <p:nvSpPr>
+          <p:cNvPr id="35843" name="Rectangle 2"/>
+          <p:cNvSpPr>
+            <a:spLocks noGrp="1" noRot="1" noChangeAspect="1" noChangeArrowheads="1" noTextEdit="1"/>
+          </p:cNvSpPr>
+          <p:nvPr>
+            <p:ph type="sldImg"/>
+          </p:nvPr>
+        </p:nvSpPr>
+        <p:spPr>
+          <a:ln/>
+        </p:spPr>
+      </p:sp>
+      <p:sp>
+        <p:nvSpPr>
+          <p:cNvPr id="35844" name="Rectangle 3"/>
+          <p:cNvSpPr>
+            <a:spLocks noGrp="1" noChangeArrowheads="1"/>
+          </p:cNvSpPr>
+          <p:nvPr>
+            <p:ph type="body" idx="1"/>
+          </p:nvPr>
+        </p:nvSpPr>
+        <p:spPr>
+          <a:noFill/>
+          <a:ln/>
+        </p:spPr>
+        <p:txBody>
+          <a:bodyPr/>
+          <a:lstStyle/>
+          <a:p>
+            <a:pPr eaLnBrk="1" hangingPunct="1"/>
+            <a:endParaRPr lang="en-US" dirty="0" smtClean="0"/>
+          </a:p>
+        </p:txBody>
+      </p:sp>
+    </p:spTree>
+  </p:cSld>
+  <p:clrMapOvr>
+    <a:masterClrMapping/>
+  </p:clrMapOvr>
+</p:notes>
+</file>
+
+<file path=ppt/notesSlides/notesSlide13.xml><?xml version="1.0" encoding="utf-8"?>
+<p:notes xmlns:a="http://schemas.openxmlformats.org/drawingml/2006/main" xmlns:r="http://schemas.openxmlformats.org/officeDocument/2006/relationships" xmlns:p="http://schemas.openxmlformats.org/presentationml/2006/main">
+  <p:cSld>
+    <p:spTree>
+      <p:nvGrpSpPr>
+        <p:cNvPr id="1" name=""/>
+        <p:cNvGrpSpPr/>
+        <p:nvPr/>
+      </p:nvGrpSpPr>
+      <p:grpSpPr>
+        <a:xfrm>
+          <a:off x="0" y="0"/>
+          <a:ext cx="0" cy="0"/>
+          <a:chOff x="0" y="0"/>
+          <a:chExt cx="0" cy="0"/>
+        </a:xfrm>
+      </p:grpSpPr>
+      <p:sp>
+        <p:nvSpPr>
           <p:cNvPr id="36866" name="Rectangle 7"/>
           <p:cNvSpPr>
             <a:spLocks noGrp="1" noChangeArrowheads="1"/>
@@ -980,7 +1247,7 @@
             <a:fld id="{BB36D728-B1AF-4013-9880-0BF07918A121}" type="slidenum">
               <a:rPr lang="en-US" smtClean="0"/>
               <a:pPr/>
-              <a:t>10</a:t>
+              <a:t>13</a:t>
             </a:fld>
             <a:endParaRPr lang="en-US" dirty="0" smtClean="0"/>
           </a:p>
@@ -1490,7 +1757,7 @@
       </p:grpSpPr>
       <p:sp>
         <p:nvSpPr>
-          <p:cNvPr id="32770" name="Rectangle 7"/>
+          <p:cNvPr id="31746" name="Rectangle 7"/>
           <p:cNvSpPr>
             <a:spLocks noGrp="1" noChangeArrowheads="1"/>
           </p:cNvSpPr>
@@ -1505,7 +1772,7 @@
           <a:bodyPr/>
           <a:lstStyle/>
           <a:p>
-            <a:fld id="{FDC812F3-CCCC-4B33-9A51-DD4E53A7BADD}" type="slidenum">
+            <a:fld id="{95DF5175-BF82-4DFC-B4F3-A07ACC7F9DD7}" type="slidenum">
               <a:rPr lang="en-US" smtClean="0"/>
               <a:pPr/>
               <a:t>7</a:t>
@@ -1516,7 +1783,7 @@
       </p:sp>
       <p:sp>
         <p:nvSpPr>
-          <p:cNvPr id="32771" name="Rectangle 2"/>
+          <p:cNvPr id="31747" name="Rectangle 2"/>
           <p:cNvSpPr>
             <a:spLocks noGrp="1" noRot="1" noChangeAspect="1" noChangeArrowheads="1" noTextEdit="1"/>
           </p:cNvSpPr>
@@ -1530,7 +1797,7 @@
       </p:sp>
       <p:sp>
         <p:nvSpPr>
-          <p:cNvPr id="32772" name="Rectangle 3"/>
+          <p:cNvPr id="31748" name="Rectangle 3"/>
           <p:cNvSpPr>
             <a:spLocks noGrp="1" noChangeArrowheads="1"/>
           </p:cNvSpPr>
@@ -1578,7 +1845,7 @@
       </p:grpSpPr>
       <p:sp>
         <p:nvSpPr>
-          <p:cNvPr id="33794" name="Rectangle 7"/>
+          <p:cNvPr id="31746" name="Rectangle 7"/>
           <p:cNvSpPr>
             <a:spLocks noGrp="1" noChangeArrowheads="1"/>
           </p:cNvSpPr>
@@ -1593,7 +1860,7 @@
           <a:bodyPr/>
           <a:lstStyle/>
           <a:p>
-            <a:fld id="{862A9813-E0CD-4711-B985-ACE881084E19}" type="slidenum">
+            <a:fld id="{95DF5175-BF82-4DFC-B4F3-A07ACC7F9DD7}" type="slidenum">
               <a:rPr lang="en-US" smtClean="0"/>
               <a:pPr/>
               <a:t>8</a:t>
@@ -1604,7 +1871,7 @@
       </p:sp>
       <p:sp>
         <p:nvSpPr>
-          <p:cNvPr id="33795" name="Rectangle 2"/>
+          <p:cNvPr id="31747" name="Rectangle 2"/>
           <p:cNvSpPr>
             <a:spLocks noGrp="1" noRot="1" noChangeAspect="1" noChangeArrowheads="1" noTextEdit="1"/>
           </p:cNvSpPr>
@@ -1618,7 +1885,7 @@
       </p:sp>
       <p:sp>
         <p:nvSpPr>
-          <p:cNvPr id="33796" name="Rectangle 3"/>
+          <p:cNvPr id="31748" name="Rectangle 3"/>
           <p:cNvSpPr>
             <a:spLocks noGrp="1" noChangeArrowheads="1"/>
           </p:cNvSpPr>
@@ -1666,7 +1933,7 @@
       </p:grpSpPr>
       <p:sp>
         <p:nvSpPr>
-          <p:cNvPr id="35842" name="Rectangle 7"/>
+          <p:cNvPr id="32770" name="Rectangle 7"/>
           <p:cNvSpPr>
             <a:spLocks noGrp="1" noChangeArrowheads="1"/>
           </p:cNvSpPr>
@@ -1681,7 +1948,7 @@
           <a:bodyPr/>
           <a:lstStyle/>
           <a:p>
-            <a:fld id="{658B8882-CA24-4CB0-99B0-EF7F2F2B58F5}" type="slidenum">
+            <a:fld id="{FDC812F3-CCCC-4B33-9A51-DD4E53A7BADD}" type="slidenum">
               <a:rPr lang="en-US" smtClean="0"/>
               <a:pPr/>
               <a:t>9</a:t>
@@ -1692,7 +1959,7 @@
       </p:sp>
       <p:sp>
         <p:nvSpPr>
-          <p:cNvPr id="35843" name="Rectangle 2"/>
+          <p:cNvPr id="32771" name="Rectangle 2"/>
           <p:cNvSpPr>
             <a:spLocks noGrp="1" noRot="1" noChangeAspect="1" noChangeArrowheads="1" noTextEdit="1"/>
           </p:cNvSpPr>
@@ -1706,7 +1973,7 @@
       </p:sp>
       <p:sp>
         <p:nvSpPr>
-          <p:cNvPr id="35844" name="Rectangle 3"/>
+          <p:cNvPr id="32772" name="Rectangle 3"/>
           <p:cNvSpPr>
             <a:spLocks noGrp="1" noChangeArrowheads="1"/>
           </p:cNvSpPr>
@@ -3239,6 +3506,3203 @@
       </p:grpSpPr>
       <p:sp>
         <p:nvSpPr>
+          <p:cNvPr id="4099" name="Slide Number Placeholder 3"/>
+          <p:cNvSpPr>
+            <a:spLocks noGrp="1"/>
+          </p:cNvSpPr>
+          <p:nvPr>
+            <p:ph type="sldNum" sz="quarter" idx="10"/>
+          </p:nvPr>
+        </p:nvSpPr>
+        <p:spPr>
+          <a:noFill/>
+        </p:spPr>
+        <p:txBody>
+          <a:bodyPr/>
+          <a:lstStyle/>
+          <a:p>
+            <a:r>
+              <a:rPr lang="en-US" dirty="0" smtClean="0"/>
+              <a:t>genprod.</a:t>
+            </a:r>
+            <a:fld id="{AD88ADF0-37C4-41AE-AD9B-22BECBAAC7D3}" type="slidenum">
+              <a:rPr lang="en-US" smtClean="0"/>
+              <a:pPr/>
+              <a:t>10</a:t>
+            </a:fld>
+            <a:endParaRPr lang="en-US" dirty="0" smtClean="0"/>
+          </a:p>
+        </p:txBody>
+      </p:sp>
+      <p:sp>
+        <p:nvSpPr>
+          <p:cNvPr id="4100" name="Rectangle 2"/>
+          <p:cNvSpPr>
+            <a:spLocks noGrp="1" noChangeArrowheads="1"/>
+          </p:cNvSpPr>
+          <p:nvPr>
+            <p:ph type="title"/>
+          </p:nvPr>
+        </p:nvSpPr>
+        <p:spPr/>
+        <p:txBody>
+          <a:bodyPr/>
+          <a:lstStyle/>
+          <a:p>
+            <a:pPr eaLnBrk="1" hangingPunct="1"/>
+            <a:r>
+              <a:rPr lang="en-US" dirty="0" smtClean="0"/>
+              <a:t>Counting Subsets</a:t>
+            </a:r>
+          </a:p>
+        </p:txBody>
+      </p:sp>
+      <p:graphicFrame>
+        <p:nvGraphicFramePr>
+          <p:cNvPr id="4098" name="Object 4"/>
+          <p:cNvGraphicFramePr>
+            <a:graphicFrameLocks noChangeAspect="1"/>
+          </p:cNvGraphicFramePr>
+          <p:nvPr/>
+        </p:nvGraphicFramePr>
+        <p:xfrm>
+          <a:off x="3022600" y="2514600"/>
+          <a:ext cx="914400" cy="198438"/>
+        </p:xfrm>
+        <a:graphic>
+          <a:graphicData uri="http://schemas.openxmlformats.org/presentationml/2006/ole">
+            <mc:AlternateContent xmlns:mc="http://schemas.openxmlformats.org/markup-compatibility/2006">
+              <mc:Choice xmlns:v="urn:schemas-microsoft-com:vml" Requires="v">
+                <p:oleObj spid="_x0000_s11267" name="Equation" r:id="rId4" imgW="914400" imgH="198720" progId="Equation.DSMT4">
+                  <p:embed/>
+                </p:oleObj>
+              </mc:Choice>
+              <mc:Fallback>
+                <p:oleObj name="Equation" r:id="rId4" imgW="914400" imgH="198720" progId="Equation.DSMT4">
+                  <p:embed/>
+                  <p:pic>
+                    <p:nvPicPr>
+                      <p:cNvPr id="0" name=""/>
+                      <p:cNvPicPr>
+                        <a:picLocks noChangeAspect="1" noChangeArrowheads="1"/>
+                      </p:cNvPicPr>
+                      <p:nvPr/>
+                    </p:nvPicPr>
+                    <p:blipFill>
+                      <a:blip r:embed="rId5">
+                        <a:extLst>
+                          <a:ext uri="{28A0092B-C50C-407E-A947-70E740481C1C}">
+                            <a14:useLocalDpi xmlns:a14="http://schemas.microsoft.com/office/drawing/2010/main" val="0"/>
+                          </a:ext>
+                        </a:extLst>
+                      </a:blip>
+                      <a:srcRect/>
+                      <a:stretch>
+                        <a:fillRect/>
+                      </a:stretch>
+                    </p:blipFill>
+                    <p:spPr bwMode="auto">
+                      <a:xfrm>
+                        <a:off x="3022600" y="2514600"/>
+                        <a:ext cx="914400" cy="198438"/>
+                      </a:xfrm>
+                      <a:prstGeom prst="rect">
+                        <a:avLst/>
+                      </a:prstGeom>
+                      <a:noFill/>
+                      <a:extLst>
+                        <a:ext uri="{909E8E84-426E-40dd-AFC4-6F175D3DCCD1}">
+                          <a14:hiddenFill xmlns:a14="http://schemas.microsoft.com/office/drawing/2010/main">
+                            <a:solidFill>
+                              <a:srgbClr val="FFFFFF"/>
+                            </a:solidFill>
+                          </a14:hiddenFill>
+                        </a:ext>
+                      </a:extLst>
+                    </p:spPr>
+                  </p:pic>
+                </p:oleObj>
+              </mc:Fallback>
+            </mc:AlternateContent>
+          </a:graphicData>
+        </a:graphic>
+      </p:graphicFrame>
+      <p:sp>
+        <p:nvSpPr>
+          <p:cNvPr id="395271" name="Text Box 7"/>
+          <p:cNvSpPr txBox="1">
+            <a:spLocks noChangeArrowheads="1"/>
+          </p:cNvSpPr>
+          <p:nvPr/>
+        </p:nvSpPr>
+        <p:spPr bwMode="auto">
+          <a:xfrm>
+            <a:off x="228600" y="1368425"/>
+            <a:ext cx="8529638" cy="3748088"/>
+          </a:xfrm>
+          <a:prstGeom prst="rect">
+            <a:avLst/>
+          </a:prstGeom>
+          <a:noFill/>
+          <a:ln w="31750">
+            <a:noFill/>
+            <a:prstDash val="sysDot"/>
+            <a:miter lim="800000"/>
+            <a:headEnd/>
+            <a:tailEnd/>
+          </a:ln>
+        </p:spPr>
+        <p:txBody>
+          <a:bodyPr wrap="none">
+            <a:spAutoFit/>
+          </a:bodyPr>
+          <a:lstStyle/>
+          <a:p>
+            <a:pPr marL="342900" indent="-342900"/>
+            <a:r>
+              <a:rPr lang="en-US" sz="3600" dirty="0">
+                <a:latin typeface="Comic Sans MS" pitchFamily="66" charset="0"/>
+              </a:rPr>
+              <a:t>How many size 4 subsets of {1,2,…,13}?</a:t>
+            </a:r>
+          </a:p>
+          <a:p>
+            <a:pPr marL="342900" indent="-342900"/>
+            <a:r>
+              <a:rPr lang="en-US" sz="4000" dirty="0">
+                <a:latin typeface="Comic Sans MS" pitchFamily="66" charset="0"/>
+              </a:rPr>
+              <a:t>Let </a:t>
+            </a:r>
+            <a:r>
+              <a:rPr lang="en-US" sz="4000" dirty="0">
+                <a:solidFill>
+                  <a:srgbClr val="3333CC"/>
+                </a:solidFill>
+                <a:latin typeface="Comic Sans MS" pitchFamily="66" charset="0"/>
+              </a:rPr>
+              <a:t>A</a:t>
+            </a:r>
+            <a:r>
+              <a:rPr lang="en-US" sz="4000" dirty="0">
+                <a:latin typeface="Comic Sans MS" pitchFamily="66" charset="0"/>
+              </a:rPr>
+              <a:t>::=</a:t>
+            </a:r>
+            <a:r>
+              <a:rPr lang="en-US" sz="4000" dirty="0">
+                <a:solidFill>
+                  <a:srgbClr val="3333CC"/>
+                </a:solidFill>
+                <a:latin typeface="Comic Sans MS" pitchFamily="66" charset="0"/>
+              </a:rPr>
+              <a:t> permutations </a:t>
+            </a:r>
+            <a:r>
+              <a:rPr lang="en-US" sz="4000" dirty="0">
+                <a:latin typeface="Comic Sans MS" pitchFamily="66" charset="0"/>
+              </a:rPr>
+              <a:t>of {1,2,…,13}</a:t>
+            </a:r>
+          </a:p>
+          <a:p>
+            <a:pPr marL="342900" indent="-342900"/>
+            <a:r>
+              <a:rPr lang="en-US" sz="4000" dirty="0">
+                <a:latin typeface="Comic Sans MS" pitchFamily="66" charset="0"/>
+              </a:rPr>
+              <a:t>      </a:t>
+            </a:r>
+            <a:r>
+              <a:rPr lang="en-US" sz="4000" dirty="0">
+                <a:solidFill>
+                  <a:srgbClr val="00B050"/>
+                </a:solidFill>
+                <a:latin typeface="Comic Sans MS" pitchFamily="66" charset="0"/>
+              </a:rPr>
+              <a:t>B::= size 4 subsets</a:t>
+            </a:r>
+          </a:p>
+          <a:p>
+            <a:pPr marL="342900" indent="-342900"/>
+            <a:r>
+              <a:rPr lang="en-US" sz="4400" dirty="0">
+                <a:latin typeface="Comic Sans MS" pitchFamily="66" charset="0"/>
+              </a:rPr>
+              <a:t>map     </a:t>
+            </a:r>
+            <a:r>
+              <a:rPr lang="en-US" sz="4400" dirty="0">
+                <a:solidFill>
+                  <a:srgbClr val="3333CC"/>
+                </a:solidFill>
+                <a:latin typeface="Comic Sans MS" pitchFamily="66" charset="0"/>
+              </a:rPr>
+              <a:t>a</a:t>
+            </a:r>
+            <a:r>
+              <a:rPr lang="en-US" sz="4400" baseline="-25000" dirty="0">
+                <a:solidFill>
+                  <a:srgbClr val="3333CC"/>
+                </a:solidFill>
+                <a:latin typeface="Comic Sans MS" pitchFamily="66" charset="0"/>
+              </a:rPr>
+              <a:t>1 </a:t>
+            </a:r>
+            <a:r>
+              <a:rPr lang="en-US" sz="4400" dirty="0">
+                <a:solidFill>
+                  <a:srgbClr val="3333CC"/>
+                </a:solidFill>
+                <a:latin typeface="Comic Sans MS" pitchFamily="66" charset="0"/>
+              </a:rPr>
+              <a:t>a</a:t>
+            </a:r>
+            <a:r>
+              <a:rPr lang="en-US" sz="4400" baseline="-25000" dirty="0">
+                <a:solidFill>
+                  <a:srgbClr val="3333CC"/>
+                </a:solidFill>
+                <a:latin typeface="Comic Sans MS" pitchFamily="66" charset="0"/>
+              </a:rPr>
+              <a:t>2 </a:t>
+            </a:r>
+            <a:r>
+              <a:rPr lang="en-US" sz="4400" dirty="0">
+                <a:solidFill>
+                  <a:srgbClr val="3333CC"/>
+                </a:solidFill>
+                <a:latin typeface="Comic Sans MS" pitchFamily="66" charset="0"/>
+              </a:rPr>
+              <a:t>a</a:t>
+            </a:r>
+            <a:r>
+              <a:rPr lang="en-US" sz="4400" baseline="-25000" dirty="0">
+                <a:solidFill>
+                  <a:srgbClr val="3333CC"/>
+                </a:solidFill>
+                <a:latin typeface="Comic Sans MS" pitchFamily="66" charset="0"/>
+              </a:rPr>
+              <a:t>3 </a:t>
+            </a:r>
+            <a:r>
+              <a:rPr lang="en-US" sz="4400" dirty="0">
+                <a:solidFill>
+                  <a:srgbClr val="3333CC"/>
+                </a:solidFill>
+                <a:latin typeface="Comic Sans MS" pitchFamily="66" charset="0"/>
+              </a:rPr>
+              <a:t>a</a:t>
+            </a:r>
+            <a:r>
+              <a:rPr lang="en-US" sz="4400" baseline="-25000" dirty="0">
+                <a:solidFill>
+                  <a:srgbClr val="3333CC"/>
+                </a:solidFill>
+                <a:latin typeface="Comic Sans MS" pitchFamily="66" charset="0"/>
+              </a:rPr>
+              <a:t>4 </a:t>
+            </a:r>
+            <a:r>
+              <a:rPr lang="en-US" sz="4400" dirty="0">
+                <a:solidFill>
+                  <a:srgbClr val="3333CC"/>
+                </a:solidFill>
+                <a:latin typeface="Comic Sans MS" pitchFamily="66" charset="0"/>
+              </a:rPr>
+              <a:t>a</a:t>
+            </a:r>
+            <a:r>
+              <a:rPr lang="en-US" sz="4400" baseline="-25000" dirty="0">
+                <a:solidFill>
+                  <a:srgbClr val="3333CC"/>
+                </a:solidFill>
+                <a:latin typeface="Comic Sans MS" pitchFamily="66" charset="0"/>
+              </a:rPr>
+              <a:t>5</a:t>
+            </a:r>
+            <a:r>
+              <a:rPr lang="en-US" sz="4400" dirty="0">
+                <a:solidFill>
+                  <a:srgbClr val="3333CC"/>
+                </a:solidFill>
+                <a:latin typeface="Comic Sans MS" pitchFamily="66" charset="0"/>
+                <a:sym typeface="Euclid Extra" pitchFamily="18" charset="2"/>
+              </a:rPr>
+              <a:t>…</a:t>
+            </a:r>
+            <a:r>
+              <a:rPr lang="en-US" sz="4400" dirty="0">
+                <a:solidFill>
+                  <a:srgbClr val="3333CC"/>
+                </a:solidFill>
+                <a:latin typeface="Comic Sans MS" pitchFamily="66" charset="0"/>
+              </a:rPr>
+              <a:t>a</a:t>
+            </a:r>
+            <a:r>
+              <a:rPr lang="en-US" sz="4400" baseline="-25000" dirty="0">
+                <a:solidFill>
+                  <a:srgbClr val="3333CC"/>
+                </a:solidFill>
+                <a:latin typeface="Comic Sans MS" pitchFamily="66" charset="0"/>
+              </a:rPr>
+              <a:t>12 </a:t>
+            </a:r>
+            <a:r>
+              <a:rPr lang="en-US" sz="4400" dirty="0" smtClean="0">
+                <a:solidFill>
+                  <a:srgbClr val="3333CC"/>
+                </a:solidFill>
+                <a:latin typeface="Comic Sans MS" pitchFamily="66" charset="0"/>
+              </a:rPr>
+              <a:t>a</a:t>
+            </a:r>
+            <a:r>
+              <a:rPr lang="en-US" sz="4400" baseline="-25000" dirty="0" smtClean="0">
+                <a:solidFill>
+                  <a:srgbClr val="3333CC"/>
+                </a:solidFill>
+                <a:latin typeface="Comic Sans MS" pitchFamily="66" charset="0"/>
+              </a:rPr>
+              <a:t>13 </a:t>
+            </a:r>
+            <a:r>
+              <a:rPr lang="en-US" sz="4400" b="1" dirty="0" smtClean="0">
+                <a:latin typeface="Euclid Symbol" charset="2"/>
+                <a:cs typeface="Euclid Symbol" charset="2"/>
+                <a:sym typeface="Symbol"/>
+              </a:rPr>
+              <a:t>∈</a:t>
+            </a:r>
+            <a:r>
+              <a:rPr lang="en-US" sz="4400" dirty="0" smtClean="0">
+                <a:solidFill>
+                  <a:srgbClr val="3333CC"/>
+                </a:solidFill>
+                <a:latin typeface="Comic Sans MS" pitchFamily="66" charset="0"/>
+                <a:sym typeface="Symbol"/>
+              </a:rPr>
+              <a:t> A</a:t>
+            </a:r>
+            <a:endParaRPr lang="en-US" sz="4400" dirty="0">
+              <a:solidFill>
+                <a:srgbClr val="3333CC"/>
+              </a:solidFill>
+              <a:latin typeface="Comic Sans MS" pitchFamily="66" charset="0"/>
+            </a:endParaRPr>
+          </a:p>
+          <a:p>
+            <a:pPr marL="342900" indent="-342900"/>
+            <a:r>
+              <a:rPr lang="en-US" sz="4400" dirty="0">
+                <a:latin typeface="Comic Sans MS" pitchFamily="66" charset="0"/>
+              </a:rPr>
+              <a:t>to</a:t>
+            </a:r>
+            <a:r>
+              <a:rPr lang="en-US" sz="4400" dirty="0">
+                <a:solidFill>
+                  <a:srgbClr val="3333CC"/>
+                </a:solidFill>
+                <a:latin typeface="Comic Sans MS" pitchFamily="66" charset="0"/>
+              </a:rPr>
+              <a:t>      </a:t>
+            </a:r>
+            <a:r>
+              <a:rPr lang="en-US" sz="4400" dirty="0">
+                <a:solidFill>
+                  <a:srgbClr val="008000"/>
+                </a:solidFill>
+                <a:latin typeface="Comic Sans MS" pitchFamily="66" charset="0"/>
+              </a:rPr>
+              <a:t>{</a:t>
+            </a:r>
+            <a:r>
+              <a:rPr lang="en-US" sz="4400" dirty="0" smtClean="0">
+                <a:solidFill>
+                  <a:srgbClr val="008000"/>
+                </a:solidFill>
+                <a:latin typeface="Comic Sans MS" pitchFamily="66" charset="0"/>
+              </a:rPr>
+              <a:t>a</a:t>
+            </a:r>
+            <a:r>
+              <a:rPr lang="en-US" sz="4400" baseline="-25000" dirty="0" smtClean="0">
+                <a:solidFill>
+                  <a:srgbClr val="008000"/>
+                </a:solidFill>
+                <a:latin typeface="Comic Sans MS" pitchFamily="66" charset="0"/>
+              </a:rPr>
+              <a:t>1</a:t>
+            </a:r>
+            <a:r>
+              <a:rPr lang="en-US" sz="4400" dirty="0" smtClean="0">
+                <a:solidFill>
+                  <a:srgbClr val="008000"/>
+                </a:solidFill>
+                <a:latin typeface="Comic Sans MS" pitchFamily="66" charset="0"/>
+              </a:rPr>
+              <a:t>, a</a:t>
+            </a:r>
+            <a:r>
+              <a:rPr lang="en-US" sz="4400" baseline="-25000" dirty="0" smtClean="0">
+                <a:solidFill>
+                  <a:srgbClr val="008000"/>
+                </a:solidFill>
+                <a:latin typeface="Comic Sans MS" pitchFamily="66" charset="0"/>
+              </a:rPr>
+              <a:t>2</a:t>
+            </a:r>
+            <a:r>
+              <a:rPr lang="en-US" sz="4400" dirty="0" smtClean="0">
+                <a:solidFill>
+                  <a:srgbClr val="008000"/>
+                </a:solidFill>
+                <a:latin typeface="Comic Sans MS" pitchFamily="66" charset="0"/>
+              </a:rPr>
+              <a:t>, a</a:t>
+            </a:r>
+            <a:r>
+              <a:rPr lang="en-US" sz="4400" baseline="-25000" dirty="0" smtClean="0">
+                <a:solidFill>
+                  <a:srgbClr val="008000"/>
+                </a:solidFill>
+                <a:latin typeface="Comic Sans MS" pitchFamily="66" charset="0"/>
+              </a:rPr>
+              <a:t>3</a:t>
+            </a:r>
+            <a:r>
+              <a:rPr lang="en-US" sz="4400" dirty="0" smtClean="0">
+                <a:solidFill>
+                  <a:srgbClr val="008000"/>
+                </a:solidFill>
+                <a:latin typeface="Comic Sans MS" pitchFamily="66" charset="0"/>
+              </a:rPr>
+              <a:t>,</a:t>
+            </a:r>
+            <a:r>
+              <a:rPr lang="en-US" sz="4400" baseline="-25000" dirty="0" smtClean="0">
+                <a:solidFill>
+                  <a:srgbClr val="008000"/>
+                </a:solidFill>
+                <a:latin typeface="Comic Sans MS" pitchFamily="66" charset="0"/>
+              </a:rPr>
+              <a:t> </a:t>
+            </a:r>
+            <a:r>
+              <a:rPr lang="en-US" sz="4400" dirty="0">
+                <a:solidFill>
+                  <a:srgbClr val="008000"/>
+                </a:solidFill>
+                <a:latin typeface="Comic Sans MS" pitchFamily="66" charset="0"/>
+              </a:rPr>
+              <a:t>a</a:t>
+            </a:r>
+            <a:r>
+              <a:rPr lang="en-US" sz="4400" baseline="-25000" dirty="0">
+                <a:solidFill>
+                  <a:srgbClr val="008000"/>
+                </a:solidFill>
+                <a:latin typeface="Comic Sans MS" pitchFamily="66" charset="0"/>
+              </a:rPr>
+              <a:t>4</a:t>
+            </a:r>
+            <a:r>
+              <a:rPr lang="en-US" sz="4400" dirty="0" smtClean="0">
+                <a:solidFill>
+                  <a:srgbClr val="008000"/>
+                </a:solidFill>
+                <a:latin typeface="Comic Sans MS" pitchFamily="66" charset="0"/>
+              </a:rPr>
+              <a:t>}            </a:t>
+            </a:r>
+            <a:r>
+              <a:rPr lang="en-US" sz="4400" b="1" dirty="0" smtClean="0">
+                <a:latin typeface="Euclid Symbol" charset="2"/>
+                <a:cs typeface="Euclid Symbol" charset="2"/>
+                <a:sym typeface="Symbol"/>
+              </a:rPr>
+              <a:t>∈</a:t>
+            </a:r>
+            <a:r>
+              <a:rPr lang="en-US" sz="4400" dirty="0" smtClean="0">
+                <a:solidFill>
+                  <a:srgbClr val="008000"/>
+                </a:solidFill>
+                <a:latin typeface="Comic Sans MS" pitchFamily="66" charset="0"/>
+                <a:sym typeface="Symbol"/>
+              </a:rPr>
+              <a:t> </a:t>
+            </a:r>
+            <a:r>
+              <a:rPr lang="en-US" sz="4400" dirty="0" smtClean="0">
+                <a:solidFill>
+                  <a:srgbClr val="00B050"/>
+                </a:solidFill>
+                <a:latin typeface="Comic Sans MS" pitchFamily="66" charset="0"/>
+                <a:sym typeface="Symbol"/>
+              </a:rPr>
+              <a:t>B</a:t>
+            </a:r>
+            <a:endParaRPr lang="en-US" sz="4400" dirty="0">
+              <a:solidFill>
+                <a:srgbClr val="00B050"/>
+              </a:solidFill>
+              <a:latin typeface="Comic Sans MS" pitchFamily="66" charset="0"/>
+            </a:endParaRPr>
+          </a:p>
+        </p:txBody>
+      </p:sp>
+      <p:sp>
+        <p:nvSpPr>
+          <p:cNvPr id="395272" name="Rectangle 8"/>
+          <p:cNvSpPr>
+            <a:spLocks noChangeArrowheads="1"/>
+          </p:cNvSpPr>
+          <p:nvPr/>
+        </p:nvSpPr>
+        <p:spPr bwMode="auto">
+          <a:xfrm>
+            <a:off x="1905000" y="3683000"/>
+            <a:ext cx="2667000" cy="660400"/>
+          </a:xfrm>
+          <a:prstGeom prst="rect">
+            <a:avLst/>
+          </a:prstGeom>
+          <a:noFill/>
+          <a:ln w="38100">
+            <a:solidFill>
+              <a:srgbClr val="008000"/>
+            </a:solidFill>
+            <a:miter lim="800000"/>
+            <a:headEnd/>
+            <a:tailEnd/>
+          </a:ln>
+        </p:spPr>
+        <p:txBody>
+          <a:bodyPr wrap="square" anchor="ctr">
+            <a:spAutoFit/>
+          </a:bodyPr>
+          <a:lstStyle/>
+          <a:p>
+            <a:endParaRPr lang="en-US" dirty="0"/>
+          </a:p>
+        </p:txBody>
+      </p:sp>
+    </p:spTree>
+    <p:extLst>
+      <p:ext uri="{BB962C8B-B14F-4D97-AF65-F5344CB8AC3E}">
+        <p14:creationId xmlns:p14="http://schemas.microsoft.com/office/powerpoint/2010/main" val="617980305"/>
+      </p:ext>
+    </p:extLst>
+  </p:cSld>
+  <p:clrMapOvr>
+    <a:masterClrMapping/>
+  </p:clrMapOvr>
+  <mc:AlternateContent xmlns:mc="http://schemas.openxmlformats.org/markup-compatibility/2006">
+    <mc:Choice xmlns:p14="http://schemas.microsoft.com/office/powerpoint/2010/main" Requires="p14">
+      <p:transition spd="med" p14:dur="700" advClick="0">
+        <p:fade/>
+      </p:transition>
+    </mc:Choice>
+    <mc:Fallback>
+      <p:transition xmlns:p14="http://schemas.microsoft.com/office/powerpoint/2010/main" spd="med" advClick="0">
+        <p:fade/>
+      </p:transition>
+    </mc:Fallback>
+  </mc:AlternateContent>
+  <p:timing>
+    <p:tnLst>
+      <p:par>
+        <p:cTn xmlns:p14="http://schemas.microsoft.com/office/powerpoint/2010/main" id="1" dur="indefinite" restart="never" nodeType="tmRoot">
+          <p:childTnLst>
+            <p:seq concurrent="1" nextAc="seek">
+              <p:cTn id="2" dur="indefinite" nodeType="mainSeq">
+                <p:childTnLst>
+                  <p:par>
+                    <p:cTn id="3" fill="hold">
+                      <p:stCondLst>
+                        <p:cond delay="indefinite"/>
+                      </p:stCondLst>
+                      <p:childTnLst>
+                        <p:par>
+                          <p:cTn id="4" fill="hold">
+                            <p:stCondLst>
+                              <p:cond delay="0"/>
+                            </p:stCondLst>
+                            <p:childTnLst>
+                              <p:par>
+                                <p:cTn id="5" presetID="10" presetClass="entr" presetSubtype="0" fill="hold" nodeType="clickEffect">
+                                  <p:stCondLst>
+                                    <p:cond delay="0"/>
+                                  </p:stCondLst>
+                                  <p:childTnLst>
+                                    <p:set>
+                                      <p:cBhvr>
+                                        <p:cTn id="6" dur="1" fill="hold">
+                                          <p:stCondLst>
+                                            <p:cond delay="0"/>
+                                          </p:stCondLst>
+                                        </p:cTn>
+                                        <p:tgtEl>
+                                          <p:spTgt spid="395271">
+                                            <p:txEl>
+                                              <p:pRg st="1" end="1"/>
+                                            </p:txEl>
+                                          </p:spTgt>
+                                        </p:tgtEl>
+                                        <p:attrNameLst>
+                                          <p:attrName>style.visibility</p:attrName>
+                                        </p:attrNameLst>
+                                      </p:cBhvr>
+                                      <p:to>
+                                        <p:strVal val="visible"/>
+                                      </p:to>
+                                    </p:set>
+                                    <p:animEffect transition="in" filter="fade">
+                                      <p:cBhvr>
+                                        <p:cTn id="7" dur="500"/>
+                                        <p:tgtEl>
+                                          <p:spTgt spid="395271">
+                                            <p:txEl>
+                                              <p:pRg st="1" end="1"/>
+                                            </p:txEl>
+                                          </p:spTgt>
+                                        </p:tgtEl>
+                                      </p:cBhvr>
+                                    </p:animEffect>
+                                  </p:childTnLst>
+                                </p:cTn>
+                              </p:par>
+                            </p:childTnLst>
+                          </p:cTn>
+                        </p:par>
+                      </p:childTnLst>
+                    </p:cTn>
+                  </p:par>
+                  <p:par>
+                    <p:cTn id="8" fill="hold">
+                      <p:stCondLst>
+                        <p:cond delay="indefinite"/>
+                      </p:stCondLst>
+                      <p:childTnLst>
+                        <p:par>
+                          <p:cTn id="9" fill="hold">
+                            <p:stCondLst>
+                              <p:cond delay="0"/>
+                            </p:stCondLst>
+                            <p:childTnLst>
+                              <p:par>
+                                <p:cTn id="10" presetID="10" presetClass="entr" presetSubtype="0" fill="hold" nodeType="clickEffect">
+                                  <p:stCondLst>
+                                    <p:cond delay="0"/>
+                                  </p:stCondLst>
+                                  <p:childTnLst>
+                                    <p:set>
+                                      <p:cBhvr>
+                                        <p:cTn id="11" dur="1" fill="hold">
+                                          <p:stCondLst>
+                                            <p:cond delay="0"/>
+                                          </p:stCondLst>
+                                        </p:cTn>
+                                        <p:tgtEl>
+                                          <p:spTgt spid="395271">
+                                            <p:txEl>
+                                              <p:pRg st="2" end="2"/>
+                                            </p:txEl>
+                                          </p:spTgt>
+                                        </p:tgtEl>
+                                        <p:attrNameLst>
+                                          <p:attrName>style.visibility</p:attrName>
+                                        </p:attrNameLst>
+                                      </p:cBhvr>
+                                      <p:to>
+                                        <p:strVal val="visible"/>
+                                      </p:to>
+                                    </p:set>
+                                    <p:animEffect transition="in" filter="fade">
+                                      <p:cBhvr>
+                                        <p:cTn id="12" dur="500"/>
+                                        <p:tgtEl>
+                                          <p:spTgt spid="395271">
+                                            <p:txEl>
+                                              <p:pRg st="2" end="2"/>
+                                            </p:txEl>
+                                          </p:spTgt>
+                                        </p:tgtEl>
+                                      </p:cBhvr>
+                                    </p:animEffect>
+                                  </p:childTnLst>
+                                </p:cTn>
+                              </p:par>
+                            </p:childTnLst>
+                          </p:cTn>
+                        </p:par>
+                      </p:childTnLst>
+                    </p:cTn>
+                  </p:par>
+                  <p:par>
+                    <p:cTn id="13" fill="hold">
+                      <p:stCondLst>
+                        <p:cond delay="indefinite"/>
+                      </p:stCondLst>
+                      <p:childTnLst>
+                        <p:par>
+                          <p:cTn id="14" fill="hold">
+                            <p:stCondLst>
+                              <p:cond delay="0"/>
+                            </p:stCondLst>
+                            <p:childTnLst>
+                              <p:par>
+                                <p:cTn id="15" presetID="22" presetClass="entr" presetSubtype="8" fill="hold" nodeType="clickEffect">
+                                  <p:stCondLst>
+                                    <p:cond delay="0"/>
+                                  </p:stCondLst>
+                                  <p:childTnLst>
+                                    <p:set>
+                                      <p:cBhvr>
+                                        <p:cTn id="16" dur="1" fill="hold">
+                                          <p:stCondLst>
+                                            <p:cond delay="0"/>
+                                          </p:stCondLst>
+                                        </p:cTn>
+                                        <p:tgtEl>
+                                          <p:spTgt spid="395271">
+                                            <p:txEl>
+                                              <p:pRg st="3" end="3"/>
+                                            </p:txEl>
+                                          </p:spTgt>
+                                        </p:tgtEl>
+                                        <p:attrNameLst>
+                                          <p:attrName>style.visibility</p:attrName>
+                                        </p:attrNameLst>
+                                      </p:cBhvr>
+                                      <p:to>
+                                        <p:strVal val="visible"/>
+                                      </p:to>
+                                    </p:set>
+                                    <p:animEffect transition="in" filter="wipe(left)">
+                                      <p:cBhvr>
+                                        <p:cTn id="17" dur="1000"/>
+                                        <p:tgtEl>
+                                          <p:spTgt spid="395271">
+                                            <p:txEl>
+                                              <p:pRg st="3" end="3"/>
+                                            </p:txEl>
+                                          </p:spTgt>
+                                        </p:tgtEl>
+                                      </p:cBhvr>
+                                    </p:animEffect>
+                                  </p:childTnLst>
+                                </p:cTn>
+                              </p:par>
+                            </p:childTnLst>
+                          </p:cTn>
+                        </p:par>
+                      </p:childTnLst>
+                    </p:cTn>
+                  </p:par>
+                  <p:par>
+                    <p:cTn id="18" fill="hold">
+                      <p:stCondLst>
+                        <p:cond delay="indefinite"/>
+                      </p:stCondLst>
+                      <p:childTnLst>
+                        <p:par>
+                          <p:cTn id="19" fill="hold">
+                            <p:stCondLst>
+                              <p:cond delay="0"/>
+                            </p:stCondLst>
+                            <p:childTnLst>
+                              <p:par>
+                                <p:cTn id="20" presetID="22" presetClass="entr" presetSubtype="1" fill="hold" grpId="0" nodeType="clickEffect">
+                                  <p:stCondLst>
+                                    <p:cond delay="0"/>
+                                  </p:stCondLst>
+                                  <p:childTnLst>
+                                    <p:set>
+                                      <p:cBhvr>
+                                        <p:cTn id="21" dur="1" fill="hold">
+                                          <p:stCondLst>
+                                            <p:cond delay="0"/>
+                                          </p:stCondLst>
+                                        </p:cTn>
+                                        <p:tgtEl>
+                                          <p:spTgt spid="395272"/>
+                                        </p:tgtEl>
+                                        <p:attrNameLst>
+                                          <p:attrName>style.visibility</p:attrName>
+                                        </p:attrNameLst>
+                                      </p:cBhvr>
+                                      <p:to>
+                                        <p:strVal val="visible"/>
+                                      </p:to>
+                                    </p:set>
+                                    <p:animEffect transition="in" filter="wipe(up)">
+                                      <p:cBhvr>
+                                        <p:cTn id="22" dur="500"/>
+                                        <p:tgtEl>
+                                          <p:spTgt spid="395272"/>
+                                        </p:tgtEl>
+                                      </p:cBhvr>
+                                    </p:animEffect>
+                                  </p:childTnLst>
+                                </p:cTn>
+                              </p:par>
+                            </p:childTnLst>
+                          </p:cTn>
+                        </p:par>
+                      </p:childTnLst>
+                    </p:cTn>
+                  </p:par>
+                  <p:par>
+                    <p:cTn id="23" fill="hold">
+                      <p:stCondLst>
+                        <p:cond delay="indefinite"/>
+                      </p:stCondLst>
+                      <p:childTnLst>
+                        <p:par>
+                          <p:cTn id="24" fill="hold">
+                            <p:stCondLst>
+                              <p:cond delay="0"/>
+                            </p:stCondLst>
+                            <p:childTnLst>
+                              <p:par>
+                                <p:cTn id="25" presetID="22" presetClass="entr" presetSubtype="8" fill="hold" nodeType="clickEffect">
+                                  <p:stCondLst>
+                                    <p:cond delay="0"/>
+                                  </p:stCondLst>
+                                  <p:childTnLst>
+                                    <p:set>
+                                      <p:cBhvr>
+                                        <p:cTn id="26" dur="1" fill="hold">
+                                          <p:stCondLst>
+                                            <p:cond delay="0"/>
+                                          </p:stCondLst>
+                                        </p:cTn>
+                                        <p:tgtEl>
+                                          <p:spTgt spid="395271">
+                                            <p:txEl>
+                                              <p:pRg st="4" end="4"/>
+                                            </p:txEl>
+                                          </p:spTgt>
+                                        </p:tgtEl>
+                                        <p:attrNameLst>
+                                          <p:attrName>style.visibility</p:attrName>
+                                        </p:attrNameLst>
+                                      </p:cBhvr>
+                                      <p:to>
+                                        <p:strVal val="visible"/>
+                                      </p:to>
+                                    </p:set>
+                                    <p:animEffect transition="in" filter="wipe(left)">
+                                      <p:cBhvr>
+                                        <p:cTn id="27" dur="500"/>
+                                        <p:tgtEl>
+                                          <p:spTgt spid="395271">
+                                            <p:txEl>
+                                              <p:pRg st="4" end="4"/>
+                                            </p:txEl>
+                                          </p:spTgt>
+                                        </p:tgtEl>
+                                      </p:cBhvr>
+                                    </p:animEffect>
+                                  </p:childTnLst>
+                                </p:cTn>
+                              </p:par>
+                            </p:childTnLst>
+                          </p:cTn>
+                        </p:par>
+                      </p:childTnLst>
+                    </p:cTn>
+                  </p:par>
+                </p:childTnLst>
+              </p:cTn>
+              <p:prevCondLst>
+                <p:cond evt="onPrev" delay="0">
+                  <p:tgtEl>
+                    <p:sldTgt/>
+                  </p:tgtEl>
+                </p:cond>
+              </p:prevCondLst>
+              <p:nextCondLst>
+                <p:cond evt="onNext" delay="0">
+                  <p:tgtEl>
+                    <p:sldTgt/>
+                  </p:tgtEl>
+                </p:cond>
+              </p:nextCondLst>
+            </p:seq>
+          </p:childTnLst>
+        </p:cTn>
+      </p:par>
+    </p:tnLst>
+    <p:bldLst>
+      <p:bldP spid="395272" grpId="0" animBg="1"/>
+    </p:bldLst>
+  </p:timing>
+</p:sld>
+</file>
+
+<file path=ppt/slides/slide11.xml><?xml version="1.0" encoding="utf-8"?>
+<p:sld xmlns:a="http://schemas.openxmlformats.org/drawingml/2006/main" xmlns:r="http://schemas.openxmlformats.org/officeDocument/2006/relationships" xmlns:p="http://schemas.openxmlformats.org/presentationml/2006/main">
+  <p:cSld>
+    <p:spTree>
+      <p:nvGrpSpPr>
+        <p:cNvPr id="1" name=""/>
+        <p:cNvGrpSpPr/>
+        <p:nvPr/>
+      </p:nvGrpSpPr>
+      <p:grpSpPr>
+        <a:xfrm>
+          <a:off x="0" y="0"/>
+          <a:ext cx="0" cy="0"/>
+          <a:chOff x="0" y="0"/>
+          <a:chExt cx="0" cy="0"/>
+        </a:xfrm>
+      </p:grpSpPr>
+      <p:sp>
+        <p:nvSpPr>
+          <p:cNvPr id="5123" name="Slide Number Placeholder 3"/>
+          <p:cNvSpPr>
+            <a:spLocks noGrp="1"/>
+          </p:cNvSpPr>
+          <p:nvPr>
+            <p:ph type="sldNum" sz="quarter" idx="10"/>
+          </p:nvPr>
+        </p:nvSpPr>
+        <p:spPr>
+          <a:noFill/>
+        </p:spPr>
+        <p:txBody>
+          <a:bodyPr/>
+          <a:lstStyle/>
+          <a:p>
+            <a:r>
+              <a:rPr lang="en-US" dirty="0" smtClean="0"/>
+              <a:t>genprod.</a:t>
+            </a:r>
+            <a:fld id="{535B0B3B-67E6-46AF-BCEC-1DA2665CBE45}" type="slidenum">
+              <a:rPr lang="en-US" smtClean="0"/>
+              <a:pPr/>
+              <a:t>11</a:t>
+            </a:fld>
+            <a:endParaRPr lang="en-US" dirty="0" smtClean="0"/>
+          </a:p>
+        </p:txBody>
+      </p:sp>
+      <p:sp>
+        <p:nvSpPr>
+          <p:cNvPr id="5124" name="Rectangle 2"/>
+          <p:cNvSpPr>
+            <a:spLocks noGrp="1" noChangeArrowheads="1"/>
+          </p:cNvSpPr>
+          <p:nvPr>
+            <p:ph type="title"/>
+          </p:nvPr>
+        </p:nvSpPr>
+        <p:spPr/>
+        <p:txBody>
+          <a:bodyPr/>
+          <a:lstStyle/>
+          <a:p>
+            <a:pPr eaLnBrk="1" hangingPunct="1"/>
+            <a:r>
+              <a:rPr lang="en-US" dirty="0" smtClean="0"/>
+              <a:t>Counting Subsets</a:t>
+            </a:r>
+          </a:p>
+        </p:txBody>
+      </p:sp>
+      <p:graphicFrame>
+        <p:nvGraphicFramePr>
+          <p:cNvPr id="5122" name="Object 3"/>
+          <p:cNvGraphicFramePr>
+            <a:graphicFrameLocks noChangeAspect="1"/>
+          </p:cNvGraphicFramePr>
+          <p:nvPr/>
+        </p:nvGraphicFramePr>
+        <p:xfrm>
+          <a:off x="3022600" y="2514600"/>
+          <a:ext cx="914400" cy="198438"/>
+        </p:xfrm>
+        <a:graphic>
+          <a:graphicData uri="http://schemas.openxmlformats.org/presentationml/2006/ole">
+            <mc:AlternateContent xmlns:mc="http://schemas.openxmlformats.org/markup-compatibility/2006">
+              <mc:Choice xmlns:v="urn:schemas-microsoft-com:vml" Requires="v">
+                <p:oleObj spid="_x0000_s5164" name="Equation" r:id="rId4" imgW="914400" imgH="198720" progId="Equation.DSMT4">
+                  <p:embed/>
+                </p:oleObj>
+              </mc:Choice>
+              <mc:Fallback>
+                <p:oleObj name="Equation" r:id="rId4" imgW="914400" imgH="198720" progId="Equation.DSMT4">
+                  <p:embed/>
+                  <p:pic>
+                    <p:nvPicPr>
+                      <p:cNvPr id="0" name="Object 3"/>
+                      <p:cNvPicPr>
+                        <a:picLocks noChangeAspect="1" noChangeArrowheads="1"/>
+                      </p:cNvPicPr>
+                      <p:nvPr/>
+                    </p:nvPicPr>
+                    <p:blipFill>
+                      <a:blip r:embed="rId5">
+                        <a:extLst>
+                          <a:ext uri="{28A0092B-C50C-407E-A947-70E740481C1C}">
+                            <a14:useLocalDpi xmlns:a14="http://schemas.microsoft.com/office/drawing/2010/main" val="0"/>
+                          </a:ext>
+                        </a:extLst>
+                      </a:blip>
+                      <a:srcRect/>
+                      <a:stretch>
+                        <a:fillRect/>
+                      </a:stretch>
+                    </p:blipFill>
+                    <p:spPr bwMode="auto">
+                      <a:xfrm>
+                        <a:off x="3022600" y="2514600"/>
+                        <a:ext cx="914400" cy="198438"/>
+                      </a:xfrm>
+                      <a:prstGeom prst="rect">
+                        <a:avLst/>
+                      </a:prstGeom>
+                      <a:noFill/>
+                      <a:extLst>
+                        <a:ext uri="{909E8E84-426E-40dd-AFC4-6F175D3DCCD1}">
+                          <a14:hiddenFill xmlns:a14="http://schemas.microsoft.com/office/drawing/2010/main">
+                            <a:solidFill>
+                              <a:srgbClr val="FFFFFF"/>
+                            </a:solidFill>
+                          </a14:hiddenFill>
+                        </a:ext>
+                      </a:extLst>
+                    </p:spPr>
+                  </p:pic>
+                </p:oleObj>
+              </mc:Fallback>
+            </mc:AlternateContent>
+          </a:graphicData>
+        </a:graphic>
+      </p:graphicFrame>
+      <p:sp>
+        <p:nvSpPr>
+          <p:cNvPr id="10246" name="Text Box 4"/>
+          <p:cNvSpPr txBox="1">
+            <a:spLocks noChangeArrowheads="1"/>
+          </p:cNvSpPr>
+          <p:nvPr/>
+        </p:nvSpPr>
+        <p:spPr bwMode="auto">
+          <a:xfrm>
+            <a:off x="381000" y="1447800"/>
+            <a:ext cx="8458200" cy="3945696"/>
+          </a:xfrm>
+          <a:prstGeom prst="rect">
+            <a:avLst/>
+          </a:prstGeom>
+          <a:noFill/>
+          <a:ln w="31750">
+            <a:noFill/>
+            <a:prstDash val="sysDot"/>
+            <a:miter lim="800000"/>
+            <a:headEnd/>
+            <a:tailEnd/>
+          </a:ln>
+        </p:spPr>
+        <p:txBody>
+          <a:bodyPr>
+            <a:spAutoFit/>
+          </a:bodyPr>
+          <a:lstStyle/>
+          <a:p>
+            <a:pPr marL="342900" indent="-342900">
+              <a:defRPr/>
+            </a:pPr>
+            <a:r>
+              <a:rPr lang="en-US" sz="4000" dirty="0">
+                <a:solidFill>
+                  <a:srgbClr val="008000"/>
+                </a:solidFill>
+              </a:rPr>
+              <a:t> </a:t>
+            </a:r>
+            <a:r>
+              <a:rPr lang="en-US" sz="4400" dirty="0">
+                <a:solidFill>
+                  <a:srgbClr val="3333CC"/>
+                </a:solidFill>
+                <a:latin typeface="Comic Sans MS" pitchFamily="66" charset="0"/>
+              </a:rPr>
+              <a:t>a</a:t>
+            </a:r>
+            <a:r>
+              <a:rPr lang="en-US" sz="4400" baseline="-25000" dirty="0">
+                <a:solidFill>
+                  <a:srgbClr val="FF00FF"/>
+                </a:solidFill>
+                <a:latin typeface="Comic Sans MS" pitchFamily="66" charset="0"/>
+              </a:rPr>
+              <a:t>1</a:t>
+            </a:r>
+            <a:r>
+              <a:rPr lang="en-US" sz="4400" baseline="-25000" dirty="0">
+                <a:solidFill>
+                  <a:srgbClr val="3333CC"/>
+                </a:solidFill>
+                <a:latin typeface="Comic Sans MS" pitchFamily="66" charset="0"/>
+              </a:rPr>
+              <a:t> </a:t>
+            </a:r>
+            <a:r>
+              <a:rPr lang="en-US" sz="4400" dirty="0">
+                <a:solidFill>
+                  <a:srgbClr val="3333CC"/>
+                </a:solidFill>
+                <a:latin typeface="Comic Sans MS" pitchFamily="66" charset="0"/>
+              </a:rPr>
+              <a:t>a</a:t>
+            </a:r>
+            <a:r>
+              <a:rPr lang="en-US" sz="4400" baseline="-25000" dirty="0">
+                <a:solidFill>
+                  <a:srgbClr val="FF00FF"/>
+                </a:solidFill>
+                <a:latin typeface="Comic Sans MS" pitchFamily="66" charset="0"/>
+              </a:rPr>
+              <a:t>3</a:t>
+            </a:r>
+            <a:r>
+              <a:rPr lang="en-US" sz="4400" baseline="-25000" dirty="0">
+                <a:solidFill>
+                  <a:srgbClr val="3333CC"/>
+                </a:solidFill>
+                <a:latin typeface="Comic Sans MS" pitchFamily="66" charset="0"/>
+              </a:rPr>
+              <a:t> </a:t>
+            </a:r>
+            <a:r>
+              <a:rPr lang="en-US" sz="4400" dirty="0">
+                <a:solidFill>
+                  <a:srgbClr val="3333CC"/>
+                </a:solidFill>
+                <a:latin typeface="Comic Sans MS" pitchFamily="66" charset="0"/>
+              </a:rPr>
+              <a:t>a</a:t>
+            </a:r>
+            <a:r>
+              <a:rPr lang="en-US" sz="4400" baseline="-25000" dirty="0">
+                <a:solidFill>
+                  <a:srgbClr val="FF00FF"/>
+                </a:solidFill>
+                <a:latin typeface="Comic Sans MS" pitchFamily="66" charset="0"/>
+              </a:rPr>
+              <a:t>2</a:t>
+            </a:r>
+            <a:r>
+              <a:rPr lang="en-US" sz="4400" baseline="-25000" dirty="0">
+                <a:solidFill>
+                  <a:srgbClr val="3333CC"/>
+                </a:solidFill>
+                <a:latin typeface="Comic Sans MS" pitchFamily="66" charset="0"/>
+              </a:rPr>
+              <a:t> </a:t>
+            </a:r>
+            <a:r>
+              <a:rPr lang="en-US" sz="4400" dirty="0">
+                <a:solidFill>
+                  <a:srgbClr val="3333CC"/>
+                </a:solidFill>
+                <a:latin typeface="Comic Sans MS" pitchFamily="66" charset="0"/>
+              </a:rPr>
+              <a:t>a</a:t>
+            </a:r>
+            <a:r>
+              <a:rPr lang="en-US" sz="4400" baseline="-25000" dirty="0">
+                <a:solidFill>
+                  <a:srgbClr val="FF00FF"/>
+                </a:solidFill>
+                <a:latin typeface="Comic Sans MS" pitchFamily="66" charset="0"/>
+              </a:rPr>
+              <a:t>4</a:t>
+            </a:r>
+            <a:r>
+              <a:rPr lang="en-US" sz="4400" baseline="-25000" dirty="0">
+                <a:solidFill>
+                  <a:srgbClr val="3333CC"/>
+                </a:solidFill>
+                <a:latin typeface="Comic Sans MS" pitchFamily="66" charset="0"/>
+              </a:rPr>
+              <a:t> </a:t>
+            </a:r>
+            <a:r>
+              <a:rPr lang="en-US" sz="4400" dirty="0">
+                <a:solidFill>
+                  <a:srgbClr val="3333CC"/>
+                </a:solidFill>
+                <a:latin typeface="Comic Sans MS" pitchFamily="66" charset="0"/>
+              </a:rPr>
+              <a:t>a</a:t>
+            </a:r>
+            <a:r>
+              <a:rPr lang="en-US" sz="4400" baseline="-25000" dirty="0">
+                <a:solidFill>
+                  <a:srgbClr val="3333CC"/>
+                </a:solidFill>
+                <a:latin typeface="Comic Sans MS" pitchFamily="66" charset="0"/>
+              </a:rPr>
+              <a:t>5</a:t>
+            </a:r>
+            <a:r>
+              <a:rPr lang="en-US" sz="4400" dirty="0">
+                <a:solidFill>
+                  <a:srgbClr val="3333CC"/>
+                </a:solidFill>
+                <a:latin typeface="Comic Sans MS" pitchFamily="66" charset="0"/>
+                <a:sym typeface="Euclid Extra" pitchFamily="18" charset="2"/>
+              </a:rPr>
+              <a:t>…</a:t>
+            </a:r>
+            <a:r>
+              <a:rPr lang="en-US" sz="4400" dirty="0">
+                <a:solidFill>
+                  <a:srgbClr val="3333CC"/>
+                </a:solidFill>
+                <a:latin typeface="Comic Sans MS" pitchFamily="66" charset="0"/>
+              </a:rPr>
+              <a:t>a</a:t>
+            </a:r>
+            <a:r>
+              <a:rPr lang="en-US" sz="4400" baseline="-25000" dirty="0">
+                <a:solidFill>
+                  <a:srgbClr val="3333CC"/>
+                </a:solidFill>
+                <a:latin typeface="Comic Sans MS" pitchFamily="66" charset="0"/>
+              </a:rPr>
+              <a:t>12 </a:t>
+            </a:r>
+            <a:r>
+              <a:rPr lang="en-US" sz="4400" dirty="0">
+                <a:solidFill>
+                  <a:srgbClr val="3333CC"/>
+                </a:solidFill>
+                <a:latin typeface="Comic Sans MS" pitchFamily="66" charset="0"/>
+              </a:rPr>
+              <a:t>a</a:t>
+            </a:r>
+            <a:r>
+              <a:rPr lang="en-US" sz="4400" baseline="-25000" dirty="0">
+                <a:solidFill>
+                  <a:srgbClr val="3333CC"/>
+                </a:solidFill>
+                <a:latin typeface="Comic Sans MS" pitchFamily="66" charset="0"/>
+              </a:rPr>
+              <a:t>13 </a:t>
+            </a:r>
+            <a:r>
+              <a:rPr lang="en-US" sz="4400" dirty="0">
+                <a:latin typeface="Comic Sans MS" pitchFamily="66" charset="0"/>
+              </a:rPr>
+              <a:t>also </a:t>
+            </a:r>
+            <a:r>
+              <a:rPr lang="en-US" sz="4400" dirty="0" smtClean="0">
+                <a:latin typeface="Comic Sans MS" pitchFamily="66" charset="0"/>
+              </a:rPr>
+              <a:t>maps</a:t>
+            </a:r>
+          </a:p>
+          <a:p>
+            <a:pPr marL="342900" indent="-342900">
+              <a:defRPr/>
+            </a:pPr>
+            <a:r>
+              <a:rPr lang="en-US" sz="4400" dirty="0" smtClean="0">
+                <a:latin typeface="Comic Sans MS" pitchFamily="66" charset="0"/>
+              </a:rPr>
+              <a:t>to </a:t>
+            </a:r>
+            <a:r>
+              <a:rPr lang="en-US" sz="4400" dirty="0" smtClean="0">
+                <a:solidFill>
+                  <a:srgbClr val="00B050"/>
+                </a:solidFill>
+                <a:latin typeface="Comic Sans MS" pitchFamily="66" charset="0"/>
+              </a:rPr>
+              <a:t>{a</a:t>
+            </a:r>
+            <a:r>
+              <a:rPr lang="en-US" sz="4400" baseline="-25000" dirty="0" smtClean="0">
+                <a:solidFill>
+                  <a:srgbClr val="00B050"/>
+                </a:solidFill>
+                <a:latin typeface="Comic Sans MS" pitchFamily="66" charset="0"/>
+              </a:rPr>
+              <a:t>1</a:t>
+            </a:r>
+            <a:r>
+              <a:rPr lang="en-US" sz="4400" dirty="0" smtClean="0">
+                <a:solidFill>
+                  <a:srgbClr val="00B050"/>
+                </a:solidFill>
+                <a:latin typeface="Comic Sans MS" pitchFamily="66" charset="0"/>
+              </a:rPr>
+              <a:t>, a</a:t>
+            </a:r>
+            <a:r>
+              <a:rPr lang="en-US" sz="4400" baseline="-25000" dirty="0" smtClean="0">
+                <a:solidFill>
+                  <a:srgbClr val="00B050"/>
+                </a:solidFill>
+                <a:latin typeface="Comic Sans MS" pitchFamily="66" charset="0"/>
+              </a:rPr>
+              <a:t>2</a:t>
+            </a:r>
+            <a:r>
+              <a:rPr lang="en-US" sz="4400" dirty="0" smtClean="0">
+                <a:solidFill>
+                  <a:srgbClr val="00B050"/>
+                </a:solidFill>
+                <a:latin typeface="Comic Sans MS" pitchFamily="66" charset="0"/>
+              </a:rPr>
+              <a:t>, a</a:t>
+            </a:r>
+            <a:r>
+              <a:rPr lang="en-US" sz="4400" baseline="-25000" dirty="0" smtClean="0">
+                <a:solidFill>
+                  <a:srgbClr val="00B050"/>
+                </a:solidFill>
+                <a:latin typeface="Comic Sans MS" pitchFamily="66" charset="0"/>
+              </a:rPr>
+              <a:t>3</a:t>
+            </a:r>
+            <a:r>
+              <a:rPr lang="en-US" sz="4400" dirty="0" smtClean="0">
+                <a:solidFill>
+                  <a:srgbClr val="00B050"/>
+                </a:solidFill>
+                <a:latin typeface="Comic Sans MS" pitchFamily="66" charset="0"/>
+              </a:rPr>
+              <a:t>,</a:t>
+            </a:r>
+            <a:r>
+              <a:rPr lang="en-US" sz="4400" baseline="-25000" dirty="0" smtClean="0">
+                <a:solidFill>
+                  <a:srgbClr val="00B050"/>
+                </a:solidFill>
+                <a:latin typeface="Comic Sans MS" pitchFamily="66" charset="0"/>
+              </a:rPr>
+              <a:t> </a:t>
+            </a:r>
+            <a:r>
+              <a:rPr lang="en-US" sz="4400" dirty="0">
+                <a:solidFill>
+                  <a:srgbClr val="00B050"/>
+                </a:solidFill>
+                <a:latin typeface="Comic Sans MS" pitchFamily="66" charset="0"/>
+              </a:rPr>
+              <a:t>a</a:t>
+            </a:r>
+            <a:r>
+              <a:rPr lang="en-US" sz="4400" baseline="-25000" dirty="0">
+                <a:solidFill>
+                  <a:srgbClr val="00B050"/>
+                </a:solidFill>
+                <a:latin typeface="Comic Sans MS" pitchFamily="66" charset="0"/>
+              </a:rPr>
+              <a:t>4</a:t>
+            </a:r>
+            <a:r>
+              <a:rPr lang="en-US" sz="4400" dirty="0">
+                <a:solidFill>
+                  <a:srgbClr val="00B050"/>
+                </a:solidFill>
+                <a:latin typeface="Comic Sans MS" pitchFamily="66" charset="0"/>
+              </a:rPr>
+              <a:t>}</a:t>
+            </a:r>
+          </a:p>
+          <a:p>
+            <a:pPr marL="342900" indent="-342900">
+              <a:defRPr/>
+            </a:pPr>
+            <a:r>
+              <a:rPr lang="en-US" sz="4000" dirty="0" smtClean="0">
+                <a:latin typeface="Comic Sans MS" pitchFamily="66" charset="0"/>
+              </a:rPr>
+              <a:t>so does</a:t>
+            </a:r>
+            <a:r>
+              <a:rPr lang="en-US" sz="4000" dirty="0" smtClean="0">
+                <a:solidFill>
+                  <a:srgbClr val="3333CC"/>
+                </a:solidFill>
+                <a:latin typeface="Comic Sans MS" pitchFamily="66" charset="0"/>
+              </a:rPr>
+              <a:t>  </a:t>
+            </a:r>
+            <a:r>
+              <a:rPr lang="en-US" sz="4800" dirty="0" smtClean="0">
+                <a:solidFill>
+                  <a:srgbClr val="3333CC"/>
+                </a:solidFill>
+                <a:latin typeface="Comic Sans MS" pitchFamily="66" charset="0"/>
+              </a:rPr>
+              <a:t>a</a:t>
+            </a:r>
+            <a:r>
+              <a:rPr lang="en-US" sz="4800" baseline="-25000" dirty="0" smtClean="0">
+                <a:solidFill>
+                  <a:srgbClr val="3333CC"/>
+                </a:solidFill>
+                <a:latin typeface="Comic Sans MS" pitchFamily="66" charset="0"/>
+              </a:rPr>
+              <a:t>1 </a:t>
+            </a:r>
+            <a:r>
+              <a:rPr lang="en-US" sz="4800" dirty="0">
+                <a:solidFill>
+                  <a:srgbClr val="3333CC"/>
+                </a:solidFill>
+                <a:latin typeface="Comic Sans MS" pitchFamily="66" charset="0"/>
+              </a:rPr>
+              <a:t>a</a:t>
+            </a:r>
+            <a:r>
+              <a:rPr lang="en-US" sz="4800" baseline="-25000" dirty="0">
+                <a:solidFill>
+                  <a:schemeClr val="accent1">
+                    <a:lumMod val="50000"/>
+                  </a:schemeClr>
+                </a:solidFill>
+                <a:latin typeface="Comic Sans MS" pitchFamily="66" charset="0"/>
+              </a:rPr>
+              <a:t>3</a:t>
+            </a:r>
+            <a:r>
+              <a:rPr lang="en-US" sz="4800" baseline="-25000" dirty="0">
+                <a:solidFill>
+                  <a:srgbClr val="3333CC"/>
+                </a:solidFill>
+                <a:latin typeface="Comic Sans MS" pitchFamily="66" charset="0"/>
+              </a:rPr>
+              <a:t> </a:t>
+            </a:r>
+            <a:r>
+              <a:rPr lang="en-US" sz="4800" dirty="0">
+                <a:solidFill>
+                  <a:srgbClr val="3333CC"/>
+                </a:solidFill>
+                <a:latin typeface="Comic Sans MS" pitchFamily="66" charset="0"/>
+              </a:rPr>
+              <a:t>a</a:t>
+            </a:r>
+            <a:r>
+              <a:rPr lang="en-US" sz="4800" baseline="-25000" dirty="0">
+                <a:solidFill>
+                  <a:schemeClr val="accent1">
+                    <a:lumMod val="50000"/>
+                  </a:schemeClr>
+                </a:solidFill>
+                <a:latin typeface="Comic Sans MS" pitchFamily="66" charset="0"/>
+              </a:rPr>
+              <a:t>2</a:t>
+            </a:r>
+            <a:r>
+              <a:rPr lang="en-US" sz="4800" baseline="-25000" dirty="0">
+                <a:solidFill>
+                  <a:srgbClr val="3333CC"/>
+                </a:solidFill>
+                <a:latin typeface="Comic Sans MS" pitchFamily="66" charset="0"/>
+              </a:rPr>
+              <a:t> </a:t>
+            </a:r>
+            <a:r>
+              <a:rPr lang="en-US" sz="4800" dirty="0">
+                <a:solidFill>
+                  <a:srgbClr val="3333CC"/>
+                </a:solidFill>
+                <a:latin typeface="Comic Sans MS" pitchFamily="66" charset="0"/>
+              </a:rPr>
+              <a:t>a</a:t>
+            </a:r>
+            <a:r>
+              <a:rPr lang="en-US" sz="4800" baseline="-25000" dirty="0">
+                <a:solidFill>
+                  <a:srgbClr val="3333CC"/>
+                </a:solidFill>
+                <a:latin typeface="Comic Sans MS" pitchFamily="66" charset="0"/>
+              </a:rPr>
+              <a:t>4 </a:t>
+            </a:r>
+            <a:r>
+              <a:rPr lang="en-US" sz="4800" dirty="0" smtClean="0">
+                <a:solidFill>
+                  <a:srgbClr val="3333CC"/>
+                </a:solidFill>
+                <a:latin typeface="Comic Sans MS" pitchFamily="66" charset="0"/>
+              </a:rPr>
+              <a:t>a</a:t>
+            </a:r>
+            <a:r>
+              <a:rPr lang="en-US" sz="4800" baseline="-25000" dirty="0" smtClean="0">
+                <a:solidFill>
+                  <a:srgbClr val="FF00FF"/>
+                </a:solidFill>
+                <a:latin typeface="Comic Sans MS" pitchFamily="66" charset="0"/>
+              </a:rPr>
+              <a:t>13 </a:t>
+            </a:r>
+            <a:r>
+              <a:rPr lang="en-US" sz="4800" dirty="0" smtClean="0">
+                <a:solidFill>
+                  <a:srgbClr val="3333CC"/>
+                </a:solidFill>
+                <a:latin typeface="Comic Sans MS" pitchFamily="66" charset="0"/>
+                <a:sym typeface="Euclid Extra" pitchFamily="18" charset="2"/>
+              </a:rPr>
+              <a:t>… </a:t>
+            </a:r>
+            <a:r>
+              <a:rPr lang="en-US" sz="4800" dirty="0" smtClean="0">
+                <a:solidFill>
+                  <a:srgbClr val="3333CC"/>
+                </a:solidFill>
+                <a:latin typeface="Comic Sans MS" pitchFamily="66" charset="0"/>
+              </a:rPr>
+              <a:t>a</a:t>
+            </a:r>
+            <a:r>
+              <a:rPr lang="en-US" sz="4800" baseline="-25000" dirty="0" smtClean="0">
+                <a:solidFill>
+                  <a:srgbClr val="FF00FF"/>
+                </a:solidFill>
+                <a:latin typeface="Comic Sans MS" pitchFamily="66" charset="0"/>
+              </a:rPr>
+              <a:t>12</a:t>
+            </a:r>
+            <a:r>
+              <a:rPr lang="en-US" sz="4800" baseline="-25000" dirty="0" smtClean="0">
+                <a:solidFill>
+                  <a:srgbClr val="3333CC"/>
+                </a:solidFill>
+                <a:latin typeface="Comic Sans MS" pitchFamily="66" charset="0"/>
+              </a:rPr>
+              <a:t> </a:t>
+            </a:r>
+            <a:r>
+              <a:rPr lang="en-US" sz="4800" dirty="0" smtClean="0">
+                <a:solidFill>
+                  <a:srgbClr val="3333CC"/>
+                </a:solidFill>
+                <a:latin typeface="Comic Sans MS" pitchFamily="66" charset="0"/>
+              </a:rPr>
+              <a:t>a</a:t>
+            </a:r>
+            <a:r>
+              <a:rPr lang="en-US" sz="4800" baseline="-25000" dirty="0" smtClean="0">
+                <a:solidFill>
+                  <a:srgbClr val="FF00FF"/>
+                </a:solidFill>
+                <a:latin typeface="Comic Sans MS" pitchFamily="66" charset="0"/>
+              </a:rPr>
+              <a:t>5</a:t>
+            </a:r>
+          </a:p>
+          <a:p>
+            <a:pPr marL="342900" indent="-342900">
+              <a:defRPr/>
+            </a:pPr>
+            <a:endParaRPr lang="en-US" sz="4800" baseline="-25000" dirty="0" smtClean="0">
+              <a:solidFill>
+                <a:srgbClr val="FF00FF"/>
+              </a:solidFill>
+              <a:latin typeface="Comic Sans MS" pitchFamily="66" charset="0"/>
+            </a:endParaRPr>
+          </a:p>
+          <a:p>
+            <a:pPr marL="342900" indent="-342900">
+              <a:defRPr/>
+            </a:pPr>
+            <a:r>
+              <a:rPr lang="en-US" sz="4800" dirty="0" smtClean="0">
+                <a:latin typeface="Comic Sans MS" pitchFamily="66" charset="0"/>
+              </a:rPr>
+              <a:t>all map to same set</a:t>
+            </a:r>
+          </a:p>
+        </p:txBody>
+      </p:sp>
+      <p:sp>
+        <p:nvSpPr>
+          <p:cNvPr id="396294" name="Text Box 6"/>
+          <p:cNvSpPr txBox="1">
+            <a:spLocks noChangeArrowheads="1"/>
+          </p:cNvSpPr>
+          <p:nvPr/>
+        </p:nvSpPr>
+        <p:spPr bwMode="auto">
+          <a:xfrm>
+            <a:off x="3276600" y="5410200"/>
+            <a:ext cx="3629118" cy="1015663"/>
+          </a:xfrm>
+          <a:prstGeom prst="rect">
+            <a:avLst/>
+          </a:prstGeom>
+          <a:noFill/>
+          <a:ln w="31750">
+            <a:noFill/>
+            <a:prstDash val="sysDot"/>
+            <a:miter lim="800000"/>
+            <a:headEnd/>
+            <a:tailEnd/>
+          </a:ln>
+        </p:spPr>
+        <p:txBody>
+          <a:bodyPr wrap="none">
+            <a:spAutoFit/>
+          </a:bodyPr>
+          <a:lstStyle/>
+          <a:p>
+            <a:pPr marL="342900" indent="-342900">
+              <a:defRPr/>
+            </a:pPr>
+            <a:r>
+              <a:rPr lang="en-US" sz="6000" dirty="0">
+                <a:solidFill>
+                  <a:srgbClr val="A92082"/>
+                </a:solidFill>
+                <a:latin typeface="Comic Sans MS" pitchFamily="66" charset="0"/>
+              </a:rPr>
+              <a:t>4</a:t>
+            </a:r>
+            <a:r>
+              <a:rPr lang="en-US" sz="6000" dirty="0" smtClean="0">
+                <a:solidFill>
+                  <a:srgbClr val="A92082"/>
+                </a:solidFill>
+                <a:latin typeface="Comic Sans MS" pitchFamily="66" charset="0"/>
+              </a:rPr>
+              <a:t>!</a:t>
+            </a:r>
+            <a:r>
+              <a:rPr lang="en-US" sz="6000" dirty="0" smtClean="0">
+                <a:solidFill>
+                  <a:srgbClr val="A92082"/>
+                </a:solidFill>
+                <a:latin typeface="Comic Sans MS" pitchFamily="66" charset="0"/>
+                <a:sym typeface="Euclid Symbol" pitchFamily="18" charset="2"/>
+              </a:rPr>
+              <a:t>⋅</a:t>
+            </a:r>
+            <a:r>
+              <a:rPr lang="en-US" sz="6000" dirty="0" smtClean="0">
+                <a:solidFill>
+                  <a:srgbClr val="A92082"/>
+                </a:solidFill>
+                <a:latin typeface="Comic Sans MS" pitchFamily="66" charset="0"/>
+              </a:rPr>
+              <a:t>9</a:t>
+            </a:r>
+            <a:r>
+              <a:rPr lang="en-US" sz="6000" dirty="0">
+                <a:solidFill>
+                  <a:srgbClr val="A92082"/>
+                </a:solidFill>
+                <a:latin typeface="Comic Sans MS" pitchFamily="66" charset="0"/>
+              </a:rPr>
+              <a:t>!-to-1</a:t>
+            </a:r>
+          </a:p>
+        </p:txBody>
+      </p:sp>
+      <p:sp>
+        <p:nvSpPr>
+          <p:cNvPr id="5127" name="Rectangle 11"/>
+          <p:cNvSpPr>
+            <a:spLocks noChangeArrowheads="1"/>
+          </p:cNvSpPr>
+          <p:nvPr/>
+        </p:nvSpPr>
+        <p:spPr bwMode="auto">
+          <a:xfrm>
+            <a:off x="411480" y="1625600"/>
+            <a:ext cx="2560320" cy="584200"/>
+          </a:xfrm>
+          <a:prstGeom prst="rect">
+            <a:avLst/>
+          </a:prstGeom>
+          <a:noFill/>
+          <a:ln w="38100" algn="ctr">
+            <a:solidFill>
+              <a:srgbClr val="008000"/>
+            </a:solidFill>
+            <a:round/>
+            <a:headEnd/>
+            <a:tailEnd type="triangle" w="med" len="med"/>
+          </a:ln>
+        </p:spPr>
+        <p:txBody>
+          <a:bodyPr>
+            <a:spAutoFit/>
+          </a:bodyPr>
+          <a:lstStyle/>
+          <a:p>
+            <a:pPr marL="342900" indent="-342900"/>
+            <a:endParaRPr lang="en-US" dirty="0"/>
+          </a:p>
+        </p:txBody>
+      </p:sp>
+      <p:grpSp>
+        <p:nvGrpSpPr>
+          <p:cNvPr id="14" name="Group 13"/>
+          <p:cNvGrpSpPr/>
+          <p:nvPr/>
+        </p:nvGrpSpPr>
+        <p:grpSpPr>
+          <a:xfrm>
+            <a:off x="2453640" y="3810000"/>
+            <a:ext cx="2651760" cy="860286"/>
+            <a:chOff x="2453640" y="3810000"/>
+            <a:chExt cx="2651760" cy="860286"/>
+          </a:xfrm>
+        </p:grpSpPr>
+        <p:sp>
+          <p:nvSpPr>
+            <p:cNvPr id="8" name="Left Brace 7"/>
+            <p:cNvSpPr/>
+            <p:nvPr/>
+          </p:nvSpPr>
+          <p:spPr bwMode="auto">
+            <a:xfrm rot="16200000">
+              <a:off x="3688080" y="2575560"/>
+              <a:ext cx="182880" cy="2651760"/>
+            </a:xfrm>
+            <a:prstGeom prst="leftBrace">
+              <a:avLst/>
+            </a:prstGeom>
+            <a:noFill/>
+            <a:ln w="34925" cap="flat" cmpd="sng" algn="ctr">
+              <a:solidFill>
+                <a:schemeClr val="tx1"/>
+              </a:solidFill>
+              <a:prstDash val="solid"/>
+              <a:round/>
+              <a:headEnd type="none" w="med" len="med"/>
+              <a:tailEnd type="none" w="med" len="med"/>
+            </a:ln>
+            <a:effectLst/>
+          </p:spPr>
+          <p:txBody>
+            <a:bodyPr vert="horz" wrap="square" lIns="91440" tIns="45720" rIns="91440" bIns="45720" numCol="1" rtlCol="0" anchor="t" anchorCtr="0" compatLnSpc="1">
+              <a:prstTxWarp prst="textNoShape">
+                <a:avLst/>
+              </a:prstTxWarp>
+              <a:spAutoFit/>
+            </a:bodyPr>
+            <a:lstStyle/>
+            <a:p>
+              <a:pPr marL="342900" marR="0" indent="-342900" algn="l" defTabSz="914400" rtl="0" eaLnBrk="1" fontAlgn="base" latinLnBrk="0" hangingPunct="1">
+                <a:lnSpc>
+                  <a:spcPct val="100000"/>
+                </a:lnSpc>
+                <a:spcBef>
+                  <a:spcPct val="20000"/>
+                </a:spcBef>
+                <a:spcAft>
+                  <a:spcPct val="0"/>
+                </a:spcAft>
+                <a:buClrTx/>
+                <a:buSzTx/>
+                <a:buFontTx/>
+                <a:buNone/>
+                <a:tabLst/>
+              </a:pPr>
+              <a:endParaRPr kumimoji="0" lang="en-US" sz="3200" b="0" i="0" u="none" strike="noStrike" cap="none" normalizeH="0" baseline="0" dirty="0" smtClean="0">
+                <a:ln>
+                  <a:noFill/>
+                </a:ln>
+                <a:solidFill>
+                  <a:schemeClr val="tx1"/>
+                </a:solidFill>
+                <a:effectLst/>
+                <a:latin typeface="Times New Roman" pitchFamily="18" charset="0"/>
+              </a:endParaRPr>
+            </a:p>
+          </p:txBody>
+        </p:sp>
+        <p:sp>
+          <p:nvSpPr>
+            <p:cNvPr id="10" name="TextBox 9"/>
+            <p:cNvSpPr txBox="1"/>
+            <p:nvPr/>
+          </p:nvSpPr>
+          <p:spPr>
+            <a:xfrm>
+              <a:off x="2653114" y="3962400"/>
+              <a:ext cx="2223686" cy="707886"/>
+            </a:xfrm>
+            <a:prstGeom prst="rect">
+              <a:avLst/>
+            </a:prstGeom>
+            <a:noFill/>
+          </p:spPr>
+          <p:txBody>
+            <a:bodyPr wrap="none" rtlCol="0">
+              <a:spAutoFit/>
+            </a:bodyPr>
+            <a:lstStyle/>
+            <a:p>
+              <a:r>
+                <a:rPr lang="en-US" sz="4000" dirty="0" smtClean="0">
+                  <a:solidFill>
+                    <a:schemeClr val="accent1">
+                      <a:lumMod val="50000"/>
+                    </a:schemeClr>
+                  </a:solidFill>
+                  <a:latin typeface="Comic Sans MS" pitchFamily="66" charset="0"/>
+                </a:rPr>
+                <a:t>4! </a:t>
+              </a:r>
+              <a:r>
+                <a:rPr lang="en-US" sz="4000" dirty="0" smtClean="0">
+                  <a:latin typeface="Comic Sans MS" pitchFamily="66" charset="0"/>
+                </a:rPr>
+                <a:t>perms</a:t>
+              </a:r>
+              <a:endParaRPr lang="en-US" sz="4000" dirty="0"/>
+            </a:p>
+          </p:txBody>
+        </p:sp>
+      </p:grpSp>
+      <p:grpSp>
+        <p:nvGrpSpPr>
+          <p:cNvPr id="15" name="Group 14"/>
+          <p:cNvGrpSpPr/>
+          <p:nvPr/>
+        </p:nvGrpSpPr>
+        <p:grpSpPr>
+          <a:xfrm>
+            <a:off x="5242560" y="3810001"/>
+            <a:ext cx="2834640" cy="885110"/>
+            <a:chOff x="5242560" y="3810001"/>
+            <a:chExt cx="2834640" cy="885110"/>
+          </a:xfrm>
+        </p:grpSpPr>
+        <p:sp>
+          <p:nvSpPr>
+            <p:cNvPr id="9" name="Left Brace 8"/>
+            <p:cNvSpPr/>
+            <p:nvPr/>
+          </p:nvSpPr>
+          <p:spPr bwMode="auto">
+            <a:xfrm rot="16200000">
+              <a:off x="6568440" y="2484121"/>
+              <a:ext cx="182880" cy="2834640"/>
+            </a:xfrm>
+            <a:prstGeom prst="leftBrace">
+              <a:avLst/>
+            </a:prstGeom>
+            <a:noFill/>
+            <a:ln w="34925" cap="flat" cmpd="sng" algn="ctr">
+              <a:solidFill>
+                <a:schemeClr val="tx1"/>
+              </a:solidFill>
+              <a:prstDash val="solid"/>
+              <a:round/>
+              <a:headEnd type="none" w="med" len="med"/>
+              <a:tailEnd type="none" w="med" len="med"/>
+            </a:ln>
+            <a:effectLst/>
+          </p:spPr>
+          <p:txBody>
+            <a:bodyPr vert="horz" wrap="square" lIns="91440" tIns="45720" rIns="91440" bIns="45720" numCol="1" rtlCol="0" anchor="t" anchorCtr="0" compatLnSpc="1">
+              <a:prstTxWarp prst="textNoShape">
+                <a:avLst/>
+              </a:prstTxWarp>
+              <a:spAutoFit/>
+            </a:bodyPr>
+            <a:lstStyle/>
+            <a:p>
+              <a:pPr marL="342900" marR="0" indent="-342900" algn="l" defTabSz="914400" rtl="0" eaLnBrk="1" fontAlgn="base" latinLnBrk="0" hangingPunct="1">
+                <a:lnSpc>
+                  <a:spcPct val="100000"/>
+                </a:lnSpc>
+                <a:spcBef>
+                  <a:spcPct val="20000"/>
+                </a:spcBef>
+                <a:spcAft>
+                  <a:spcPct val="0"/>
+                </a:spcAft>
+                <a:buClrTx/>
+                <a:buSzTx/>
+                <a:buFontTx/>
+                <a:buNone/>
+                <a:tabLst/>
+              </a:pPr>
+              <a:endParaRPr kumimoji="0" lang="en-US" sz="3200" b="0" i="0" u="none" strike="noStrike" cap="none" normalizeH="0" baseline="0" dirty="0" smtClean="0">
+                <a:ln>
+                  <a:noFill/>
+                </a:ln>
+                <a:solidFill>
+                  <a:schemeClr val="tx1"/>
+                </a:solidFill>
+                <a:effectLst/>
+                <a:latin typeface="Times New Roman" pitchFamily="18" charset="0"/>
+              </a:endParaRPr>
+            </a:p>
+          </p:txBody>
+        </p:sp>
+        <p:sp>
+          <p:nvSpPr>
+            <p:cNvPr id="12" name="TextBox 11"/>
+            <p:cNvSpPr txBox="1"/>
+            <p:nvPr/>
+          </p:nvSpPr>
+          <p:spPr>
+            <a:xfrm>
+              <a:off x="5548714" y="3987225"/>
+              <a:ext cx="2223686" cy="707886"/>
+            </a:xfrm>
+            <a:prstGeom prst="rect">
+              <a:avLst/>
+            </a:prstGeom>
+            <a:noFill/>
+          </p:spPr>
+          <p:txBody>
+            <a:bodyPr wrap="none" rtlCol="0">
+              <a:spAutoFit/>
+            </a:bodyPr>
+            <a:lstStyle/>
+            <a:p>
+              <a:r>
+                <a:rPr lang="en-US" sz="4000" dirty="0" smtClean="0">
+                  <a:solidFill>
+                    <a:schemeClr val="accent1">
+                      <a:lumMod val="50000"/>
+                    </a:schemeClr>
+                  </a:solidFill>
+                  <a:latin typeface="Comic Sans MS" pitchFamily="66" charset="0"/>
+                </a:rPr>
+                <a:t>9! </a:t>
+              </a:r>
+              <a:r>
+                <a:rPr lang="en-US" sz="4000" dirty="0" smtClean="0">
+                  <a:latin typeface="Comic Sans MS" pitchFamily="66" charset="0"/>
+                </a:rPr>
+                <a:t>perms</a:t>
+              </a:r>
+              <a:endParaRPr lang="en-US" sz="4000" dirty="0" smtClean="0"/>
+            </a:p>
+          </p:txBody>
+        </p:sp>
+      </p:grpSp>
+    </p:spTree>
+  </p:cSld>
+  <p:clrMapOvr>
+    <a:masterClrMapping/>
+  </p:clrMapOvr>
+  <mc:AlternateContent xmlns:mc="http://schemas.openxmlformats.org/markup-compatibility/2006" xmlns:p14="http://schemas.microsoft.com/office/powerpoint/2010/main">
+    <mc:Choice Requires="p14">
+      <p:transition spd="slow" p14:dur="900" advClick="0">
+        <p:fade/>
+      </p:transition>
+    </mc:Choice>
+    <mc:Fallback xmlns="">
+      <p:transition xmlns:p14="http://schemas.microsoft.com/office/powerpoint/2010/main" spd="slow" advClick="0">
+        <p:fade/>
+      </p:transition>
+    </mc:Fallback>
+  </mc:AlternateContent>
+  <p:timing>
+    <p:tnLst>
+      <p:par>
+        <p:cTn xmlns:p14="http://schemas.microsoft.com/office/powerpoint/2010/main" id="1" dur="indefinite" restart="never" nodeType="tmRoot">
+          <p:childTnLst>
+            <p:seq concurrent="1" nextAc="seek">
+              <p:cTn id="2" dur="indefinite" nodeType="mainSeq">
+                <p:childTnLst>
+                  <p:par>
+                    <p:cTn id="3" fill="hold">
+                      <p:stCondLst>
+                        <p:cond delay="indefinite"/>
+                      </p:stCondLst>
+                      <p:childTnLst>
+                        <p:par>
+                          <p:cTn id="4" fill="hold">
+                            <p:stCondLst>
+                              <p:cond delay="0"/>
+                            </p:stCondLst>
+                            <p:childTnLst>
+                              <p:par>
+                                <p:cTn id="5" presetID="10" presetClass="entr" presetSubtype="0" fill="hold" nodeType="clickEffect">
+                                  <p:stCondLst>
+                                    <p:cond delay="0"/>
+                                  </p:stCondLst>
+                                  <p:childTnLst>
+                                    <p:set>
+                                      <p:cBhvr>
+                                        <p:cTn id="6" dur="1" fill="hold">
+                                          <p:stCondLst>
+                                            <p:cond delay="0"/>
+                                          </p:stCondLst>
+                                        </p:cTn>
+                                        <p:tgtEl>
+                                          <p:spTgt spid="10246">
+                                            <p:txEl>
+                                              <p:pRg st="2" end="2"/>
+                                            </p:txEl>
+                                          </p:spTgt>
+                                        </p:tgtEl>
+                                        <p:attrNameLst>
+                                          <p:attrName>style.visibility</p:attrName>
+                                        </p:attrNameLst>
+                                      </p:cBhvr>
+                                      <p:to>
+                                        <p:strVal val="visible"/>
+                                      </p:to>
+                                    </p:set>
+                                    <p:animEffect transition="in" filter="fade">
+                                      <p:cBhvr>
+                                        <p:cTn id="7" dur="500"/>
+                                        <p:tgtEl>
+                                          <p:spTgt spid="10246">
+                                            <p:txEl>
+                                              <p:pRg st="2" end="2"/>
+                                            </p:txEl>
+                                          </p:spTgt>
+                                        </p:tgtEl>
+                                      </p:cBhvr>
+                                    </p:animEffect>
+                                  </p:childTnLst>
+                                </p:cTn>
+                              </p:par>
+                            </p:childTnLst>
+                          </p:cTn>
+                        </p:par>
+                      </p:childTnLst>
+                    </p:cTn>
+                  </p:par>
+                  <p:par>
+                    <p:cTn id="8" fill="hold">
+                      <p:stCondLst>
+                        <p:cond delay="indefinite"/>
+                      </p:stCondLst>
+                      <p:childTnLst>
+                        <p:par>
+                          <p:cTn id="9" fill="hold">
+                            <p:stCondLst>
+                              <p:cond delay="0"/>
+                            </p:stCondLst>
+                            <p:childTnLst>
+                              <p:par>
+                                <p:cTn id="10" presetID="2" presetClass="entr" presetSubtype="8" fill="hold" nodeType="clickEffect">
+                                  <p:stCondLst>
+                                    <p:cond delay="0"/>
+                                  </p:stCondLst>
+                                  <p:childTnLst>
+                                    <p:set>
+                                      <p:cBhvr>
+                                        <p:cTn id="11" dur="1" fill="hold">
+                                          <p:stCondLst>
+                                            <p:cond delay="0"/>
+                                          </p:stCondLst>
+                                        </p:cTn>
+                                        <p:tgtEl>
+                                          <p:spTgt spid="14"/>
+                                        </p:tgtEl>
+                                        <p:attrNameLst>
+                                          <p:attrName>style.visibility</p:attrName>
+                                        </p:attrNameLst>
+                                      </p:cBhvr>
+                                      <p:to>
+                                        <p:strVal val="visible"/>
+                                      </p:to>
+                                    </p:set>
+                                    <p:anim calcmode="lin" valueType="num">
+                                      <p:cBhvr additive="base">
+                                        <p:cTn id="12" dur="500" fill="hold"/>
+                                        <p:tgtEl>
+                                          <p:spTgt spid="14"/>
+                                        </p:tgtEl>
+                                        <p:attrNameLst>
+                                          <p:attrName>ppt_x</p:attrName>
+                                        </p:attrNameLst>
+                                      </p:cBhvr>
+                                      <p:tavLst>
+                                        <p:tav tm="0">
+                                          <p:val>
+                                            <p:strVal val="0-#ppt_w/2"/>
+                                          </p:val>
+                                        </p:tav>
+                                        <p:tav tm="100000">
+                                          <p:val>
+                                            <p:strVal val="#ppt_x"/>
+                                          </p:val>
+                                        </p:tav>
+                                      </p:tavLst>
+                                    </p:anim>
+                                    <p:anim calcmode="lin" valueType="num">
+                                      <p:cBhvr additive="base">
+                                        <p:cTn id="13" dur="500" fill="hold"/>
+                                        <p:tgtEl>
+                                          <p:spTgt spid="14"/>
+                                        </p:tgtEl>
+                                        <p:attrNameLst>
+                                          <p:attrName>ppt_y</p:attrName>
+                                        </p:attrNameLst>
+                                      </p:cBhvr>
+                                      <p:tavLst>
+                                        <p:tav tm="0">
+                                          <p:val>
+                                            <p:strVal val="#ppt_y"/>
+                                          </p:val>
+                                        </p:tav>
+                                        <p:tav tm="100000">
+                                          <p:val>
+                                            <p:strVal val="#ppt_y"/>
+                                          </p:val>
+                                        </p:tav>
+                                      </p:tavLst>
+                                    </p:anim>
+                                  </p:childTnLst>
+                                </p:cTn>
+                              </p:par>
+                            </p:childTnLst>
+                          </p:cTn>
+                        </p:par>
+                      </p:childTnLst>
+                    </p:cTn>
+                  </p:par>
+                  <p:par>
+                    <p:cTn id="14" fill="hold">
+                      <p:stCondLst>
+                        <p:cond delay="indefinite"/>
+                      </p:stCondLst>
+                      <p:childTnLst>
+                        <p:par>
+                          <p:cTn id="15" fill="hold">
+                            <p:stCondLst>
+                              <p:cond delay="0"/>
+                            </p:stCondLst>
+                            <p:childTnLst>
+                              <p:par>
+                                <p:cTn id="16" presetID="2" presetClass="entr" presetSubtype="2" fill="hold" nodeType="clickEffect">
+                                  <p:stCondLst>
+                                    <p:cond delay="0"/>
+                                  </p:stCondLst>
+                                  <p:childTnLst>
+                                    <p:set>
+                                      <p:cBhvr>
+                                        <p:cTn id="17" dur="1" fill="hold">
+                                          <p:stCondLst>
+                                            <p:cond delay="0"/>
+                                          </p:stCondLst>
+                                        </p:cTn>
+                                        <p:tgtEl>
+                                          <p:spTgt spid="15"/>
+                                        </p:tgtEl>
+                                        <p:attrNameLst>
+                                          <p:attrName>style.visibility</p:attrName>
+                                        </p:attrNameLst>
+                                      </p:cBhvr>
+                                      <p:to>
+                                        <p:strVal val="visible"/>
+                                      </p:to>
+                                    </p:set>
+                                    <p:anim calcmode="lin" valueType="num">
+                                      <p:cBhvr additive="base">
+                                        <p:cTn id="18" dur="500" fill="hold"/>
+                                        <p:tgtEl>
+                                          <p:spTgt spid="15"/>
+                                        </p:tgtEl>
+                                        <p:attrNameLst>
+                                          <p:attrName>ppt_x</p:attrName>
+                                        </p:attrNameLst>
+                                      </p:cBhvr>
+                                      <p:tavLst>
+                                        <p:tav tm="0">
+                                          <p:val>
+                                            <p:strVal val="1+#ppt_w/2"/>
+                                          </p:val>
+                                        </p:tav>
+                                        <p:tav tm="100000">
+                                          <p:val>
+                                            <p:strVal val="#ppt_x"/>
+                                          </p:val>
+                                        </p:tav>
+                                      </p:tavLst>
+                                    </p:anim>
+                                    <p:anim calcmode="lin" valueType="num">
+                                      <p:cBhvr additive="base">
+                                        <p:cTn id="19" dur="500" fill="hold"/>
+                                        <p:tgtEl>
+                                          <p:spTgt spid="15"/>
+                                        </p:tgtEl>
+                                        <p:attrNameLst>
+                                          <p:attrName>ppt_y</p:attrName>
+                                        </p:attrNameLst>
+                                      </p:cBhvr>
+                                      <p:tavLst>
+                                        <p:tav tm="0">
+                                          <p:val>
+                                            <p:strVal val="#ppt_y"/>
+                                          </p:val>
+                                        </p:tav>
+                                        <p:tav tm="100000">
+                                          <p:val>
+                                            <p:strVal val="#ppt_y"/>
+                                          </p:val>
+                                        </p:tav>
+                                      </p:tavLst>
+                                    </p:anim>
+                                  </p:childTnLst>
+                                </p:cTn>
+                              </p:par>
+                            </p:childTnLst>
+                          </p:cTn>
+                        </p:par>
+                      </p:childTnLst>
+                    </p:cTn>
+                  </p:par>
+                  <p:par>
+                    <p:cTn id="20" fill="hold">
+                      <p:stCondLst>
+                        <p:cond delay="indefinite"/>
+                      </p:stCondLst>
+                      <p:childTnLst>
+                        <p:par>
+                          <p:cTn id="21" fill="hold">
+                            <p:stCondLst>
+                              <p:cond delay="0"/>
+                            </p:stCondLst>
+                            <p:childTnLst>
+                              <p:par>
+                                <p:cTn id="22" presetID="10" presetClass="entr" presetSubtype="0" fill="hold" nodeType="clickEffect">
+                                  <p:stCondLst>
+                                    <p:cond delay="0"/>
+                                  </p:stCondLst>
+                                  <p:childTnLst>
+                                    <p:set>
+                                      <p:cBhvr>
+                                        <p:cTn id="23" dur="1" fill="hold">
+                                          <p:stCondLst>
+                                            <p:cond delay="0"/>
+                                          </p:stCondLst>
+                                        </p:cTn>
+                                        <p:tgtEl>
+                                          <p:spTgt spid="10246">
+                                            <p:txEl>
+                                              <p:pRg st="4" end="4"/>
+                                            </p:txEl>
+                                          </p:spTgt>
+                                        </p:tgtEl>
+                                        <p:attrNameLst>
+                                          <p:attrName>style.visibility</p:attrName>
+                                        </p:attrNameLst>
+                                      </p:cBhvr>
+                                      <p:to>
+                                        <p:strVal val="visible"/>
+                                      </p:to>
+                                    </p:set>
+                                    <p:animEffect transition="in" filter="fade">
+                                      <p:cBhvr>
+                                        <p:cTn id="24" dur="500"/>
+                                        <p:tgtEl>
+                                          <p:spTgt spid="10246">
+                                            <p:txEl>
+                                              <p:pRg st="4" end="4"/>
+                                            </p:txEl>
+                                          </p:spTgt>
+                                        </p:tgtEl>
+                                      </p:cBhvr>
+                                    </p:animEffect>
+                                  </p:childTnLst>
+                                </p:cTn>
+                              </p:par>
+                            </p:childTnLst>
+                          </p:cTn>
+                        </p:par>
+                      </p:childTnLst>
+                    </p:cTn>
+                  </p:par>
+                  <p:par>
+                    <p:cTn id="25" fill="hold">
+                      <p:stCondLst>
+                        <p:cond delay="indefinite"/>
+                      </p:stCondLst>
+                      <p:childTnLst>
+                        <p:par>
+                          <p:cTn id="26" fill="hold">
+                            <p:stCondLst>
+                              <p:cond delay="0"/>
+                            </p:stCondLst>
+                            <p:childTnLst>
+                              <p:par>
+                                <p:cTn id="27" presetID="10" presetClass="entr" presetSubtype="0" fill="hold" grpId="0" nodeType="clickEffect">
+                                  <p:stCondLst>
+                                    <p:cond delay="0"/>
+                                  </p:stCondLst>
+                                  <p:childTnLst>
+                                    <p:set>
+                                      <p:cBhvr>
+                                        <p:cTn id="28" dur="1" fill="hold">
+                                          <p:stCondLst>
+                                            <p:cond delay="0"/>
+                                          </p:stCondLst>
+                                        </p:cTn>
+                                        <p:tgtEl>
+                                          <p:spTgt spid="396294"/>
+                                        </p:tgtEl>
+                                        <p:attrNameLst>
+                                          <p:attrName>style.visibility</p:attrName>
+                                        </p:attrNameLst>
+                                      </p:cBhvr>
+                                      <p:to>
+                                        <p:strVal val="visible"/>
+                                      </p:to>
+                                    </p:set>
+                                    <p:animEffect transition="in" filter="fade">
+                                      <p:cBhvr>
+                                        <p:cTn id="29" dur="500"/>
+                                        <p:tgtEl>
+                                          <p:spTgt spid="396294"/>
+                                        </p:tgtEl>
+                                      </p:cBhvr>
+                                    </p:animEffect>
+                                  </p:childTnLst>
+                                </p:cTn>
+                              </p:par>
+                            </p:childTnLst>
+                          </p:cTn>
+                        </p:par>
+                      </p:childTnLst>
+                    </p:cTn>
+                  </p:par>
+                </p:childTnLst>
+              </p:cTn>
+              <p:prevCondLst>
+                <p:cond evt="onPrev" delay="0">
+                  <p:tgtEl>
+                    <p:sldTgt/>
+                  </p:tgtEl>
+                </p:cond>
+              </p:prevCondLst>
+              <p:nextCondLst>
+                <p:cond evt="onNext" delay="0">
+                  <p:tgtEl>
+                    <p:sldTgt/>
+                  </p:tgtEl>
+                </p:cond>
+              </p:nextCondLst>
+            </p:seq>
+          </p:childTnLst>
+        </p:cTn>
+      </p:par>
+    </p:tnLst>
+    <p:bldLst>
+      <p:bldP spid="396294" grpId="0"/>
+    </p:bldLst>
+  </p:timing>
+</p:sld>
+</file>
+
+<file path=ppt/slides/slide12.xml><?xml version="1.0" encoding="utf-8"?>
+<p:sld xmlns:a="http://schemas.openxmlformats.org/drawingml/2006/main" xmlns:r="http://schemas.openxmlformats.org/officeDocument/2006/relationships" xmlns:p="http://schemas.openxmlformats.org/presentationml/2006/main">
+  <p:cSld>
+    <p:spTree>
+      <p:nvGrpSpPr>
+        <p:cNvPr id="1" name=""/>
+        <p:cNvGrpSpPr/>
+        <p:nvPr/>
+      </p:nvGrpSpPr>
+      <p:grpSpPr>
+        <a:xfrm>
+          <a:off x="0" y="0"/>
+          <a:ext cx="0" cy="0"/>
+          <a:chOff x="0" y="0"/>
+          <a:chExt cx="0" cy="0"/>
+        </a:xfrm>
+      </p:grpSpPr>
+      <p:sp>
+        <p:nvSpPr>
+          <p:cNvPr id="7173" name="Slide Number Placeholder 3"/>
+          <p:cNvSpPr>
+            <a:spLocks noGrp="1"/>
+          </p:cNvSpPr>
+          <p:nvPr>
+            <p:ph type="sldNum" sz="quarter" idx="10"/>
+          </p:nvPr>
+        </p:nvSpPr>
+        <p:spPr>
+          <a:noFill/>
+        </p:spPr>
+        <p:txBody>
+          <a:bodyPr/>
+          <a:lstStyle/>
+          <a:p>
+            <a:r>
+              <a:rPr lang="en-US" dirty="0" smtClean="0"/>
+              <a:t>genprod.</a:t>
+            </a:r>
+            <a:fld id="{4A1AD96B-EC31-402A-B25B-394A5026C6BD}" type="slidenum">
+              <a:rPr lang="en-US" smtClean="0"/>
+              <a:pPr/>
+              <a:t>12</a:t>
+            </a:fld>
+            <a:endParaRPr lang="en-US" dirty="0" smtClean="0"/>
+          </a:p>
+        </p:txBody>
+      </p:sp>
+      <p:sp>
+        <p:nvSpPr>
+          <p:cNvPr id="7174" name="Rectangle 2"/>
+          <p:cNvSpPr>
+            <a:spLocks noGrp="1" noChangeArrowheads="1"/>
+          </p:cNvSpPr>
+          <p:nvPr>
+            <p:ph type="title"/>
+          </p:nvPr>
+        </p:nvSpPr>
+        <p:spPr/>
+        <p:txBody>
+          <a:bodyPr/>
+          <a:lstStyle/>
+          <a:p>
+            <a:pPr eaLnBrk="1" hangingPunct="1"/>
+            <a:r>
+              <a:rPr lang="en-US" dirty="0" smtClean="0"/>
+              <a:t>Counting Subsets</a:t>
+            </a:r>
+          </a:p>
+        </p:txBody>
+      </p:sp>
+      <p:graphicFrame>
+        <p:nvGraphicFramePr>
+          <p:cNvPr id="7170" name="Object 3"/>
+          <p:cNvGraphicFramePr>
+            <a:graphicFrameLocks noChangeAspect="1"/>
+          </p:cNvGraphicFramePr>
+          <p:nvPr/>
+        </p:nvGraphicFramePr>
+        <p:xfrm>
+          <a:off x="3022600" y="2514600"/>
+          <a:ext cx="914400" cy="198438"/>
+        </p:xfrm>
+        <a:graphic>
+          <a:graphicData uri="http://schemas.openxmlformats.org/presentationml/2006/ole">
+            <mc:AlternateContent xmlns:mc="http://schemas.openxmlformats.org/markup-compatibility/2006">
+              <mc:Choice xmlns:v="urn:schemas-microsoft-com:vml" Requires="v">
+                <p:oleObj spid="_x0000_s7272" name="Equation" r:id="rId4" imgW="914400" imgH="198720" progId="Equation.DSMT4">
+                  <p:embed/>
+                </p:oleObj>
+              </mc:Choice>
+              <mc:Fallback>
+                <p:oleObj name="Equation" r:id="rId4" imgW="914400" imgH="198720" progId="Equation.DSMT4">
+                  <p:embed/>
+                  <p:pic>
+                    <p:nvPicPr>
+                      <p:cNvPr id="0" name="Object 3"/>
+                      <p:cNvPicPr>
+                        <a:picLocks noChangeAspect="1" noChangeArrowheads="1"/>
+                      </p:cNvPicPr>
+                      <p:nvPr/>
+                    </p:nvPicPr>
+                    <p:blipFill>
+                      <a:blip r:embed="rId5">
+                        <a:extLst>
+                          <a:ext uri="{28A0092B-C50C-407E-A947-70E740481C1C}">
+                            <a14:useLocalDpi xmlns:a14="http://schemas.microsoft.com/office/drawing/2010/main" val="0"/>
+                          </a:ext>
+                        </a:extLst>
+                      </a:blip>
+                      <a:srcRect/>
+                      <a:stretch>
+                        <a:fillRect/>
+                      </a:stretch>
+                    </p:blipFill>
+                    <p:spPr bwMode="auto">
+                      <a:xfrm>
+                        <a:off x="3022600" y="2514600"/>
+                        <a:ext cx="914400" cy="198438"/>
+                      </a:xfrm>
+                      <a:prstGeom prst="rect">
+                        <a:avLst/>
+                      </a:prstGeom>
+                      <a:noFill/>
+                      <a:extLst>
+                        <a:ext uri="{909E8E84-426E-40dd-AFC4-6F175D3DCCD1}">
+                          <a14:hiddenFill xmlns:a14="http://schemas.microsoft.com/office/drawing/2010/main">
+                            <a:solidFill>
+                              <a:srgbClr val="FFFFFF"/>
+                            </a:solidFill>
+                          </a14:hiddenFill>
+                        </a:ext>
+                      </a:extLst>
+                    </p:spPr>
+                  </p:pic>
+                </p:oleObj>
+              </mc:Fallback>
+            </mc:AlternateContent>
+          </a:graphicData>
+        </a:graphic>
+      </p:graphicFrame>
+      <p:sp>
+        <p:nvSpPr>
+          <p:cNvPr id="397320" name="Text Box 8"/>
+          <p:cNvSpPr txBox="1">
+            <a:spLocks noChangeArrowheads="1"/>
+          </p:cNvSpPr>
+          <p:nvPr/>
+        </p:nvSpPr>
+        <p:spPr bwMode="auto">
+          <a:xfrm>
+            <a:off x="838200" y="2590800"/>
+            <a:ext cx="7543800" cy="838200"/>
+          </a:xfrm>
+          <a:prstGeom prst="rect">
+            <a:avLst/>
+          </a:prstGeom>
+          <a:noFill/>
+          <a:ln w="31750">
+            <a:noFill/>
+            <a:prstDash val="sysDot"/>
+            <a:miter lim="800000"/>
+            <a:headEnd/>
+            <a:tailEnd/>
+          </a:ln>
+        </p:spPr>
+        <p:txBody>
+          <a:bodyPr>
+            <a:spAutoFit/>
+          </a:bodyPr>
+          <a:lstStyle/>
+          <a:p>
+            <a:pPr marL="342900" indent="-342900">
+              <a:defRPr/>
+            </a:pPr>
+            <a:r>
+              <a:rPr lang="en-US" sz="4800" dirty="0">
+                <a:latin typeface="Comic Sans MS" pitchFamily="66" charset="0"/>
+              </a:rPr>
+              <a:t>so </a:t>
+            </a:r>
+            <a:r>
+              <a:rPr lang="en-US" sz="4800" dirty="0">
+                <a:solidFill>
+                  <a:srgbClr val="008000"/>
+                </a:solidFill>
+                <a:latin typeface="Comic Sans MS" pitchFamily="66" charset="0"/>
+              </a:rPr>
+              <a:t># of size</a:t>
+            </a:r>
+            <a:r>
+              <a:rPr lang="en-US" sz="4800" dirty="0">
+                <a:latin typeface="Comic Sans MS" pitchFamily="66" charset="0"/>
+              </a:rPr>
+              <a:t> </a:t>
+            </a:r>
+            <a:r>
+              <a:rPr lang="en-US" sz="4800" dirty="0">
+                <a:solidFill>
+                  <a:schemeClr val="accent1">
+                    <a:lumMod val="50000"/>
+                  </a:schemeClr>
+                </a:solidFill>
+                <a:latin typeface="Comic Sans MS" pitchFamily="66" charset="0"/>
+              </a:rPr>
+              <a:t>4</a:t>
+            </a:r>
+            <a:r>
+              <a:rPr lang="en-US" sz="4800" dirty="0">
+                <a:latin typeface="Comic Sans MS" pitchFamily="66" charset="0"/>
+              </a:rPr>
+              <a:t> </a:t>
+            </a:r>
+            <a:r>
+              <a:rPr lang="en-US" sz="4800" dirty="0">
+                <a:solidFill>
+                  <a:srgbClr val="008000"/>
+                </a:solidFill>
+                <a:latin typeface="Comic Sans MS" pitchFamily="66" charset="0"/>
+              </a:rPr>
+              <a:t>subsets</a:t>
+            </a:r>
+            <a:r>
+              <a:rPr lang="en-US" sz="4800" dirty="0">
+                <a:latin typeface="Comic Sans MS" pitchFamily="66" charset="0"/>
+              </a:rPr>
+              <a:t> is</a:t>
+            </a:r>
+          </a:p>
+        </p:txBody>
+      </p:sp>
+      <p:graphicFrame>
+        <p:nvGraphicFramePr>
+          <p:cNvPr id="397321" name="Object 9"/>
+          <p:cNvGraphicFramePr>
+            <a:graphicFrameLocks noChangeAspect="1"/>
+          </p:cNvGraphicFramePr>
+          <p:nvPr>
+            <p:extLst>
+              <p:ext uri="{D42A27DB-BD31-4B8C-83A1-F6EECF244321}">
+                <p14:modId xmlns:p14="http://schemas.microsoft.com/office/powerpoint/2010/main" val="432765986"/>
+              </p:ext>
+            </p:extLst>
+          </p:nvPr>
+        </p:nvGraphicFramePr>
+        <p:xfrm>
+          <a:off x="4773613" y="3386138"/>
+          <a:ext cx="1593850" cy="2024062"/>
+        </p:xfrm>
+        <a:graphic>
+          <a:graphicData uri="http://schemas.openxmlformats.org/presentationml/2006/ole">
+            <mc:AlternateContent xmlns:mc="http://schemas.openxmlformats.org/markup-compatibility/2006">
+              <mc:Choice xmlns:v="urn:schemas-microsoft-com:vml" Requires="v">
+                <p:oleObj spid="_x0000_s7273" name="Equation" r:id="rId6" imgW="330200" imgH="419100" progId="Equation.DSMT4">
+                  <p:embed/>
+                </p:oleObj>
+              </mc:Choice>
+              <mc:Fallback>
+                <p:oleObj name="Equation" r:id="rId6" imgW="330200" imgH="419100" progId="Equation.DSMT4">
+                  <p:embed/>
+                  <p:pic>
+                    <p:nvPicPr>
+                      <p:cNvPr id="0" name="Object 9"/>
+                      <p:cNvPicPr>
+                        <a:picLocks noChangeAspect="1" noChangeArrowheads="1"/>
+                      </p:cNvPicPr>
+                      <p:nvPr/>
+                    </p:nvPicPr>
+                    <p:blipFill>
+                      <a:blip r:embed="rId7"/>
+                      <a:srcRect/>
+                      <a:stretch>
+                        <a:fillRect/>
+                      </a:stretch>
+                    </p:blipFill>
+                    <p:spPr bwMode="auto">
+                      <a:xfrm>
+                        <a:off x="4773613" y="3386138"/>
+                        <a:ext cx="1593850" cy="2024062"/>
+                      </a:xfrm>
+                      <a:prstGeom prst="rect">
+                        <a:avLst/>
+                      </a:prstGeom>
+                      <a:noFill/>
+                      <a:extLst/>
+                    </p:spPr>
+                  </p:pic>
+                </p:oleObj>
+              </mc:Fallback>
+            </mc:AlternateContent>
+          </a:graphicData>
+        </a:graphic>
+      </p:graphicFrame>
+      <p:graphicFrame>
+        <p:nvGraphicFramePr>
+          <p:cNvPr id="397322" name="Object 10"/>
+          <p:cNvGraphicFramePr>
+            <a:graphicFrameLocks noChangeAspect="1"/>
+          </p:cNvGraphicFramePr>
+          <p:nvPr/>
+        </p:nvGraphicFramePr>
+        <p:xfrm>
+          <a:off x="2008188" y="3429000"/>
+          <a:ext cx="2592387" cy="2073275"/>
+        </p:xfrm>
+        <a:graphic>
+          <a:graphicData uri="http://schemas.openxmlformats.org/presentationml/2006/ole">
+            <mc:AlternateContent xmlns:mc="http://schemas.openxmlformats.org/markup-compatibility/2006">
+              <mc:Choice xmlns:v="urn:schemas-microsoft-com:vml" Requires="v">
+                <p:oleObj spid="_x0000_s7274" name="Equation" r:id="rId8" imgW="571320" imgH="457200" progId="Equation.DSMT4">
+                  <p:embed/>
+                </p:oleObj>
+              </mc:Choice>
+              <mc:Fallback>
+                <p:oleObj name="Equation" r:id="rId8" imgW="571320" imgH="457200" progId="Equation.DSMT4">
+                  <p:embed/>
+                  <p:pic>
+                    <p:nvPicPr>
+                      <p:cNvPr id="0" name="Object 10"/>
+                      <p:cNvPicPr>
+                        <a:picLocks noChangeAspect="1" noChangeArrowheads="1"/>
+                      </p:cNvPicPr>
+                      <p:nvPr/>
+                    </p:nvPicPr>
+                    <p:blipFill>
+                      <a:blip r:embed="rId9">
+                        <a:extLst>
+                          <a:ext uri="{28A0092B-C50C-407E-A947-70E740481C1C}">
+                            <a14:useLocalDpi xmlns:a14="http://schemas.microsoft.com/office/drawing/2010/main" val="0"/>
+                          </a:ext>
+                        </a:extLst>
+                      </a:blip>
+                      <a:srcRect/>
+                      <a:stretch>
+                        <a:fillRect/>
+                      </a:stretch>
+                    </p:blipFill>
+                    <p:spPr bwMode="auto">
+                      <a:xfrm>
+                        <a:off x="2008188" y="3429000"/>
+                        <a:ext cx="2592387" cy="2073275"/>
+                      </a:xfrm>
+                      <a:prstGeom prst="rect">
+                        <a:avLst/>
+                      </a:prstGeom>
+                      <a:noFill/>
+                      <a:extLst>
+                        <a:ext uri="{909E8E84-426E-40dd-AFC4-6F175D3DCCD1}">
+                          <a14:hiddenFill xmlns:a14="http://schemas.microsoft.com/office/drawing/2010/main">
+                            <a:solidFill>
+                              <a:srgbClr val="FFFFFF"/>
+                            </a:solidFill>
+                          </a14:hiddenFill>
+                        </a:ext>
+                      </a:extLst>
+                    </p:spPr>
+                  </p:pic>
+                </p:oleObj>
+              </mc:Fallback>
+            </mc:AlternateContent>
+          </a:graphicData>
+        </a:graphic>
+      </p:graphicFrame>
+      <p:sp>
+        <p:nvSpPr>
+          <p:cNvPr id="397323" name="Text Box 11"/>
+          <p:cNvSpPr txBox="1">
+            <a:spLocks noChangeArrowheads="1"/>
+          </p:cNvSpPr>
+          <p:nvPr/>
+        </p:nvSpPr>
+        <p:spPr bwMode="auto">
+          <a:xfrm>
+            <a:off x="762000" y="1574800"/>
+            <a:ext cx="7575550" cy="1015663"/>
+          </a:xfrm>
+          <a:prstGeom prst="rect">
+            <a:avLst/>
+          </a:prstGeom>
+          <a:noFill/>
+          <a:ln w="31750">
+            <a:noFill/>
+            <a:prstDash val="sysDot"/>
+            <a:miter lim="800000"/>
+            <a:headEnd/>
+            <a:tailEnd/>
+          </a:ln>
+        </p:spPr>
+        <p:txBody>
+          <a:bodyPr>
+            <a:spAutoFit/>
+          </a:bodyPr>
+          <a:lstStyle/>
+          <a:p>
+            <a:pPr marL="342900" indent="-342900"/>
+            <a:r>
+              <a:rPr lang="en-US" sz="6000" dirty="0">
+                <a:solidFill>
+                  <a:srgbClr val="0000FF"/>
+                </a:solidFill>
+                <a:latin typeface="Comic Sans MS" pitchFamily="66" charset="0"/>
+              </a:rPr>
+              <a:t>13! = |A| </a:t>
+            </a:r>
+            <a:r>
+              <a:rPr lang="en-US" sz="6000" dirty="0">
+                <a:latin typeface="Comic Sans MS" pitchFamily="66" charset="0"/>
+              </a:rPr>
+              <a:t>=</a:t>
+            </a:r>
+            <a:r>
+              <a:rPr lang="en-US" sz="6000" dirty="0">
+                <a:solidFill>
+                  <a:srgbClr val="A92082"/>
+                </a:solidFill>
+                <a:latin typeface="Comic Sans MS" pitchFamily="66" charset="0"/>
+              </a:rPr>
+              <a:t> (4</a:t>
+            </a:r>
+            <a:r>
+              <a:rPr lang="en-US" sz="6000" dirty="0" smtClean="0">
+                <a:solidFill>
+                  <a:srgbClr val="A92082"/>
+                </a:solidFill>
+                <a:latin typeface="Comic Sans MS" pitchFamily="66" charset="0"/>
+              </a:rPr>
+              <a:t>!</a:t>
+            </a:r>
+            <a:r>
+              <a:rPr lang="en-US" sz="6000" dirty="0" smtClean="0">
+                <a:solidFill>
+                  <a:srgbClr val="A92082"/>
+                </a:solidFill>
+                <a:latin typeface="Comic Sans MS" pitchFamily="66" charset="0"/>
+                <a:sym typeface="Euclid Symbol" pitchFamily="18" charset="2"/>
+              </a:rPr>
+              <a:t>⋅</a:t>
+            </a:r>
+            <a:r>
+              <a:rPr lang="en-US" sz="6000" dirty="0" smtClean="0">
+                <a:solidFill>
+                  <a:srgbClr val="A92082"/>
+                </a:solidFill>
+                <a:latin typeface="Comic Sans MS" pitchFamily="66" charset="0"/>
+              </a:rPr>
+              <a:t>9</a:t>
+            </a:r>
+            <a:r>
+              <a:rPr lang="en-US" sz="6000" dirty="0">
+                <a:solidFill>
+                  <a:srgbClr val="A92082"/>
+                </a:solidFill>
+                <a:latin typeface="Comic Sans MS" pitchFamily="66" charset="0"/>
+              </a:rPr>
+              <a:t>!)</a:t>
+            </a:r>
+            <a:r>
+              <a:rPr lang="en-US" sz="6000" dirty="0">
+                <a:solidFill>
+                  <a:srgbClr val="3333CC"/>
+                </a:solidFill>
+                <a:latin typeface="Comic Sans MS" pitchFamily="66" charset="0"/>
+              </a:rPr>
+              <a:t>|</a:t>
+            </a:r>
+            <a:r>
+              <a:rPr lang="en-US" sz="6000" dirty="0">
+                <a:solidFill>
+                  <a:srgbClr val="00B050"/>
+                </a:solidFill>
+                <a:latin typeface="Comic Sans MS" pitchFamily="66" charset="0"/>
+              </a:rPr>
+              <a:t>B</a:t>
+            </a:r>
+            <a:r>
+              <a:rPr lang="en-US" sz="6000" dirty="0">
+                <a:solidFill>
+                  <a:srgbClr val="3333CC"/>
+                </a:solidFill>
+                <a:latin typeface="Comic Sans MS" pitchFamily="66" charset="0"/>
+              </a:rPr>
+              <a:t>|</a:t>
+            </a:r>
+          </a:p>
+        </p:txBody>
+      </p:sp>
+    </p:spTree>
+  </p:cSld>
+  <p:clrMapOvr>
+    <a:masterClrMapping/>
+  </p:clrMapOvr>
+  <mc:AlternateContent xmlns:mc="http://schemas.openxmlformats.org/markup-compatibility/2006" xmlns:p14="http://schemas.microsoft.com/office/powerpoint/2010/main">
+    <mc:Choice Requires="p14">
+      <p:transition spd="slow" p14:dur="900" advClick="0">
+        <p:fade/>
+      </p:transition>
+    </mc:Choice>
+    <mc:Fallback xmlns="">
+      <p:transition xmlns:p14="http://schemas.microsoft.com/office/powerpoint/2010/main" spd="slow" advClick="0">
+        <p:fade/>
+      </p:transition>
+    </mc:Fallback>
+  </mc:AlternateContent>
+  <p:timing>
+    <p:tnLst>
+      <p:par>
+        <p:cTn xmlns:p14="http://schemas.microsoft.com/office/powerpoint/2010/main" id="1" dur="indefinite" restart="never" nodeType="tmRoot">
+          <p:childTnLst>
+            <p:seq concurrent="1" nextAc="seek">
+              <p:cTn id="2" dur="indefinite" nodeType="mainSeq">
+                <p:childTnLst>
+                  <p:par>
+                    <p:cTn id="3" fill="hold">
+                      <p:stCondLst>
+                        <p:cond delay="indefinite"/>
+                      </p:stCondLst>
+                      <p:childTnLst>
+                        <p:par>
+                          <p:cTn id="4" fill="hold">
+                            <p:stCondLst>
+                              <p:cond delay="0"/>
+                            </p:stCondLst>
+                            <p:childTnLst>
+                              <p:par>
+                                <p:cTn id="5" presetID="9" presetClass="entr" presetSubtype="0" fill="hold" nodeType="clickEffect">
+                                  <p:stCondLst>
+                                    <p:cond delay="0"/>
+                                  </p:stCondLst>
+                                  <p:childTnLst>
+                                    <p:set>
+                                      <p:cBhvr>
+                                        <p:cTn id="6" dur="1" fill="hold">
+                                          <p:stCondLst>
+                                            <p:cond delay="0"/>
+                                          </p:stCondLst>
+                                        </p:cTn>
+                                        <p:tgtEl>
+                                          <p:spTgt spid="397320">
+                                            <p:txEl>
+                                              <p:pRg st="0" end="0"/>
+                                            </p:txEl>
+                                          </p:spTgt>
+                                        </p:tgtEl>
+                                        <p:attrNameLst>
+                                          <p:attrName>style.visibility</p:attrName>
+                                        </p:attrNameLst>
+                                      </p:cBhvr>
+                                      <p:to>
+                                        <p:strVal val="visible"/>
+                                      </p:to>
+                                    </p:set>
+                                    <p:animEffect transition="in" filter="dissolve">
+                                      <p:cBhvr>
+                                        <p:cTn id="7" dur="500"/>
+                                        <p:tgtEl>
+                                          <p:spTgt spid="397320">
+                                            <p:txEl>
+                                              <p:pRg st="0" end="0"/>
+                                            </p:txEl>
+                                          </p:spTgt>
+                                        </p:tgtEl>
+                                      </p:cBhvr>
+                                    </p:animEffect>
+                                  </p:childTnLst>
+                                </p:cTn>
+                              </p:par>
+                            </p:childTnLst>
+                          </p:cTn>
+                        </p:par>
+                        <p:par>
+                          <p:cTn id="8" fill="hold">
+                            <p:stCondLst>
+                              <p:cond delay="500"/>
+                            </p:stCondLst>
+                            <p:childTnLst>
+                              <p:par>
+                                <p:cTn id="9" presetID="9" presetClass="entr" presetSubtype="0" fill="hold" nodeType="afterEffect">
+                                  <p:stCondLst>
+                                    <p:cond delay="0"/>
+                                  </p:stCondLst>
+                                  <p:childTnLst>
+                                    <p:set>
+                                      <p:cBhvr>
+                                        <p:cTn id="10" dur="1" fill="hold">
+                                          <p:stCondLst>
+                                            <p:cond delay="0"/>
+                                          </p:stCondLst>
+                                        </p:cTn>
+                                        <p:tgtEl>
+                                          <p:spTgt spid="397321"/>
+                                        </p:tgtEl>
+                                        <p:attrNameLst>
+                                          <p:attrName>style.visibility</p:attrName>
+                                        </p:attrNameLst>
+                                      </p:cBhvr>
+                                      <p:to>
+                                        <p:strVal val="visible"/>
+                                      </p:to>
+                                    </p:set>
+                                    <p:animEffect transition="in" filter="dissolve">
+                                      <p:cBhvr>
+                                        <p:cTn id="11" dur="500"/>
+                                        <p:tgtEl>
+                                          <p:spTgt spid="397321"/>
+                                        </p:tgtEl>
+                                      </p:cBhvr>
+                                    </p:animEffect>
+                                  </p:childTnLst>
+                                </p:cTn>
+                              </p:par>
+                            </p:childTnLst>
+                          </p:cTn>
+                        </p:par>
+                      </p:childTnLst>
+                    </p:cTn>
+                  </p:par>
+                  <p:par>
+                    <p:cTn id="12" fill="hold">
+                      <p:stCondLst>
+                        <p:cond delay="indefinite"/>
+                      </p:stCondLst>
+                      <p:childTnLst>
+                        <p:par>
+                          <p:cTn id="13" fill="hold">
+                            <p:stCondLst>
+                              <p:cond delay="0"/>
+                            </p:stCondLst>
+                            <p:childTnLst>
+                              <p:par>
+                                <p:cTn id="14" presetID="15" presetClass="entr" presetSubtype="0" fill="hold" nodeType="clickEffect">
+                                  <p:stCondLst>
+                                    <p:cond delay="0"/>
+                                  </p:stCondLst>
+                                  <p:childTnLst>
+                                    <p:set>
+                                      <p:cBhvr>
+                                        <p:cTn id="15" dur="1" fill="hold">
+                                          <p:stCondLst>
+                                            <p:cond delay="0"/>
+                                          </p:stCondLst>
+                                        </p:cTn>
+                                        <p:tgtEl>
+                                          <p:spTgt spid="397322"/>
+                                        </p:tgtEl>
+                                        <p:attrNameLst>
+                                          <p:attrName>style.visibility</p:attrName>
+                                        </p:attrNameLst>
+                                      </p:cBhvr>
+                                      <p:to>
+                                        <p:strVal val="visible"/>
+                                      </p:to>
+                                    </p:set>
+                                    <p:anim calcmode="lin" valueType="num">
+                                      <p:cBhvr>
+                                        <p:cTn id="16" dur="1000" fill="hold"/>
+                                        <p:tgtEl>
+                                          <p:spTgt spid="397322"/>
+                                        </p:tgtEl>
+                                        <p:attrNameLst>
+                                          <p:attrName>ppt_w</p:attrName>
+                                        </p:attrNameLst>
+                                      </p:cBhvr>
+                                      <p:tavLst>
+                                        <p:tav tm="0">
+                                          <p:val>
+                                            <p:fltVal val="0"/>
+                                          </p:val>
+                                        </p:tav>
+                                        <p:tav tm="100000">
+                                          <p:val>
+                                            <p:strVal val="#ppt_w"/>
+                                          </p:val>
+                                        </p:tav>
+                                      </p:tavLst>
+                                    </p:anim>
+                                    <p:anim calcmode="lin" valueType="num">
+                                      <p:cBhvr>
+                                        <p:cTn id="17" dur="1000" fill="hold"/>
+                                        <p:tgtEl>
+                                          <p:spTgt spid="397322"/>
+                                        </p:tgtEl>
+                                        <p:attrNameLst>
+                                          <p:attrName>ppt_h</p:attrName>
+                                        </p:attrNameLst>
+                                      </p:cBhvr>
+                                      <p:tavLst>
+                                        <p:tav tm="0">
+                                          <p:val>
+                                            <p:fltVal val="0"/>
+                                          </p:val>
+                                        </p:tav>
+                                        <p:tav tm="100000">
+                                          <p:val>
+                                            <p:strVal val="#ppt_h"/>
+                                          </p:val>
+                                        </p:tav>
+                                      </p:tavLst>
+                                    </p:anim>
+                                    <p:anim calcmode="lin" valueType="num">
+                                      <p:cBhvr>
+                                        <p:cTn id="18" dur="1000" fill="hold"/>
+                                        <p:tgtEl>
+                                          <p:spTgt spid="397322"/>
+                                        </p:tgtEl>
+                                        <p:attrNameLst>
+                                          <p:attrName>ppt_x</p:attrName>
+                                        </p:attrNameLst>
+                                      </p:cBhvr>
+                                      <p:tavLst>
+                                        <p:tav tm="0" fmla="#ppt_x+(cos(-2*pi*(1-$))*-#ppt_x-sin(-2*pi*(1-$))*(1-#ppt_y))*(1-$)">
+                                          <p:val>
+                                            <p:fltVal val="0"/>
+                                          </p:val>
+                                        </p:tav>
+                                        <p:tav tm="100000">
+                                          <p:val>
+                                            <p:fltVal val="1"/>
+                                          </p:val>
+                                        </p:tav>
+                                      </p:tavLst>
+                                    </p:anim>
+                                    <p:anim calcmode="lin" valueType="num">
+                                      <p:cBhvr>
+                                        <p:cTn id="19" dur="1000" fill="hold"/>
+                                        <p:tgtEl>
+                                          <p:spTgt spid="397322"/>
+                                        </p:tgtEl>
+                                        <p:attrNameLst>
+                                          <p:attrName>ppt_y</p:attrName>
+                                        </p:attrNameLst>
+                                      </p:cBhvr>
+                                      <p:tavLst>
+                                        <p:tav tm="0" fmla="#ppt_y+(sin(-2*pi*(1-$))*-#ppt_x+cos(-2*pi*(1-$))*(1-#ppt_y))*(1-$)">
+                                          <p:val>
+                                            <p:fltVal val="0"/>
+                                          </p:val>
+                                        </p:tav>
+                                        <p:tav tm="100000">
+                                          <p:val>
+                                            <p:fltVal val="1"/>
+                                          </p:val>
+                                        </p:tav>
+                                      </p:tavLst>
+                                    </p:anim>
+                                  </p:childTnLst>
+                                </p:cTn>
+                              </p:par>
+                            </p:childTnLst>
+                          </p:cTn>
+                        </p:par>
+                      </p:childTnLst>
+                    </p:cTn>
+                  </p:par>
+                </p:childTnLst>
+              </p:cTn>
+              <p:prevCondLst>
+                <p:cond evt="onPrev" delay="0">
+                  <p:tgtEl>
+                    <p:sldTgt/>
+                  </p:tgtEl>
+                </p:cond>
+              </p:prevCondLst>
+              <p:nextCondLst>
+                <p:cond evt="onNext" delay="0">
+                  <p:tgtEl>
+                    <p:sldTgt/>
+                  </p:tgtEl>
+                </p:cond>
+              </p:nextCondLst>
+            </p:seq>
+          </p:childTnLst>
+        </p:cTn>
+      </p:par>
+    </p:tnLst>
+  </p:timing>
+</p:sld>
+</file>
+
+<file path=ppt/slides/slide13.xml><?xml version="1.0" encoding="utf-8"?>
+<p:sld xmlns:a="http://schemas.openxmlformats.org/drawingml/2006/main" xmlns:r="http://schemas.openxmlformats.org/officeDocument/2006/relationships" xmlns:p="http://schemas.openxmlformats.org/presentationml/2006/main">
+  <p:cSld>
+    <p:spTree>
+      <p:nvGrpSpPr>
+        <p:cNvPr id="1" name=""/>
+        <p:cNvGrpSpPr/>
+        <p:nvPr/>
+      </p:nvGrpSpPr>
+      <p:grpSpPr>
+        <a:xfrm>
+          <a:off x="0" y="0"/>
+          <a:ext cx="0" cy="0"/>
+          <a:chOff x="0" y="0"/>
+          <a:chExt cx="0" cy="0"/>
+        </a:xfrm>
+      </p:grpSpPr>
+      <p:sp>
+        <p:nvSpPr>
           <p:cNvPr id="8196" name="Slide Number Placeholder 3"/>
           <p:cNvSpPr>
             <a:spLocks noGrp="1"/>
@@ -3261,7 +6725,7 @@
             <a:fld id="{9AF8014A-8375-4BDA-82D2-FF4B1BDCA6AE}" type="slidenum">
               <a:rPr lang="en-US" smtClean="0"/>
               <a:pPr/>
-              <a:t>10</a:t>
+              <a:t>13</a:t>
             </a:fld>
             <a:endParaRPr lang="en-US" dirty="0" smtClean="0"/>
           </a:p>
@@ -3312,7 +6776,7 @@
           <a:graphicData uri="http://schemas.openxmlformats.org/presentationml/2006/ole">
             <mc:AlternateContent xmlns:mc="http://schemas.openxmlformats.org/markup-compatibility/2006">
               <mc:Choice xmlns:v="urn:schemas-microsoft-com:vml" Requires="v">
-                <p:oleObj spid="_x0000_s8272" name="Equation" r:id="rId4" imgW="914400" imgH="198720" progId="Equation.DSMT4">
+                <p:oleObj spid="_x0000_s8285" name="Equation" r:id="rId4" imgW="914400" imgH="198720" progId="Equation.DSMT4">
                   <p:embed/>
                 </p:oleObj>
               </mc:Choice>
@@ -3468,7 +6932,7 @@
           <a:graphicData uri="http://schemas.openxmlformats.org/presentationml/2006/ole">
             <mc:AlternateContent xmlns:mc="http://schemas.openxmlformats.org/markup-compatibility/2006">
               <mc:Choice xmlns:v="urn:schemas-microsoft-com:vml" Requires="v">
-                <p:oleObj spid="_x0000_s8273" name="Equation" r:id="rId6" imgW="1180800" imgH="507960" progId="Equation.DSMT4">
+                <p:oleObj spid="_x0000_s8286" name="Equation" r:id="rId6" imgW="1180800" imgH="507960" progId="Equation.DSMT4">
                   <p:embed/>
                 </p:oleObj>
               </mc:Choice>
@@ -3581,7 +7045,7 @@
           <a:graphicData uri="http://schemas.openxmlformats.org/presentationml/2006/ole">
             <mc:AlternateContent xmlns:mc="http://schemas.openxmlformats.org/markup-compatibility/2006">
               <mc:Choice xmlns:v="urn:schemas-microsoft-com:vml" Requires="v">
-                <p:oleObj spid="_x0000_s8274" name="Equation" r:id="rId8" imgW="469900" imgH="431800" progId="Equation.DSMT4">
+                <p:oleObj spid="_x0000_s8287" name="Equation" r:id="rId8" imgW="469900" imgH="431800" progId="Equation.DSMT4">
                   <p:embed/>
                 </p:oleObj>
               </mc:Choice>
@@ -5426,7 +8890,7 @@
           <a:graphicData uri="http://schemas.openxmlformats.org/presentationml/2006/ole">
             <mc:AlternateContent xmlns:mc="http://schemas.openxmlformats.org/markup-compatibility/2006">
               <mc:Choice xmlns:v="urn:schemas-microsoft-com:vml" Requires="v">
-                <p:oleObj spid="_x0000_s1063" name="Equation" r:id="rId4" imgW="406400" imgH="419100" progId="Equation.DSMT4">
+                <p:oleObj spid="_x0000_s1068" name="Equation" r:id="rId4" imgW="406400" imgH="419100" progId="Equation.DSMT4">
                   <p:embed/>
                 </p:oleObj>
               </mc:Choice>
@@ -7210,7 +10674,7 @@
           <a:graphicData uri="http://schemas.openxmlformats.org/presentationml/2006/ole">
             <mc:AlternateContent xmlns:mc="http://schemas.openxmlformats.org/markup-compatibility/2006">
               <mc:Choice xmlns:v="urn:schemas-microsoft-com:vml" Requires="v">
-                <p:oleObj spid="_x0000_s2113" name="Equation" r:id="rId4" imgW="914400" imgH="198720" progId="Equation.DSMT4">
+                <p:oleObj spid="_x0000_s2122" name="Equation" r:id="rId4" imgW="914400" imgH="198720" progId="Equation.DSMT4">
                   <p:embed/>
                 </p:oleObj>
               </mc:Choice>
@@ -7280,7 +10744,7 @@
           <a:graphicData uri="http://schemas.openxmlformats.org/presentationml/2006/ole">
             <mc:AlternateContent xmlns:mc="http://schemas.openxmlformats.org/markup-compatibility/2006">
               <mc:Choice xmlns:v="urn:schemas-microsoft-com:vml" Requires="v">
-                <p:oleObj spid="_x0000_s2114" name="Equation" r:id="rId6" imgW="1854000" imgH="406080" progId="Equation.DSMT4">
+                <p:oleObj spid="_x0000_s2123" name="Equation" r:id="rId6" imgW="1854000" imgH="406080" progId="Equation.DSMT4">
                   <p:embed/>
                 </p:oleObj>
               </mc:Choice>
@@ -7689,7 +11153,7 @@
           <a:graphicData uri="http://schemas.openxmlformats.org/presentationml/2006/ole">
             <mc:AlternateContent xmlns:mc="http://schemas.openxmlformats.org/markup-compatibility/2006">
               <mc:Choice xmlns:v="urn:schemas-microsoft-com:vml" Requires="v">
-                <p:oleObj spid="_x0000_s3112" name="Equation" r:id="rId4" imgW="914400" imgH="198720" progId="Equation.DSMT4">
+                <p:oleObj spid="_x0000_s3118" name="Equation" r:id="rId4" imgW="914400" imgH="198720" progId="Equation.DSMT4">
                   <p:embed/>
                 </p:oleObj>
               </mc:Choice>
@@ -7970,6 +11434,2580 @@
       </p:grpSpPr>
       <p:sp>
         <p:nvSpPr>
+          <p:cNvPr id="3075" name="Slide Number Placeholder 3"/>
+          <p:cNvSpPr>
+            <a:spLocks noGrp="1"/>
+          </p:cNvSpPr>
+          <p:nvPr>
+            <p:ph type="sldNum" sz="quarter" idx="10"/>
+          </p:nvPr>
+        </p:nvSpPr>
+        <p:spPr>
+          <a:noFill/>
+        </p:spPr>
+        <p:txBody>
+          <a:bodyPr/>
+          <a:lstStyle/>
+          <a:p>
+            <a:r>
+              <a:rPr lang="en-US" dirty="0" smtClean="0"/>
+              <a:t>genprod.</a:t>
+            </a:r>
+            <a:fld id="{DE80B9EA-B780-4E1B-88F1-EE1288B41AE6}" type="slidenum">
+              <a:rPr lang="en-US" smtClean="0"/>
+              <a:pPr/>
+              <a:t>7</a:t>
+            </a:fld>
+            <a:endParaRPr lang="en-US" dirty="0" smtClean="0"/>
+          </a:p>
+        </p:txBody>
+      </p:sp>
+      <p:sp>
+        <p:nvSpPr>
+          <p:cNvPr id="394243" name="Rectangle 3"/>
+          <p:cNvSpPr>
+            <a:spLocks noGrp="1" noChangeArrowheads="1"/>
+          </p:cNvSpPr>
+          <p:nvPr>
+            <p:ph type="body" idx="1"/>
+          </p:nvPr>
+        </p:nvSpPr>
+        <p:spPr>
+          <a:xfrm>
+            <a:off x="533400" y="1371600"/>
+            <a:ext cx="8077200" cy="4724400"/>
+          </a:xfrm>
+        </p:spPr>
+        <p:txBody>
+          <a:bodyPr/>
+          <a:lstStyle/>
+          <a:p>
+            <a:pPr algn="ctr" eaLnBrk="1" hangingPunct="1">
+              <a:defRPr/>
+            </a:pPr>
+            <a:r>
+              <a:rPr lang="en-US" sz="4800" dirty="0" smtClean="0"/>
+              <a:t>function </a:t>
+            </a:r>
+            <a:r>
+              <a:rPr lang="en-US" sz="4800" dirty="0" smtClean="0"/>
+              <a:t>from </a:t>
+            </a:r>
+            <a:r>
+              <a:rPr lang="en-US" sz="4800" dirty="0" smtClean="0">
+                <a:solidFill>
+                  <a:srgbClr val="3333CC"/>
+                </a:solidFill>
+              </a:rPr>
+              <a:t>A</a:t>
+            </a:r>
+            <a:r>
+              <a:rPr lang="en-US" sz="4800" dirty="0" smtClean="0"/>
+              <a:t> to </a:t>
+            </a:r>
+            <a:r>
+              <a:rPr lang="en-US" sz="4800" dirty="0" smtClean="0">
+                <a:solidFill>
+                  <a:srgbClr val="3333CC"/>
+                </a:solidFill>
+              </a:rPr>
+              <a:t>B</a:t>
+            </a:r>
+            <a:endParaRPr lang="en-US" sz="4800" dirty="0" smtClean="0"/>
+          </a:p>
+        </p:txBody>
+      </p:sp>
+      <p:graphicFrame>
+        <p:nvGraphicFramePr>
+          <p:cNvPr id="3074" name="Object 4"/>
+          <p:cNvGraphicFramePr>
+            <a:graphicFrameLocks noChangeAspect="1"/>
+          </p:cNvGraphicFramePr>
+          <p:nvPr/>
+        </p:nvGraphicFramePr>
+        <p:xfrm>
+          <a:off x="3022600" y="2514600"/>
+          <a:ext cx="914400" cy="198438"/>
+        </p:xfrm>
+        <a:graphic>
+          <a:graphicData uri="http://schemas.openxmlformats.org/presentationml/2006/ole">
+            <mc:AlternateContent xmlns:mc="http://schemas.openxmlformats.org/markup-compatibility/2006">
+              <mc:Choice xmlns:v="urn:schemas-microsoft-com:vml" Requires="v">
+                <p:oleObj spid="_x0000_s9223" name="Equation" r:id="rId4" imgW="914400" imgH="198720" progId="Equation.DSMT4">
+                  <p:embed/>
+                </p:oleObj>
+              </mc:Choice>
+              <mc:Fallback>
+                <p:oleObj name="Equation" r:id="rId4" imgW="914400" imgH="198720" progId="Equation.DSMT4">
+                  <p:embed/>
+                  <p:pic>
+                    <p:nvPicPr>
+                      <p:cNvPr id="0" name=""/>
+                      <p:cNvPicPr>
+                        <a:picLocks noChangeAspect="1" noChangeArrowheads="1"/>
+                      </p:cNvPicPr>
+                      <p:nvPr/>
+                    </p:nvPicPr>
+                    <p:blipFill>
+                      <a:blip r:embed="rId5">
+                        <a:extLst>
+                          <a:ext uri="{28A0092B-C50C-407E-A947-70E740481C1C}">
+                            <a14:useLocalDpi xmlns:a14="http://schemas.microsoft.com/office/drawing/2010/main" val="0"/>
+                          </a:ext>
+                        </a:extLst>
+                      </a:blip>
+                      <a:srcRect/>
+                      <a:stretch>
+                        <a:fillRect/>
+                      </a:stretch>
+                    </p:blipFill>
+                    <p:spPr bwMode="auto">
+                      <a:xfrm>
+                        <a:off x="3022600" y="2514600"/>
+                        <a:ext cx="914400" cy="198438"/>
+                      </a:xfrm>
+                      <a:prstGeom prst="rect">
+                        <a:avLst/>
+                      </a:prstGeom>
+                      <a:noFill/>
+                      <a:extLst>
+                        <a:ext uri="{909E8E84-426E-40dd-AFC4-6F175D3DCCD1}">
+                          <a14:hiddenFill xmlns:a14="http://schemas.microsoft.com/office/drawing/2010/main">
+                            <a:solidFill>
+                              <a:srgbClr val="FFFFFF"/>
+                            </a:solidFill>
+                          </a14:hiddenFill>
+                        </a:ext>
+                      </a:extLst>
+                    </p:spPr>
+                  </p:pic>
+                </p:oleObj>
+              </mc:Fallback>
+            </mc:AlternateContent>
+          </a:graphicData>
+        </a:graphic>
+      </p:graphicFrame>
+      <p:sp>
+        <p:nvSpPr>
+          <p:cNvPr id="11" name="Rectangle 2"/>
+          <p:cNvSpPr>
+            <a:spLocks noGrp="1" noChangeArrowheads="1"/>
+          </p:cNvSpPr>
+          <p:nvPr>
+            <p:ph type="title"/>
+          </p:nvPr>
+        </p:nvSpPr>
+        <p:spPr>
+          <a:xfrm>
+            <a:off x="2895600" y="304800"/>
+            <a:ext cx="5181600" cy="1143000"/>
+          </a:xfrm>
+        </p:spPr>
+        <p:txBody>
+          <a:bodyPr/>
+          <a:lstStyle/>
+          <a:p>
+            <a:pPr eaLnBrk="1" hangingPunct="1"/>
+            <a:r>
+              <a:rPr lang="en-US" sz="4400" dirty="0" smtClean="0">
+                <a:solidFill>
+                  <a:schemeClr val="tx1"/>
+                </a:solidFill>
+              </a:rPr>
+              <a:t>Division</a:t>
+            </a:r>
+            <a:r>
+              <a:rPr lang="en-US" sz="4400" dirty="0" smtClean="0"/>
+              <a:t> Rule</a:t>
+            </a:r>
+          </a:p>
+        </p:txBody>
+      </p:sp>
+      <p:grpSp>
+        <p:nvGrpSpPr>
+          <p:cNvPr id="14" name="Group 13"/>
+          <p:cNvGrpSpPr/>
+          <p:nvPr/>
+        </p:nvGrpSpPr>
+        <p:grpSpPr>
+          <a:xfrm>
+            <a:off x="1066800" y="2362200"/>
+            <a:ext cx="2635280" cy="3886200"/>
+            <a:chOff x="1066800" y="2362200"/>
+            <a:chExt cx="2635280" cy="3886200"/>
+          </a:xfrm>
+        </p:grpSpPr>
+        <p:sp>
+          <p:nvSpPr>
+            <p:cNvPr id="2" name="Oval 1"/>
+            <p:cNvSpPr/>
+            <p:nvPr/>
+          </p:nvSpPr>
+          <p:spPr bwMode="auto">
+            <a:xfrm>
+              <a:off x="1066800" y="2362200"/>
+              <a:ext cx="1295400" cy="3886200"/>
+            </a:xfrm>
+            <a:prstGeom prst="ellipse">
+              <a:avLst/>
+            </a:prstGeom>
+            <a:noFill/>
+            <a:ln w="25400" cap="flat" cmpd="sng" algn="ctr">
+              <a:solidFill>
+                <a:schemeClr val="accent1">
+                  <a:lumMod val="50000"/>
+                </a:schemeClr>
+              </a:solidFill>
+              <a:prstDash val="solid"/>
+              <a:round/>
+              <a:headEnd type="none" w="med" len="med"/>
+              <a:tailEnd type="triangle" w="med" len="med"/>
+            </a:ln>
+            <a:effectLst/>
+          </p:spPr>
+          <p:txBody>
+            <a:bodyPr vert="horz" wrap="square" lIns="91440" tIns="45720" rIns="91440" bIns="45720" numCol="1" rtlCol="0" anchor="t" anchorCtr="0" compatLnSpc="1">
+              <a:prstTxWarp prst="textNoShape">
+                <a:avLst/>
+              </a:prstTxWarp>
+              <a:spAutoFit/>
+            </a:bodyPr>
+            <a:lstStyle/>
+            <a:p>
+              <a:pPr marL="342900" marR="0" indent="-342900" algn="l" defTabSz="914400" rtl="0" eaLnBrk="1" fontAlgn="base" latinLnBrk="0" hangingPunct="1">
+                <a:lnSpc>
+                  <a:spcPct val="100000"/>
+                </a:lnSpc>
+                <a:spcBef>
+                  <a:spcPct val="20000"/>
+                </a:spcBef>
+                <a:spcAft>
+                  <a:spcPct val="0"/>
+                </a:spcAft>
+                <a:buClrTx/>
+                <a:buSzTx/>
+                <a:buFontTx/>
+                <a:buNone/>
+                <a:tabLst/>
+              </a:pPr>
+              <a:endParaRPr kumimoji="0" lang="en-US" sz="3200" b="0" i="0" u="none" strike="noStrike" cap="none" normalizeH="0" baseline="0" smtClean="0">
+                <a:ln>
+                  <a:noFill/>
+                </a:ln>
+                <a:solidFill>
+                  <a:schemeClr val="tx1"/>
+                </a:solidFill>
+                <a:effectLst/>
+                <a:latin typeface="Times New Roman" pitchFamily="18" charset="0"/>
+              </a:endParaRPr>
+            </a:p>
+          </p:txBody>
+        </p:sp>
+        <p:grpSp>
+          <p:nvGrpSpPr>
+            <p:cNvPr id="6" name="Group 5"/>
+            <p:cNvGrpSpPr/>
+            <p:nvPr/>
+          </p:nvGrpSpPr>
+          <p:grpSpPr>
+            <a:xfrm>
+              <a:off x="1676400" y="2797519"/>
+              <a:ext cx="1752600" cy="152400"/>
+              <a:chOff x="1676400" y="2797519"/>
+              <a:chExt cx="1752600" cy="152400"/>
+            </a:xfrm>
+          </p:grpSpPr>
+          <p:sp>
+            <p:nvSpPr>
+              <p:cNvPr id="3" name="Oval 2"/>
+              <p:cNvSpPr/>
+              <p:nvPr/>
+            </p:nvSpPr>
+            <p:spPr bwMode="auto">
+              <a:xfrm>
+                <a:off x="1676400" y="2797519"/>
+                <a:ext cx="127000" cy="152400"/>
+              </a:xfrm>
+              <a:prstGeom prst="ellipse">
+                <a:avLst/>
+              </a:prstGeom>
+              <a:solidFill>
+                <a:schemeClr val="accent1">
+                  <a:lumMod val="50000"/>
+                </a:schemeClr>
+              </a:solidFill>
+              <a:ln w="44450" cap="flat" cmpd="sng" algn="ctr">
+                <a:noFill/>
+                <a:prstDash val="sysDash"/>
+                <a:round/>
+                <a:headEnd type="none" w="med" len="med"/>
+                <a:tailEnd type="triangle" w="med" len="med"/>
+              </a:ln>
+              <a:effectLst/>
+            </p:spPr>
+            <p:txBody>
+              <a:bodyPr vert="horz" wrap="square" lIns="91440" tIns="45720" rIns="91440" bIns="45720" numCol="1" rtlCol="0" anchor="t" anchorCtr="0" compatLnSpc="1">
+                <a:prstTxWarp prst="textNoShape">
+                  <a:avLst/>
+                </a:prstTxWarp>
+                <a:spAutoFit/>
+              </a:bodyPr>
+              <a:lstStyle/>
+              <a:p>
+                <a:pPr marL="342900" marR="0" indent="-342900" algn="l" defTabSz="914400" rtl="0" eaLnBrk="1" fontAlgn="base" latinLnBrk="0" hangingPunct="1">
+                  <a:lnSpc>
+                    <a:spcPct val="100000"/>
+                  </a:lnSpc>
+                  <a:spcBef>
+                    <a:spcPct val="20000"/>
+                  </a:spcBef>
+                  <a:spcAft>
+                    <a:spcPct val="0"/>
+                  </a:spcAft>
+                  <a:buClrTx/>
+                  <a:buSzTx/>
+                  <a:buFontTx/>
+                  <a:buNone/>
+                  <a:tabLst/>
+                </a:pPr>
+                <a:endParaRPr kumimoji="0" lang="en-US" sz="3200" b="0" i="0" u="none" strike="noStrike" cap="none" normalizeH="0" baseline="0" smtClean="0">
+                  <a:ln>
+                    <a:noFill/>
+                  </a:ln>
+                  <a:solidFill>
+                    <a:schemeClr val="tx1"/>
+                  </a:solidFill>
+                  <a:effectLst/>
+                  <a:latin typeface="Times New Roman" pitchFamily="18" charset="0"/>
+                </a:endParaRPr>
+              </a:p>
+            </p:txBody>
+          </p:sp>
+          <p:cxnSp>
+            <p:nvCxnSpPr>
+              <p:cNvPr id="5" name="Straight Arrow Connector 4"/>
+              <p:cNvCxnSpPr>
+                <a:stCxn id="3" idx="6"/>
+              </p:cNvCxnSpPr>
+              <p:nvPr/>
+            </p:nvCxnSpPr>
+            <p:spPr bwMode="auto">
+              <a:xfrm>
+                <a:off x="1803400" y="2873719"/>
+                <a:ext cx="1625600" cy="21881"/>
+              </a:xfrm>
+              <a:prstGeom prst="straightConnector1">
+                <a:avLst/>
+              </a:prstGeom>
+              <a:noFill/>
+              <a:ln w="31750" cap="flat" cmpd="sng" algn="ctr">
+                <a:solidFill>
+                  <a:schemeClr val="tx1"/>
+                </a:solidFill>
+                <a:prstDash val="solid"/>
+                <a:round/>
+                <a:headEnd type="none" w="med" len="med"/>
+                <a:tailEnd type="stealth" w="lg" len="lg"/>
+              </a:ln>
+              <a:effectLst/>
+            </p:spPr>
+          </p:cxnSp>
+        </p:grpSp>
+        <p:grpSp>
+          <p:nvGrpSpPr>
+            <p:cNvPr id="15" name="Group 14"/>
+            <p:cNvGrpSpPr/>
+            <p:nvPr/>
+          </p:nvGrpSpPr>
+          <p:grpSpPr>
+            <a:xfrm>
+              <a:off x="1949480" y="4191000"/>
+              <a:ext cx="1752600" cy="152400"/>
+              <a:chOff x="1676400" y="2797519"/>
+              <a:chExt cx="1752600" cy="152400"/>
+            </a:xfrm>
+          </p:grpSpPr>
+          <p:sp>
+            <p:nvSpPr>
+              <p:cNvPr id="16" name="Oval 15"/>
+              <p:cNvSpPr/>
+              <p:nvPr/>
+            </p:nvSpPr>
+            <p:spPr bwMode="auto">
+              <a:xfrm>
+                <a:off x="1676400" y="2797519"/>
+                <a:ext cx="127000" cy="152400"/>
+              </a:xfrm>
+              <a:prstGeom prst="ellipse">
+                <a:avLst/>
+              </a:prstGeom>
+              <a:solidFill>
+                <a:schemeClr val="accent1">
+                  <a:lumMod val="50000"/>
+                </a:schemeClr>
+              </a:solidFill>
+              <a:ln w="44450" cap="flat" cmpd="sng" algn="ctr">
+                <a:noFill/>
+                <a:prstDash val="sysDash"/>
+                <a:round/>
+                <a:headEnd type="none" w="med" len="med"/>
+                <a:tailEnd type="triangle" w="med" len="med"/>
+              </a:ln>
+              <a:effectLst/>
+            </p:spPr>
+            <p:txBody>
+              <a:bodyPr vert="horz" wrap="square" lIns="91440" tIns="45720" rIns="91440" bIns="45720" numCol="1" rtlCol="0" anchor="t" anchorCtr="0" compatLnSpc="1">
+                <a:prstTxWarp prst="textNoShape">
+                  <a:avLst/>
+                </a:prstTxWarp>
+                <a:spAutoFit/>
+              </a:bodyPr>
+              <a:lstStyle/>
+              <a:p>
+                <a:pPr marL="342900" marR="0" indent="-342900" algn="l" defTabSz="914400" rtl="0" eaLnBrk="1" fontAlgn="base" latinLnBrk="0" hangingPunct="1">
+                  <a:lnSpc>
+                    <a:spcPct val="100000"/>
+                  </a:lnSpc>
+                  <a:spcBef>
+                    <a:spcPct val="20000"/>
+                  </a:spcBef>
+                  <a:spcAft>
+                    <a:spcPct val="0"/>
+                  </a:spcAft>
+                  <a:buClrTx/>
+                  <a:buSzTx/>
+                  <a:buFontTx/>
+                  <a:buNone/>
+                  <a:tabLst/>
+                </a:pPr>
+                <a:endParaRPr kumimoji="0" lang="en-US" sz="3200" b="0" i="0" u="none" strike="noStrike" cap="none" normalizeH="0" baseline="0" smtClean="0">
+                  <a:ln>
+                    <a:noFill/>
+                  </a:ln>
+                  <a:solidFill>
+                    <a:schemeClr val="tx1"/>
+                  </a:solidFill>
+                  <a:effectLst/>
+                  <a:latin typeface="Times New Roman" pitchFamily="18" charset="0"/>
+                </a:endParaRPr>
+              </a:p>
+            </p:txBody>
+          </p:sp>
+          <p:cxnSp>
+            <p:nvCxnSpPr>
+              <p:cNvPr id="17" name="Straight Arrow Connector 16"/>
+              <p:cNvCxnSpPr>
+                <a:stCxn id="16" idx="6"/>
+              </p:cNvCxnSpPr>
+              <p:nvPr/>
+            </p:nvCxnSpPr>
+            <p:spPr bwMode="auto">
+              <a:xfrm>
+                <a:off x="1803400" y="2873719"/>
+                <a:ext cx="1625600" cy="21881"/>
+              </a:xfrm>
+              <a:prstGeom prst="straightConnector1">
+                <a:avLst/>
+              </a:prstGeom>
+              <a:noFill/>
+              <a:ln w="31750" cap="flat" cmpd="sng" algn="ctr">
+                <a:solidFill>
+                  <a:schemeClr val="tx1"/>
+                </a:solidFill>
+                <a:prstDash val="solid"/>
+                <a:round/>
+                <a:headEnd type="none" w="med" len="med"/>
+                <a:tailEnd type="stealth" w="lg" len="lg"/>
+              </a:ln>
+              <a:effectLst/>
+            </p:spPr>
+          </p:cxnSp>
+        </p:grpSp>
+        <p:grpSp>
+          <p:nvGrpSpPr>
+            <p:cNvPr id="18" name="Group 17"/>
+            <p:cNvGrpSpPr/>
+            <p:nvPr/>
+          </p:nvGrpSpPr>
+          <p:grpSpPr>
+            <a:xfrm>
+              <a:off x="1270000" y="3657600"/>
+              <a:ext cx="1752600" cy="152400"/>
+              <a:chOff x="1676400" y="2797519"/>
+              <a:chExt cx="1752600" cy="152400"/>
+            </a:xfrm>
+          </p:grpSpPr>
+          <p:sp>
+            <p:nvSpPr>
+              <p:cNvPr id="19" name="Oval 18"/>
+              <p:cNvSpPr/>
+              <p:nvPr/>
+            </p:nvSpPr>
+            <p:spPr bwMode="auto">
+              <a:xfrm>
+                <a:off x="1676400" y="2797519"/>
+                <a:ext cx="127000" cy="152400"/>
+              </a:xfrm>
+              <a:prstGeom prst="ellipse">
+                <a:avLst/>
+              </a:prstGeom>
+              <a:solidFill>
+                <a:schemeClr val="accent1">
+                  <a:lumMod val="50000"/>
+                </a:schemeClr>
+              </a:solidFill>
+              <a:ln w="44450" cap="flat" cmpd="sng" algn="ctr">
+                <a:noFill/>
+                <a:prstDash val="sysDash"/>
+                <a:round/>
+                <a:headEnd type="none" w="med" len="med"/>
+                <a:tailEnd type="triangle" w="med" len="med"/>
+              </a:ln>
+              <a:effectLst/>
+            </p:spPr>
+            <p:txBody>
+              <a:bodyPr vert="horz" wrap="square" lIns="91440" tIns="45720" rIns="91440" bIns="45720" numCol="1" rtlCol="0" anchor="t" anchorCtr="0" compatLnSpc="1">
+                <a:prstTxWarp prst="textNoShape">
+                  <a:avLst/>
+                </a:prstTxWarp>
+                <a:spAutoFit/>
+              </a:bodyPr>
+              <a:lstStyle/>
+              <a:p>
+                <a:pPr marL="342900" marR="0" indent="-342900" algn="l" defTabSz="914400" rtl="0" eaLnBrk="1" fontAlgn="base" latinLnBrk="0" hangingPunct="1">
+                  <a:lnSpc>
+                    <a:spcPct val="100000"/>
+                  </a:lnSpc>
+                  <a:spcBef>
+                    <a:spcPct val="20000"/>
+                  </a:spcBef>
+                  <a:spcAft>
+                    <a:spcPct val="0"/>
+                  </a:spcAft>
+                  <a:buClrTx/>
+                  <a:buSzTx/>
+                  <a:buFontTx/>
+                  <a:buNone/>
+                  <a:tabLst/>
+                </a:pPr>
+                <a:endParaRPr kumimoji="0" lang="en-US" sz="3200" b="0" i="0" u="none" strike="noStrike" cap="none" normalizeH="0" baseline="0" smtClean="0">
+                  <a:ln>
+                    <a:noFill/>
+                  </a:ln>
+                  <a:solidFill>
+                    <a:schemeClr val="tx1"/>
+                  </a:solidFill>
+                  <a:effectLst/>
+                  <a:latin typeface="Times New Roman" pitchFamily="18" charset="0"/>
+                </a:endParaRPr>
+              </a:p>
+            </p:txBody>
+          </p:sp>
+          <p:cxnSp>
+            <p:nvCxnSpPr>
+              <p:cNvPr id="20" name="Straight Arrow Connector 19"/>
+              <p:cNvCxnSpPr>
+                <a:stCxn id="19" idx="6"/>
+              </p:cNvCxnSpPr>
+              <p:nvPr/>
+            </p:nvCxnSpPr>
+            <p:spPr bwMode="auto">
+              <a:xfrm>
+                <a:off x="1803400" y="2873719"/>
+                <a:ext cx="1625600" cy="21881"/>
+              </a:xfrm>
+              <a:prstGeom prst="straightConnector1">
+                <a:avLst/>
+              </a:prstGeom>
+              <a:noFill/>
+              <a:ln w="31750" cap="flat" cmpd="sng" algn="ctr">
+                <a:solidFill>
+                  <a:schemeClr val="tx1"/>
+                </a:solidFill>
+                <a:prstDash val="solid"/>
+                <a:round/>
+                <a:headEnd type="none" w="med" len="med"/>
+                <a:tailEnd type="stealth" w="lg" len="lg"/>
+              </a:ln>
+              <a:effectLst/>
+            </p:spPr>
+          </p:cxnSp>
+        </p:grpSp>
+        <p:grpSp>
+          <p:nvGrpSpPr>
+            <p:cNvPr id="21" name="Group 20"/>
+            <p:cNvGrpSpPr/>
+            <p:nvPr/>
+          </p:nvGrpSpPr>
+          <p:grpSpPr>
+            <a:xfrm>
+              <a:off x="1676400" y="4953000"/>
+              <a:ext cx="1752600" cy="152400"/>
+              <a:chOff x="1676400" y="2797519"/>
+              <a:chExt cx="1752600" cy="152400"/>
+            </a:xfrm>
+          </p:grpSpPr>
+          <p:sp>
+            <p:nvSpPr>
+              <p:cNvPr id="22" name="Oval 21"/>
+              <p:cNvSpPr/>
+              <p:nvPr/>
+            </p:nvSpPr>
+            <p:spPr bwMode="auto">
+              <a:xfrm>
+                <a:off x="1676400" y="2797519"/>
+                <a:ext cx="127000" cy="152400"/>
+              </a:xfrm>
+              <a:prstGeom prst="ellipse">
+                <a:avLst/>
+              </a:prstGeom>
+              <a:solidFill>
+                <a:schemeClr val="accent1">
+                  <a:lumMod val="50000"/>
+                </a:schemeClr>
+              </a:solidFill>
+              <a:ln w="44450" cap="flat" cmpd="sng" algn="ctr">
+                <a:noFill/>
+                <a:prstDash val="sysDash"/>
+                <a:round/>
+                <a:headEnd type="none" w="med" len="med"/>
+                <a:tailEnd type="triangle" w="med" len="med"/>
+              </a:ln>
+              <a:effectLst/>
+            </p:spPr>
+            <p:txBody>
+              <a:bodyPr vert="horz" wrap="square" lIns="91440" tIns="45720" rIns="91440" bIns="45720" numCol="1" rtlCol="0" anchor="t" anchorCtr="0" compatLnSpc="1">
+                <a:prstTxWarp prst="textNoShape">
+                  <a:avLst/>
+                </a:prstTxWarp>
+                <a:spAutoFit/>
+              </a:bodyPr>
+              <a:lstStyle/>
+              <a:p>
+                <a:pPr marL="342900" marR="0" indent="-342900" algn="l" defTabSz="914400" rtl="0" eaLnBrk="1" fontAlgn="base" latinLnBrk="0" hangingPunct="1">
+                  <a:lnSpc>
+                    <a:spcPct val="100000"/>
+                  </a:lnSpc>
+                  <a:spcBef>
+                    <a:spcPct val="20000"/>
+                  </a:spcBef>
+                  <a:spcAft>
+                    <a:spcPct val="0"/>
+                  </a:spcAft>
+                  <a:buClrTx/>
+                  <a:buSzTx/>
+                  <a:buFontTx/>
+                  <a:buNone/>
+                  <a:tabLst/>
+                </a:pPr>
+                <a:endParaRPr kumimoji="0" lang="en-US" sz="3200" b="0" i="0" u="none" strike="noStrike" cap="none" normalizeH="0" baseline="0" smtClean="0">
+                  <a:ln>
+                    <a:noFill/>
+                  </a:ln>
+                  <a:solidFill>
+                    <a:schemeClr val="tx1"/>
+                  </a:solidFill>
+                  <a:effectLst/>
+                  <a:latin typeface="Times New Roman" pitchFamily="18" charset="0"/>
+                </a:endParaRPr>
+              </a:p>
+            </p:txBody>
+          </p:sp>
+          <p:cxnSp>
+            <p:nvCxnSpPr>
+              <p:cNvPr id="23" name="Straight Arrow Connector 22"/>
+              <p:cNvCxnSpPr>
+                <a:stCxn id="22" idx="6"/>
+              </p:cNvCxnSpPr>
+              <p:nvPr/>
+            </p:nvCxnSpPr>
+            <p:spPr bwMode="auto">
+              <a:xfrm>
+                <a:off x="1803400" y="2873719"/>
+                <a:ext cx="1625600" cy="21881"/>
+              </a:xfrm>
+              <a:prstGeom prst="straightConnector1">
+                <a:avLst/>
+              </a:prstGeom>
+              <a:noFill/>
+              <a:ln w="31750" cap="flat" cmpd="sng" algn="ctr">
+                <a:solidFill>
+                  <a:schemeClr val="tx1"/>
+                </a:solidFill>
+                <a:prstDash val="solid"/>
+                <a:round/>
+                <a:headEnd type="none" w="med" len="med"/>
+                <a:tailEnd type="stealth" w="lg" len="lg"/>
+              </a:ln>
+              <a:effectLst/>
+            </p:spPr>
+          </p:cxnSp>
+        </p:grpSp>
+        <p:grpSp>
+          <p:nvGrpSpPr>
+            <p:cNvPr id="24" name="Group 23"/>
+            <p:cNvGrpSpPr/>
+            <p:nvPr/>
+          </p:nvGrpSpPr>
+          <p:grpSpPr>
+            <a:xfrm>
+              <a:off x="1485900" y="5562600"/>
+              <a:ext cx="1752600" cy="152400"/>
+              <a:chOff x="1676400" y="2797519"/>
+              <a:chExt cx="1752600" cy="152400"/>
+            </a:xfrm>
+          </p:grpSpPr>
+          <p:sp>
+            <p:nvSpPr>
+              <p:cNvPr id="25" name="Oval 24"/>
+              <p:cNvSpPr/>
+              <p:nvPr/>
+            </p:nvSpPr>
+            <p:spPr bwMode="auto">
+              <a:xfrm>
+                <a:off x="1676400" y="2797519"/>
+                <a:ext cx="127000" cy="152400"/>
+              </a:xfrm>
+              <a:prstGeom prst="ellipse">
+                <a:avLst/>
+              </a:prstGeom>
+              <a:solidFill>
+                <a:schemeClr val="accent1">
+                  <a:lumMod val="50000"/>
+                </a:schemeClr>
+              </a:solidFill>
+              <a:ln w="44450" cap="flat" cmpd="sng" algn="ctr">
+                <a:noFill/>
+                <a:prstDash val="sysDash"/>
+                <a:round/>
+                <a:headEnd type="none" w="med" len="med"/>
+                <a:tailEnd type="triangle" w="med" len="med"/>
+              </a:ln>
+              <a:effectLst/>
+            </p:spPr>
+            <p:txBody>
+              <a:bodyPr vert="horz" wrap="square" lIns="91440" tIns="45720" rIns="91440" bIns="45720" numCol="1" rtlCol="0" anchor="t" anchorCtr="0" compatLnSpc="1">
+                <a:prstTxWarp prst="textNoShape">
+                  <a:avLst/>
+                </a:prstTxWarp>
+                <a:spAutoFit/>
+              </a:bodyPr>
+              <a:lstStyle/>
+              <a:p>
+                <a:pPr marL="342900" marR="0" indent="-342900" algn="l" defTabSz="914400" rtl="0" eaLnBrk="1" fontAlgn="base" latinLnBrk="0" hangingPunct="1">
+                  <a:lnSpc>
+                    <a:spcPct val="100000"/>
+                  </a:lnSpc>
+                  <a:spcBef>
+                    <a:spcPct val="20000"/>
+                  </a:spcBef>
+                  <a:spcAft>
+                    <a:spcPct val="0"/>
+                  </a:spcAft>
+                  <a:buClrTx/>
+                  <a:buSzTx/>
+                  <a:buFontTx/>
+                  <a:buNone/>
+                  <a:tabLst/>
+                </a:pPr>
+                <a:endParaRPr kumimoji="0" lang="en-US" sz="3200" b="0" i="0" u="none" strike="noStrike" cap="none" normalizeH="0" baseline="0" smtClean="0">
+                  <a:ln>
+                    <a:noFill/>
+                  </a:ln>
+                  <a:solidFill>
+                    <a:schemeClr val="tx1"/>
+                  </a:solidFill>
+                  <a:effectLst/>
+                  <a:latin typeface="Times New Roman" pitchFamily="18" charset="0"/>
+                </a:endParaRPr>
+              </a:p>
+            </p:txBody>
+          </p:sp>
+          <p:cxnSp>
+            <p:nvCxnSpPr>
+              <p:cNvPr id="26" name="Straight Arrow Connector 25"/>
+              <p:cNvCxnSpPr>
+                <a:stCxn id="25" idx="6"/>
+              </p:cNvCxnSpPr>
+              <p:nvPr/>
+            </p:nvCxnSpPr>
+            <p:spPr bwMode="auto">
+              <a:xfrm>
+                <a:off x="1803400" y="2873719"/>
+                <a:ext cx="1625600" cy="21881"/>
+              </a:xfrm>
+              <a:prstGeom prst="straightConnector1">
+                <a:avLst/>
+              </a:prstGeom>
+              <a:noFill/>
+              <a:ln w="31750" cap="flat" cmpd="sng" algn="ctr">
+                <a:solidFill>
+                  <a:schemeClr val="tx1"/>
+                </a:solidFill>
+                <a:prstDash val="solid"/>
+                <a:round/>
+                <a:headEnd type="none" w="med" len="med"/>
+                <a:tailEnd type="stealth" w="lg" len="lg"/>
+              </a:ln>
+              <a:effectLst/>
+            </p:spPr>
+          </p:cxnSp>
+        </p:grpSp>
+      </p:grpSp>
+      <p:sp>
+        <p:nvSpPr>
+          <p:cNvPr id="7" name="TextBox 6"/>
+          <p:cNvSpPr txBox="1"/>
+          <p:nvPr/>
+        </p:nvSpPr>
+        <p:spPr>
+          <a:xfrm>
+            <a:off x="4343400" y="3199346"/>
+            <a:ext cx="3170046" cy="1920526"/>
+          </a:xfrm>
+          <a:prstGeom prst="rect">
+            <a:avLst/>
+          </a:prstGeom>
+          <a:noFill/>
+        </p:spPr>
+        <p:txBody>
+          <a:bodyPr wrap="none" rtlCol="0">
+            <a:spAutoFit/>
+          </a:bodyPr>
+          <a:lstStyle/>
+          <a:p>
+            <a:r>
+              <a:rPr lang="en-US" sz="5400" dirty="0" smtClean="0">
+                <a:latin typeface="Comic Sans MS"/>
+                <a:cs typeface="Comic Sans MS"/>
+              </a:rPr>
+              <a:t># arrows </a:t>
+            </a:r>
+          </a:p>
+          <a:p>
+            <a:r>
+              <a:rPr lang="en-US" sz="5400" b="1" dirty="0">
+                <a:latin typeface="Comic Sans MS"/>
+                <a:cs typeface="Comic Sans MS"/>
+              </a:rPr>
+              <a:t> </a:t>
+            </a:r>
+            <a:r>
+              <a:rPr lang="en-US" sz="5400" b="1" dirty="0" smtClean="0">
+                <a:latin typeface="Comic Sans MS"/>
+                <a:cs typeface="Comic Sans MS"/>
+              </a:rPr>
+              <a:t> </a:t>
+            </a:r>
+            <a:r>
+              <a:rPr lang="en-US" sz="5400" b="1" dirty="0" smtClean="0">
+                <a:latin typeface="Euclid Symbol" charset="2"/>
+                <a:cs typeface="Euclid Symbol" charset="2"/>
+              </a:rPr>
+              <a:t>=</a:t>
+            </a:r>
+            <a:r>
+              <a:rPr lang="en-US" sz="5400" dirty="0" smtClean="0">
+                <a:latin typeface="Comic Sans MS"/>
+                <a:cs typeface="Comic Sans MS"/>
+              </a:rPr>
+              <a:t> </a:t>
+            </a:r>
+            <a:r>
+              <a:rPr lang="en-US" sz="5400" dirty="0" smtClean="0">
+                <a:solidFill>
+                  <a:schemeClr val="accent5">
+                    <a:lumMod val="50000"/>
+                  </a:schemeClr>
+                </a:solidFill>
+                <a:latin typeface="Comic Sans MS"/>
+                <a:cs typeface="Comic Sans MS"/>
+              </a:rPr>
+              <a:t>|A|</a:t>
+            </a:r>
+            <a:endParaRPr lang="en-US" sz="5400" dirty="0">
+              <a:solidFill>
+                <a:schemeClr val="accent5">
+                  <a:lumMod val="50000"/>
+                </a:schemeClr>
+              </a:solidFill>
+              <a:latin typeface="Comic Sans MS"/>
+              <a:cs typeface="Comic Sans MS"/>
+            </a:endParaRPr>
+          </a:p>
+        </p:txBody>
+      </p:sp>
+      <p:sp>
+        <p:nvSpPr>
+          <p:cNvPr id="13" name="TextBox 12"/>
+          <p:cNvSpPr txBox="1"/>
+          <p:nvPr/>
+        </p:nvSpPr>
+        <p:spPr>
+          <a:xfrm>
+            <a:off x="304800" y="3576935"/>
+            <a:ext cx="691190" cy="923330"/>
+          </a:xfrm>
+          <a:prstGeom prst="rect">
+            <a:avLst/>
+          </a:prstGeom>
+          <a:noFill/>
+        </p:spPr>
+        <p:txBody>
+          <a:bodyPr wrap="none" rtlCol="0">
+            <a:spAutoFit/>
+          </a:bodyPr>
+          <a:lstStyle/>
+          <a:p>
+            <a:r>
+              <a:rPr lang="en-US" sz="5400" dirty="0" smtClean="0">
+                <a:solidFill>
+                  <a:srgbClr val="0000F1"/>
+                </a:solidFill>
+                <a:latin typeface="Comic Sans MS"/>
+                <a:cs typeface="Comic Sans MS"/>
+              </a:rPr>
+              <a:t>A</a:t>
+            </a:r>
+            <a:endParaRPr lang="en-US" sz="5400" dirty="0">
+              <a:solidFill>
+                <a:srgbClr val="0000F1"/>
+              </a:solidFill>
+              <a:latin typeface="Comic Sans MS"/>
+              <a:cs typeface="Comic Sans MS"/>
+            </a:endParaRPr>
+          </a:p>
+        </p:txBody>
+      </p:sp>
+    </p:spTree>
+    <p:extLst>
+      <p:ext uri="{BB962C8B-B14F-4D97-AF65-F5344CB8AC3E}">
+        <p14:creationId xmlns:p14="http://schemas.microsoft.com/office/powerpoint/2010/main" val="3693354353"/>
+      </p:ext>
+    </p:extLst>
+  </p:cSld>
+  <p:clrMapOvr>
+    <a:masterClrMapping/>
+  </p:clrMapOvr>
+  <p:transition xmlns:p14="http://schemas.microsoft.com/office/powerpoint/2010/main" spd="slow" advClick="0">
+    <p:fade/>
+  </p:transition>
+  <p:timing>
+    <p:tnLst>
+      <p:par>
+        <p:cTn xmlns:p14="http://schemas.microsoft.com/office/powerpoint/2010/main" id="1" dur="indefinite" restart="never" nodeType="tmRoot">
+          <p:childTnLst>
+            <p:seq concurrent="1" nextAc="seek">
+              <p:cTn id="2" dur="indefinite" nodeType="mainSeq">
+                <p:childTnLst>
+                  <p:par>
+                    <p:cTn id="3" fill="hold">
+                      <p:stCondLst>
+                        <p:cond delay="indefinite"/>
+                      </p:stCondLst>
+                      <p:childTnLst>
+                        <p:par>
+                          <p:cTn id="4" fill="hold">
+                            <p:stCondLst>
+                              <p:cond delay="0"/>
+                            </p:stCondLst>
+                            <p:childTnLst>
+                              <p:par>
+                                <p:cTn id="5" presetID="10" presetClass="entr" presetSubtype="0" fill="hold" grpId="0" nodeType="clickEffect">
+                                  <p:stCondLst>
+                                    <p:cond delay="0"/>
+                                  </p:stCondLst>
+                                  <p:childTnLst>
+                                    <p:set>
+                                      <p:cBhvr>
+                                        <p:cTn id="6" dur="1" fill="hold">
+                                          <p:stCondLst>
+                                            <p:cond delay="0"/>
+                                          </p:stCondLst>
+                                        </p:cTn>
+                                        <p:tgtEl>
+                                          <p:spTgt spid="13"/>
+                                        </p:tgtEl>
+                                        <p:attrNameLst>
+                                          <p:attrName>style.visibility</p:attrName>
+                                        </p:attrNameLst>
+                                      </p:cBhvr>
+                                      <p:to>
+                                        <p:strVal val="visible"/>
+                                      </p:to>
+                                    </p:set>
+                                    <p:animEffect transition="in" filter="fade">
+                                      <p:cBhvr>
+                                        <p:cTn id="7" dur="500"/>
+                                        <p:tgtEl>
+                                          <p:spTgt spid="13"/>
+                                        </p:tgtEl>
+                                      </p:cBhvr>
+                                    </p:animEffect>
+                                  </p:childTnLst>
+                                </p:cTn>
+                              </p:par>
+                              <p:par>
+                                <p:cTn id="8" presetID="22" presetClass="entr" presetSubtype="8" fill="hold" nodeType="withEffect">
+                                  <p:stCondLst>
+                                    <p:cond delay="0"/>
+                                  </p:stCondLst>
+                                  <p:childTnLst>
+                                    <p:set>
+                                      <p:cBhvr>
+                                        <p:cTn id="9" dur="1" fill="hold">
+                                          <p:stCondLst>
+                                            <p:cond delay="0"/>
+                                          </p:stCondLst>
+                                        </p:cTn>
+                                        <p:tgtEl>
+                                          <p:spTgt spid="14"/>
+                                        </p:tgtEl>
+                                        <p:attrNameLst>
+                                          <p:attrName>style.visibility</p:attrName>
+                                        </p:attrNameLst>
+                                      </p:cBhvr>
+                                      <p:to>
+                                        <p:strVal val="visible"/>
+                                      </p:to>
+                                    </p:set>
+                                    <p:animEffect transition="in" filter="wipe(left)">
+                                      <p:cBhvr>
+                                        <p:cTn id="10" dur="1000"/>
+                                        <p:tgtEl>
+                                          <p:spTgt spid="14"/>
+                                        </p:tgtEl>
+                                      </p:cBhvr>
+                                    </p:animEffect>
+                                  </p:childTnLst>
+                                </p:cTn>
+                              </p:par>
+                            </p:childTnLst>
+                          </p:cTn>
+                        </p:par>
+                      </p:childTnLst>
+                    </p:cTn>
+                  </p:par>
+                  <p:par>
+                    <p:cTn id="11" fill="hold">
+                      <p:stCondLst>
+                        <p:cond delay="indefinite"/>
+                      </p:stCondLst>
+                      <p:childTnLst>
+                        <p:par>
+                          <p:cTn id="12" fill="hold">
+                            <p:stCondLst>
+                              <p:cond delay="0"/>
+                            </p:stCondLst>
+                            <p:childTnLst>
+                              <p:par>
+                                <p:cTn id="13" presetID="10" presetClass="entr" presetSubtype="0" fill="hold" grpId="0" nodeType="clickEffect">
+                                  <p:stCondLst>
+                                    <p:cond delay="0"/>
+                                  </p:stCondLst>
+                                  <p:childTnLst>
+                                    <p:set>
+                                      <p:cBhvr>
+                                        <p:cTn id="14" dur="1" fill="hold">
+                                          <p:stCondLst>
+                                            <p:cond delay="0"/>
+                                          </p:stCondLst>
+                                        </p:cTn>
+                                        <p:tgtEl>
+                                          <p:spTgt spid="7"/>
+                                        </p:tgtEl>
+                                        <p:attrNameLst>
+                                          <p:attrName>style.visibility</p:attrName>
+                                        </p:attrNameLst>
+                                      </p:cBhvr>
+                                      <p:to>
+                                        <p:strVal val="visible"/>
+                                      </p:to>
+                                    </p:set>
+                                    <p:animEffect transition="in" filter="fade">
+                                      <p:cBhvr>
+                                        <p:cTn id="15" dur="500"/>
+                                        <p:tgtEl>
+                                          <p:spTgt spid="7"/>
+                                        </p:tgtEl>
+                                      </p:cBhvr>
+                                    </p:animEffect>
+                                  </p:childTnLst>
+                                </p:cTn>
+                              </p:par>
+                            </p:childTnLst>
+                          </p:cTn>
+                        </p:par>
+                      </p:childTnLst>
+                    </p:cTn>
+                  </p:par>
+                </p:childTnLst>
+              </p:cTn>
+              <p:prevCondLst>
+                <p:cond evt="onPrev" delay="0">
+                  <p:tgtEl>
+                    <p:sldTgt/>
+                  </p:tgtEl>
+                </p:cond>
+              </p:prevCondLst>
+              <p:nextCondLst>
+                <p:cond evt="onNext" delay="0">
+                  <p:tgtEl>
+                    <p:sldTgt/>
+                  </p:tgtEl>
+                </p:cond>
+              </p:nextCondLst>
+            </p:seq>
+          </p:childTnLst>
+        </p:cTn>
+      </p:par>
+    </p:tnLst>
+    <p:bldLst>
+      <p:bldP spid="7" grpId="0"/>
+      <p:bldP spid="13" grpId="0"/>
+    </p:bldLst>
+  </p:timing>
+</p:sld>
+</file>
+
+<file path=ppt/slides/slide8.xml><?xml version="1.0" encoding="utf-8"?>
+<p:sld xmlns:a="http://schemas.openxmlformats.org/drawingml/2006/main" xmlns:r="http://schemas.openxmlformats.org/officeDocument/2006/relationships" xmlns:p="http://schemas.openxmlformats.org/presentationml/2006/main">
+  <p:cSld>
+    <p:spTree>
+      <p:nvGrpSpPr>
+        <p:cNvPr id="1" name=""/>
+        <p:cNvGrpSpPr/>
+        <p:nvPr/>
+      </p:nvGrpSpPr>
+      <p:grpSpPr>
+        <a:xfrm>
+          <a:off x="0" y="0"/>
+          <a:ext cx="0" cy="0"/>
+          <a:chOff x="0" y="0"/>
+          <a:chExt cx="0" cy="0"/>
+        </a:xfrm>
+      </p:grpSpPr>
+      <p:sp>
+        <p:nvSpPr>
+          <p:cNvPr id="3075" name="Slide Number Placeholder 3"/>
+          <p:cNvSpPr>
+            <a:spLocks noGrp="1"/>
+          </p:cNvSpPr>
+          <p:nvPr>
+            <p:ph type="sldNum" sz="quarter" idx="10"/>
+          </p:nvPr>
+        </p:nvSpPr>
+        <p:spPr>
+          <a:noFill/>
+        </p:spPr>
+        <p:txBody>
+          <a:bodyPr/>
+          <a:lstStyle/>
+          <a:p>
+            <a:r>
+              <a:rPr lang="en-US" dirty="0" smtClean="0"/>
+              <a:t>genprod.</a:t>
+            </a:r>
+            <a:fld id="{DE80B9EA-B780-4E1B-88F1-EE1288B41AE6}" type="slidenum">
+              <a:rPr lang="en-US" smtClean="0"/>
+              <a:pPr/>
+              <a:t>8</a:t>
+            </a:fld>
+            <a:endParaRPr lang="en-US" dirty="0" smtClean="0"/>
+          </a:p>
+        </p:txBody>
+      </p:sp>
+      <p:sp>
+        <p:nvSpPr>
+          <p:cNvPr id="394243" name="Rectangle 3"/>
+          <p:cNvSpPr>
+            <a:spLocks noGrp="1" noChangeArrowheads="1"/>
+          </p:cNvSpPr>
+          <p:nvPr>
+            <p:ph type="body" idx="1"/>
+          </p:nvPr>
+        </p:nvSpPr>
+        <p:spPr>
+          <a:xfrm>
+            <a:off x="533400" y="1371600"/>
+            <a:ext cx="8077200" cy="4724400"/>
+          </a:xfrm>
+        </p:spPr>
+        <p:txBody>
+          <a:bodyPr/>
+          <a:lstStyle/>
+          <a:p>
+            <a:pPr algn="ctr" eaLnBrk="1" hangingPunct="1">
+              <a:defRPr/>
+            </a:pPr>
+            <a:r>
+              <a:rPr lang="en-US" sz="4800" dirty="0" smtClean="0"/>
+              <a:t>function is </a:t>
+            </a:r>
+            <a:r>
+              <a:rPr lang="en-US" sz="4800" dirty="0">
+                <a:solidFill>
+                  <a:srgbClr val="A92082"/>
+                </a:solidFill>
+              </a:rPr>
+              <a:t>k-to-</a:t>
+            </a:r>
+            <a:r>
+              <a:rPr lang="en-US" sz="4800" dirty="0" smtClean="0">
+                <a:solidFill>
+                  <a:srgbClr val="A92082"/>
+                </a:solidFill>
+              </a:rPr>
+              <a:t>1</a:t>
+            </a:r>
+            <a:endParaRPr lang="en-US" sz="4800" dirty="0" smtClean="0"/>
+          </a:p>
+        </p:txBody>
+      </p:sp>
+      <p:graphicFrame>
+        <p:nvGraphicFramePr>
+          <p:cNvPr id="3074" name="Object 4"/>
+          <p:cNvGraphicFramePr>
+            <a:graphicFrameLocks noChangeAspect="1"/>
+          </p:cNvGraphicFramePr>
+          <p:nvPr>
+            <p:extLst>
+              <p:ext uri="{D42A27DB-BD31-4B8C-83A1-F6EECF244321}">
+                <p14:modId xmlns:p14="http://schemas.microsoft.com/office/powerpoint/2010/main" val="236147690"/>
+              </p:ext>
+            </p:extLst>
+          </p:nvPr>
+        </p:nvGraphicFramePr>
+        <p:xfrm>
+          <a:off x="7869046" y="2552700"/>
+          <a:ext cx="914400" cy="198438"/>
+        </p:xfrm>
+        <a:graphic>
+          <a:graphicData uri="http://schemas.openxmlformats.org/presentationml/2006/ole">
+            <mc:AlternateContent xmlns:mc="http://schemas.openxmlformats.org/markup-compatibility/2006">
+              <mc:Choice xmlns:v="urn:schemas-microsoft-com:vml" Requires="v">
+                <p:oleObj spid="_x0000_s10263" name="Equation" r:id="rId4" imgW="914400" imgH="198720" progId="Equation.DSMT4">
+                  <p:embed/>
+                </p:oleObj>
+              </mc:Choice>
+              <mc:Fallback>
+                <p:oleObj name="Equation" r:id="rId4" imgW="914400" imgH="198720" progId="Equation.DSMT4">
+                  <p:embed/>
+                  <p:pic>
+                    <p:nvPicPr>
+                      <p:cNvPr id="0" name=""/>
+                      <p:cNvPicPr>
+                        <a:picLocks noChangeAspect="1" noChangeArrowheads="1"/>
+                      </p:cNvPicPr>
+                      <p:nvPr/>
+                    </p:nvPicPr>
+                    <p:blipFill>
+                      <a:blip r:embed="rId5">
+                        <a:extLst>
+                          <a:ext uri="{28A0092B-C50C-407E-A947-70E740481C1C}">
+                            <a14:useLocalDpi xmlns:a14="http://schemas.microsoft.com/office/drawing/2010/main" val="0"/>
+                          </a:ext>
+                        </a:extLst>
+                      </a:blip>
+                      <a:srcRect/>
+                      <a:stretch>
+                        <a:fillRect/>
+                      </a:stretch>
+                    </p:blipFill>
+                    <p:spPr bwMode="auto">
+                      <a:xfrm>
+                        <a:off x="7869046" y="2552700"/>
+                        <a:ext cx="914400" cy="198438"/>
+                      </a:xfrm>
+                      <a:prstGeom prst="rect">
+                        <a:avLst/>
+                      </a:prstGeom>
+                      <a:noFill/>
+                      <a:extLst>
+                        <a:ext uri="{909E8E84-426E-40dd-AFC4-6F175D3DCCD1}">
+                          <a14:hiddenFill xmlns:a14="http://schemas.microsoft.com/office/drawing/2010/main">
+                            <a:solidFill>
+                              <a:srgbClr val="FFFFFF"/>
+                            </a:solidFill>
+                          </a14:hiddenFill>
+                        </a:ext>
+                      </a:extLst>
+                    </p:spPr>
+                  </p:pic>
+                </p:oleObj>
+              </mc:Fallback>
+            </mc:AlternateContent>
+          </a:graphicData>
+        </a:graphic>
+      </p:graphicFrame>
+      <p:sp>
+        <p:nvSpPr>
+          <p:cNvPr id="11" name="Rectangle 2"/>
+          <p:cNvSpPr>
+            <a:spLocks noGrp="1" noChangeArrowheads="1"/>
+          </p:cNvSpPr>
+          <p:nvPr>
+            <p:ph type="title"/>
+          </p:nvPr>
+        </p:nvSpPr>
+        <p:spPr>
+          <a:xfrm>
+            <a:off x="2895600" y="304800"/>
+            <a:ext cx="5181600" cy="1143000"/>
+          </a:xfrm>
+        </p:spPr>
+        <p:txBody>
+          <a:bodyPr/>
+          <a:lstStyle/>
+          <a:p>
+            <a:pPr eaLnBrk="1" hangingPunct="1"/>
+            <a:r>
+              <a:rPr lang="en-US" sz="4400" dirty="0" smtClean="0">
+                <a:solidFill>
+                  <a:schemeClr val="tx1"/>
+                </a:solidFill>
+              </a:rPr>
+              <a:t>Division</a:t>
+            </a:r>
+            <a:r>
+              <a:rPr lang="en-US" sz="4400" dirty="0" smtClean="0"/>
+              <a:t> Rule</a:t>
+            </a:r>
+          </a:p>
+        </p:txBody>
+      </p:sp>
+      <p:sp>
+        <p:nvSpPr>
+          <p:cNvPr id="7" name="TextBox 6"/>
+          <p:cNvSpPr txBox="1"/>
+          <p:nvPr/>
+        </p:nvSpPr>
+        <p:spPr>
+          <a:xfrm>
+            <a:off x="228600" y="2869605"/>
+            <a:ext cx="3170046" cy="1920526"/>
+          </a:xfrm>
+          <a:prstGeom prst="rect">
+            <a:avLst/>
+          </a:prstGeom>
+          <a:noFill/>
+        </p:spPr>
+        <p:txBody>
+          <a:bodyPr wrap="none" rtlCol="0">
+            <a:spAutoFit/>
+          </a:bodyPr>
+          <a:lstStyle/>
+          <a:p>
+            <a:r>
+              <a:rPr lang="en-US" sz="5400" dirty="0" smtClean="0">
+                <a:latin typeface="Comic Sans MS"/>
+                <a:cs typeface="Comic Sans MS"/>
+              </a:rPr>
+              <a:t># arrows </a:t>
+            </a:r>
+          </a:p>
+          <a:p>
+            <a:r>
+              <a:rPr lang="en-US" sz="5400" b="1" dirty="0">
+                <a:latin typeface="Comic Sans MS"/>
+                <a:cs typeface="Comic Sans MS"/>
+              </a:rPr>
+              <a:t> </a:t>
+            </a:r>
+            <a:r>
+              <a:rPr lang="en-US" sz="5400" b="1" dirty="0" smtClean="0">
+                <a:latin typeface="Comic Sans MS"/>
+                <a:cs typeface="Comic Sans MS"/>
+              </a:rPr>
+              <a:t> </a:t>
+            </a:r>
+            <a:r>
+              <a:rPr lang="en-US" sz="5400" b="1" dirty="0" smtClean="0">
+                <a:latin typeface="Euclid Symbol" charset="2"/>
+                <a:cs typeface="Euclid Symbol" charset="2"/>
+              </a:rPr>
+              <a:t>=</a:t>
+            </a:r>
+            <a:r>
+              <a:rPr lang="en-US" sz="5400" dirty="0" smtClean="0">
+                <a:latin typeface="Comic Sans MS"/>
+                <a:cs typeface="Comic Sans MS"/>
+              </a:rPr>
+              <a:t> </a:t>
+            </a:r>
+            <a:r>
+              <a:rPr lang="en-US" sz="5400" dirty="0" err="1" smtClean="0">
+                <a:solidFill>
+                  <a:srgbClr val="0000F1"/>
+                </a:solidFill>
+                <a:latin typeface="Comic Sans MS"/>
+                <a:cs typeface="Comic Sans MS"/>
+              </a:rPr>
+              <a:t>k</a:t>
+            </a:r>
+            <a:r>
+              <a:rPr lang="en-US" sz="5400" dirty="0" err="1" smtClean="0">
+                <a:solidFill>
+                  <a:schemeClr val="accent5">
+                    <a:lumMod val="50000"/>
+                  </a:schemeClr>
+                </a:solidFill>
+                <a:latin typeface="Comic Sans MS"/>
+                <a:cs typeface="Comic Sans MS"/>
+              </a:rPr>
+              <a:t>|B</a:t>
+            </a:r>
+            <a:r>
+              <a:rPr lang="en-US" sz="5400" dirty="0" smtClean="0">
+                <a:solidFill>
+                  <a:schemeClr val="accent5">
+                    <a:lumMod val="50000"/>
+                  </a:schemeClr>
+                </a:solidFill>
+                <a:latin typeface="Comic Sans MS"/>
+                <a:cs typeface="Comic Sans MS"/>
+              </a:rPr>
+              <a:t>|</a:t>
+            </a:r>
+            <a:endParaRPr lang="en-US" sz="5400" dirty="0">
+              <a:solidFill>
+                <a:schemeClr val="accent5">
+                  <a:lumMod val="50000"/>
+                </a:schemeClr>
+              </a:solidFill>
+              <a:latin typeface="Comic Sans MS"/>
+              <a:cs typeface="Comic Sans MS"/>
+            </a:endParaRPr>
+          </a:p>
+        </p:txBody>
+      </p:sp>
+      <p:sp>
+        <p:nvSpPr>
+          <p:cNvPr id="13" name="TextBox 12"/>
+          <p:cNvSpPr txBox="1"/>
+          <p:nvPr/>
+        </p:nvSpPr>
+        <p:spPr>
+          <a:xfrm>
+            <a:off x="7558448" y="3636961"/>
+            <a:ext cx="621196" cy="923330"/>
+          </a:xfrm>
+          <a:prstGeom prst="rect">
+            <a:avLst/>
+          </a:prstGeom>
+          <a:noFill/>
+        </p:spPr>
+        <p:txBody>
+          <a:bodyPr wrap="none" rtlCol="0">
+            <a:spAutoFit/>
+          </a:bodyPr>
+          <a:lstStyle/>
+          <a:p>
+            <a:r>
+              <a:rPr lang="en-US" sz="5400" dirty="0" smtClean="0">
+                <a:solidFill>
+                  <a:srgbClr val="0000F1"/>
+                </a:solidFill>
+                <a:latin typeface="Comic Sans MS"/>
+                <a:cs typeface="Comic Sans MS"/>
+              </a:rPr>
+              <a:t>B</a:t>
+            </a:r>
+            <a:endParaRPr lang="en-US" sz="5400" dirty="0">
+              <a:solidFill>
+                <a:srgbClr val="0000F1"/>
+              </a:solidFill>
+              <a:latin typeface="Comic Sans MS"/>
+              <a:cs typeface="Comic Sans MS"/>
+            </a:endParaRPr>
+          </a:p>
+        </p:txBody>
+      </p:sp>
+      <p:graphicFrame>
+        <p:nvGraphicFramePr>
+          <p:cNvPr id="394245" name="Object 394244"/>
+          <p:cNvGraphicFramePr>
+            <a:graphicFrameLocks noChangeAspect="1"/>
+          </p:cNvGraphicFramePr>
+          <p:nvPr>
+            <p:extLst>
+              <p:ext uri="{D42A27DB-BD31-4B8C-83A1-F6EECF244321}">
+                <p14:modId xmlns:p14="http://schemas.microsoft.com/office/powerpoint/2010/main" val="2901241325"/>
+              </p:ext>
+            </p:extLst>
+          </p:nvPr>
+        </p:nvGraphicFramePr>
+        <p:xfrm>
+          <a:off x="3886200" y="2068286"/>
+          <a:ext cx="953477" cy="1770743"/>
+        </p:xfrm>
+        <a:graphic>
+          <a:graphicData uri="http://schemas.openxmlformats.org/presentationml/2006/ole">
+            <mc:AlternateContent xmlns:mc="http://schemas.openxmlformats.org/markup-compatibility/2006">
+              <mc:Choice xmlns:v="urn:schemas-microsoft-com:vml" Requires="v">
+                <p:oleObj spid="_x0000_s10264" name="Equation" r:id="rId6" imgW="177800" imgH="330200" progId="Equation.DSMT4">
+                  <p:embed/>
+                </p:oleObj>
+              </mc:Choice>
+              <mc:Fallback>
+                <p:oleObj name="Equation" r:id="rId6" imgW="177800" imgH="330200" progId="Equation.DSMT4">
+                  <p:embed/>
+                  <p:pic>
+                    <p:nvPicPr>
+                      <p:cNvPr id="0" name=""/>
+                      <p:cNvPicPr/>
+                      <p:nvPr/>
+                    </p:nvPicPr>
+                    <p:blipFill>
+                      <a:blip r:embed="rId7"/>
+                      <a:stretch>
+                        <a:fillRect/>
+                      </a:stretch>
+                    </p:blipFill>
+                    <p:spPr>
+                      <a:xfrm>
+                        <a:off x="3886200" y="2068286"/>
+                        <a:ext cx="953477" cy="1770743"/>
+                      </a:xfrm>
+                      <a:prstGeom prst="rect">
+                        <a:avLst/>
+                      </a:prstGeom>
+                    </p:spPr>
+                  </p:pic>
+                </p:oleObj>
+              </mc:Fallback>
+            </mc:AlternateContent>
+          </a:graphicData>
+        </a:graphic>
+      </p:graphicFrame>
+      <p:grpSp>
+        <p:nvGrpSpPr>
+          <p:cNvPr id="394247" name="Group 394246"/>
+          <p:cNvGrpSpPr/>
+          <p:nvPr/>
+        </p:nvGrpSpPr>
+        <p:grpSpPr>
+          <a:xfrm>
+            <a:off x="4724400" y="2324100"/>
+            <a:ext cx="2406681" cy="3962400"/>
+            <a:chOff x="4724400" y="2324100"/>
+            <a:chExt cx="2406681" cy="3962400"/>
+          </a:xfrm>
+        </p:grpSpPr>
+        <p:sp>
+          <p:nvSpPr>
+            <p:cNvPr id="2" name="Oval 1"/>
+            <p:cNvSpPr/>
+            <p:nvPr/>
+          </p:nvSpPr>
+          <p:spPr bwMode="auto">
+            <a:xfrm>
+              <a:off x="5835681" y="2400300"/>
+              <a:ext cx="1295400" cy="3886200"/>
+            </a:xfrm>
+            <a:prstGeom prst="ellipse">
+              <a:avLst/>
+            </a:prstGeom>
+            <a:noFill/>
+            <a:ln w="25400" cap="flat" cmpd="sng" algn="ctr">
+              <a:solidFill>
+                <a:schemeClr val="accent1">
+                  <a:lumMod val="50000"/>
+                </a:schemeClr>
+              </a:solidFill>
+              <a:prstDash val="solid"/>
+              <a:round/>
+              <a:headEnd type="none" w="med" len="med"/>
+              <a:tailEnd type="triangle" w="med" len="med"/>
+            </a:ln>
+            <a:effectLst/>
+          </p:spPr>
+          <p:txBody>
+            <a:bodyPr vert="horz" wrap="square" lIns="91440" tIns="45720" rIns="91440" bIns="45720" numCol="1" rtlCol="0" anchor="t" anchorCtr="0" compatLnSpc="1">
+              <a:prstTxWarp prst="textNoShape">
+                <a:avLst/>
+              </a:prstTxWarp>
+              <a:spAutoFit/>
+            </a:bodyPr>
+            <a:lstStyle/>
+            <a:p>
+              <a:pPr marL="342900" marR="0" indent="-342900" algn="l" defTabSz="914400" rtl="0" eaLnBrk="1" fontAlgn="base" latinLnBrk="0" hangingPunct="1">
+                <a:lnSpc>
+                  <a:spcPct val="100000"/>
+                </a:lnSpc>
+                <a:spcBef>
+                  <a:spcPct val="20000"/>
+                </a:spcBef>
+                <a:spcAft>
+                  <a:spcPct val="0"/>
+                </a:spcAft>
+                <a:buClrTx/>
+                <a:buSzTx/>
+                <a:buFontTx/>
+                <a:buNone/>
+                <a:tabLst/>
+              </a:pPr>
+              <a:endParaRPr kumimoji="0" lang="en-US" sz="3200" b="0" i="0" u="none" strike="noStrike" cap="none" normalizeH="0" baseline="0" smtClean="0">
+                <a:ln>
+                  <a:noFill/>
+                </a:ln>
+                <a:solidFill>
+                  <a:schemeClr val="tx1"/>
+                </a:solidFill>
+                <a:effectLst/>
+                <a:latin typeface="Times New Roman" pitchFamily="18" charset="0"/>
+              </a:endParaRPr>
+            </a:p>
+          </p:txBody>
+        </p:sp>
+        <p:grpSp>
+          <p:nvGrpSpPr>
+            <p:cNvPr id="394246" name="Group 394245"/>
+            <p:cNvGrpSpPr/>
+            <p:nvPr/>
+          </p:nvGrpSpPr>
+          <p:grpSpPr>
+            <a:xfrm>
+              <a:off x="4839677" y="2324100"/>
+              <a:ext cx="1708181" cy="1181100"/>
+              <a:chOff x="5003800" y="2324100"/>
+              <a:chExt cx="1708181" cy="1181100"/>
+            </a:xfrm>
+          </p:grpSpPr>
+          <p:sp>
+            <p:nvSpPr>
+              <p:cNvPr id="25" name="Oval 24"/>
+              <p:cNvSpPr/>
+              <p:nvPr/>
+            </p:nvSpPr>
+            <p:spPr bwMode="auto">
+              <a:xfrm rot="10800000">
+                <a:off x="6584981" y="2933700"/>
+                <a:ext cx="127000" cy="152400"/>
+              </a:xfrm>
+              <a:prstGeom prst="ellipse">
+                <a:avLst/>
+              </a:prstGeom>
+              <a:solidFill>
+                <a:schemeClr val="accent1">
+                  <a:lumMod val="50000"/>
+                </a:schemeClr>
+              </a:solidFill>
+              <a:ln w="44450" cap="flat" cmpd="sng" algn="ctr">
+                <a:noFill/>
+                <a:prstDash val="sysDash"/>
+                <a:round/>
+                <a:headEnd type="none" w="med" len="med"/>
+                <a:tailEnd type="triangle" w="med" len="med"/>
+              </a:ln>
+              <a:effectLst/>
+            </p:spPr>
+            <p:txBody>
+              <a:bodyPr vert="horz" wrap="square" lIns="91440" tIns="45720" rIns="91440" bIns="45720" numCol="1" rtlCol="0" anchor="t" anchorCtr="0" compatLnSpc="1">
+                <a:prstTxWarp prst="textNoShape">
+                  <a:avLst/>
+                </a:prstTxWarp>
+                <a:spAutoFit/>
+              </a:bodyPr>
+              <a:lstStyle/>
+              <a:p>
+                <a:pPr marL="342900" marR="0" indent="-342900" algn="l" defTabSz="914400" rtl="0" eaLnBrk="1" fontAlgn="base" latinLnBrk="0" hangingPunct="1">
+                  <a:lnSpc>
+                    <a:spcPct val="100000"/>
+                  </a:lnSpc>
+                  <a:spcBef>
+                    <a:spcPct val="20000"/>
+                  </a:spcBef>
+                  <a:spcAft>
+                    <a:spcPct val="0"/>
+                  </a:spcAft>
+                  <a:buClrTx/>
+                  <a:buSzTx/>
+                  <a:buFontTx/>
+                  <a:buNone/>
+                  <a:tabLst/>
+                </a:pPr>
+                <a:endParaRPr kumimoji="0" lang="en-US" sz="3200" b="0" i="0" u="none" strike="noStrike" cap="none" normalizeH="0" baseline="0" smtClean="0">
+                  <a:ln>
+                    <a:noFill/>
+                  </a:ln>
+                  <a:solidFill>
+                    <a:schemeClr val="tx1"/>
+                  </a:solidFill>
+                  <a:effectLst/>
+                  <a:latin typeface="Times New Roman" pitchFamily="18" charset="0"/>
+                </a:endParaRPr>
+              </a:p>
+            </p:txBody>
+          </p:sp>
+          <p:cxnSp>
+            <p:nvCxnSpPr>
+              <p:cNvPr id="26" name="Straight Arrow Connector 25"/>
+              <p:cNvCxnSpPr>
+                <a:stCxn id="25" idx="6"/>
+              </p:cNvCxnSpPr>
+              <p:nvPr/>
+            </p:nvCxnSpPr>
+            <p:spPr bwMode="auto">
+              <a:xfrm flipH="1" flipV="1">
+                <a:off x="5029245" y="2324100"/>
+                <a:ext cx="1555736" cy="685800"/>
+              </a:xfrm>
+              <a:prstGeom prst="straightConnector1">
+                <a:avLst/>
+              </a:prstGeom>
+              <a:noFill/>
+              <a:ln w="31750" cap="flat" cmpd="sng" algn="ctr">
+                <a:solidFill>
+                  <a:schemeClr val="tx1"/>
+                </a:solidFill>
+                <a:prstDash val="solid"/>
+                <a:round/>
+                <a:headEnd type="stealth" w="lg" len="lg"/>
+                <a:tailEnd type="none" w="lg" len="lg"/>
+              </a:ln>
+              <a:effectLst/>
+            </p:spPr>
+          </p:cxnSp>
+          <p:cxnSp>
+            <p:nvCxnSpPr>
+              <p:cNvPr id="27" name="Straight Arrow Connector 26"/>
+              <p:cNvCxnSpPr>
+                <a:stCxn id="25" idx="6"/>
+              </p:cNvCxnSpPr>
+              <p:nvPr/>
+            </p:nvCxnSpPr>
+            <p:spPr bwMode="auto">
+              <a:xfrm flipH="1">
+                <a:off x="5054630" y="3009900"/>
+                <a:ext cx="1530351" cy="190500"/>
+              </a:xfrm>
+              <a:prstGeom prst="straightConnector1">
+                <a:avLst/>
+              </a:prstGeom>
+              <a:noFill/>
+              <a:ln w="31750" cap="flat" cmpd="sng" algn="ctr">
+                <a:solidFill>
+                  <a:schemeClr val="tx1"/>
+                </a:solidFill>
+                <a:prstDash val="solid"/>
+                <a:round/>
+                <a:headEnd type="stealth" w="lg" len="lg"/>
+                <a:tailEnd type="none" w="lg" len="lg"/>
+              </a:ln>
+              <a:effectLst/>
+            </p:spPr>
+          </p:cxnSp>
+          <p:cxnSp>
+            <p:nvCxnSpPr>
+              <p:cNvPr id="28" name="Straight Arrow Connector 27"/>
+              <p:cNvCxnSpPr>
+                <a:stCxn id="25" idx="7"/>
+              </p:cNvCxnSpPr>
+              <p:nvPr/>
+            </p:nvCxnSpPr>
+            <p:spPr bwMode="auto">
+              <a:xfrm flipH="1">
+                <a:off x="5054630" y="3063782"/>
+                <a:ext cx="1548950" cy="441418"/>
+              </a:xfrm>
+              <a:prstGeom prst="straightConnector1">
+                <a:avLst/>
+              </a:prstGeom>
+              <a:noFill/>
+              <a:ln w="31750" cap="flat" cmpd="sng" algn="ctr">
+                <a:solidFill>
+                  <a:schemeClr val="tx1"/>
+                </a:solidFill>
+                <a:prstDash val="solid"/>
+                <a:round/>
+                <a:headEnd type="stealth" w="lg" len="lg"/>
+                <a:tailEnd type="none" w="lg" len="lg"/>
+              </a:ln>
+              <a:effectLst/>
+            </p:spPr>
+          </p:cxnSp>
+          <p:graphicFrame>
+            <p:nvGraphicFramePr>
+              <p:cNvPr id="394244" name="Object 394243"/>
+              <p:cNvGraphicFramePr>
+                <a:graphicFrameLocks noChangeAspect="1"/>
+              </p:cNvGraphicFramePr>
+              <p:nvPr>
+                <p:extLst>
+                  <p:ext uri="{D42A27DB-BD31-4B8C-83A1-F6EECF244321}">
+                    <p14:modId xmlns:p14="http://schemas.microsoft.com/office/powerpoint/2010/main" val="4216292802"/>
+                  </p:ext>
+                </p:extLst>
+              </p:nvPr>
+            </p:nvGraphicFramePr>
+            <p:xfrm>
+              <a:off x="5003800" y="2438400"/>
+              <a:ext cx="203200" cy="654050"/>
+            </p:xfrm>
+            <a:graphic>
+              <a:graphicData uri="http://schemas.openxmlformats.org/presentationml/2006/ole">
+                <mc:AlternateContent xmlns:mc="http://schemas.openxmlformats.org/markup-compatibility/2006">
+                  <mc:Choice xmlns:v="urn:schemas-microsoft-com:vml" Requires="v">
+                    <p:oleObj spid="_x0000_s10265" name="Equation" r:id="rId8" imgW="76200" imgH="165100" progId="Equation.DSMT4">
+                      <p:embed/>
+                    </p:oleObj>
+                  </mc:Choice>
+                  <mc:Fallback>
+                    <p:oleObj name="Equation" r:id="rId8" imgW="76200" imgH="165100" progId="Equation.DSMT4">
+                      <p:embed/>
+                      <p:pic>
+                        <p:nvPicPr>
+                          <p:cNvPr id="0" name=""/>
+                          <p:cNvPicPr/>
+                          <p:nvPr/>
+                        </p:nvPicPr>
+                        <p:blipFill>
+                          <a:blip r:embed="rId9"/>
+                          <a:stretch>
+                            <a:fillRect/>
+                          </a:stretch>
+                        </p:blipFill>
+                        <p:spPr>
+                          <a:xfrm>
+                            <a:off x="5003800" y="2438400"/>
+                            <a:ext cx="203200" cy="654050"/>
+                          </a:xfrm>
+                          <a:prstGeom prst="rect">
+                            <a:avLst/>
+                          </a:prstGeom>
+                        </p:spPr>
+                      </p:pic>
+                    </p:oleObj>
+                  </mc:Fallback>
+                </mc:AlternateContent>
+              </a:graphicData>
+            </a:graphic>
+          </p:graphicFrame>
+        </p:grpSp>
+        <p:grpSp>
+          <p:nvGrpSpPr>
+            <p:cNvPr id="41" name="Group 40"/>
+            <p:cNvGrpSpPr/>
+            <p:nvPr/>
+          </p:nvGrpSpPr>
+          <p:grpSpPr>
+            <a:xfrm>
+              <a:off x="5207000" y="3660683"/>
+              <a:ext cx="1708181" cy="1181100"/>
+              <a:chOff x="5003800" y="2324100"/>
+              <a:chExt cx="1708181" cy="1181100"/>
+            </a:xfrm>
+          </p:grpSpPr>
+          <p:sp>
+            <p:nvSpPr>
+              <p:cNvPr id="42" name="Oval 41"/>
+              <p:cNvSpPr/>
+              <p:nvPr/>
+            </p:nvSpPr>
+            <p:spPr bwMode="auto">
+              <a:xfrm rot="10800000">
+                <a:off x="6584981" y="2933700"/>
+                <a:ext cx="127000" cy="152400"/>
+              </a:xfrm>
+              <a:prstGeom prst="ellipse">
+                <a:avLst/>
+              </a:prstGeom>
+              <a:solidFill>
+                <a:schemeClr val="accent1">
+                  <a:lumMod val="50000"/>
+                </a:schemeClr>
+              </a:solidFill>
+              <a:ln w="44450" cap="flat" cmpd="sng" algn="ctr">
+                <a:noFill/>
+                <a:prstDash val="sysDash"/>
+                <a:round/>
+                <a:headEnd type="none" w="med" len="med"/>
+                <a:tailEnd type="triangle" w="med" len="med"/>
+              </a:ln>
+              <a:effectLst/>
+            </p:spPr>
+            <p:txBody>
+              <a:bodyPr vert="horz" wrap="square" lIns="91440" tIns="45720" rIns="91440" bIns="45720" numCol="1" rtlCol="0" anchor="t" anchorCtr="0" compatLnSpc="1">
+                <a:prstTxWarp prst="textNoShape">
+                  <a:avLst/>
+                </a:prstTxWarp>
+                <a:spAutoFit/>
+              </a:bodyPr>
+              <a:lstStyle/>
+              <a:p>
+                <a:pPr marL="342900" marR="0" indent="-342900" algn="l" defTabSz="914400" rtl="0" eaLnBrk="1" fontAlgn="base" latinLnBrk="0" hangingPunct="1">
+                  <a:lnSpc>
+                    <a:spcPct val="100000"/>
+                  </a:lnSpc>
+                  <a:spcBef>
+                    <a:spcPct val="20000"/>
+                  </a:spcBef>
+                  <a:spcAft>
+                    <a:spcPct val="0"/>
+                  </a:spcAft>
+                  <a:buClrTx/>
+                  <a:buSzTx/>
+                  <a:buFontTx/>
+                  <a:buNone/>
+                  <a:tabLst/>
+                </a:pPr>
+                <a:endParaRPr kumimoji="0" lang="en-US" sz="3200" b="0" i="0" u="none" strike="noStrike" cap="none" normalizeH="0" baseline="0" smtClean="0">
+                  <a:ln>
+                    <a:noFill/>
+                  </a:ln>
+                  <a:solidFill>
+                    <a:schemeClr val="tx1"/>
+                  </a:solidFill>
+                  <a:effectLst/>
+                  <a:latin typeface="Times New Roman" pitchFamily="18" charset="0"/>
+                </a:endParaRPr>
+              </a:p>
+            </p:txBody>
+          </p:sp>
+          <p:cxnSp>
+            <p:nvCxnSpPr>
+              <p:cNvPr id="43" name="Straight Arrow Connector 42"/>
+              <p:cNvCxnSpPr>
+                <a:stCxn id="42" idx="6"/>
+              </p:cNvCxnSpPr>
+              <p:nvPr/>
+            </p:nvCxnSpPr>
+            <p:spPr bwMode="auto">
+              <a:xfrm flipH="1" flipV="1">
+                <a:off x="5029245" y="2324100"/>
+                <a:ext cx="1555736" cy="685800"/>
+              </a:xfrm>
+              <a:prstGeom prst="straightConnector1">
+                <a:avLst/>
+              </a:prstGeom>
+              <a:noFill/>
+              <a:ln w="31750" cap="flat" cmpd="sng" algn="ctr">
+                <a:solidFill>
+                  <a:schemeClr val="tx1"/>
+                </a:solidFill>
+                <a:prstDash val="solid"/>
+                <a:round/>
+                <a:headEnd type="stealth" w="lg" len="lg"/>
+                <a:tailEnd type="none" w="lg" len="lg"/>
+              </a:ln>
+              <a:effectLst/>
+            </p:spPr>
+          </p:cxnSp>
+          <p:cxnSp>
+            <p:nvCxnSpPr>
+              <p:cNvPr id="44" name="Straight Arrow Connector 43"/>
+              <p:cNvCxnSpPr>
+                <a:stCxn id="42" idx="6"/>
+              </p:cNvCxnSpPr>
+              <p:nvPr/>
+            </p:nvCxnSpPr>
+            <p:spPr bwMode="auto">
+              <a:xfrm flipH="1">
+                <a:off x="5054630" y="3009900"/>
+                <a:ext cx="1530351" cy="190500"/>
+              </a:xfrm>
+              <a:prstGeom prst="straightConnector1">
+                <a:avLst/>
+              </a:prstGeom>
+              <a:noFill/>
+              <a:ln w="31750" cap="flat" cmpd="sng" algn="ctr">
+                <a:solidFill>
+                  <a:schemeClr val="tx1"/>
+                </a:solidFill>
+                <a:prstDash val="solid"/>
+                <a:round/>
+                <a:headEnd type="stealth" w="lg" len="lg"/>
+                <a:tailEnd type="none" w="lg" len="lg"/>
+              </a:ln>
+              <a:effectLst/>
+            </p:spPr>
+          </p:cxnSp>
+          <p:cxnSp>
+            <p:nvCxnSpPr>
+              <p:cNvPr id="45" name="Straight Arrow Connector 44"/>
+              <p:cNvCxnSpPr>
+                <a:stCxn id="42" idx="7"/>
+              </p:cNvCxnSpPr>
+              <p:nvPr/>
+            </p:nvCxnSpPr>
+            <p:spPr bwMode="auto">
+              <a:xfrm flipH="1">
+                <a:off x="5054630" y="3063782"/>
+                <a:ext cx="1548950" cy="441418"/>
+              </a:xfrm>
+              <a:prstGeom prst="straightConnector1">
+                <a:avLst/>
+              </a:prstGeom>
+              <a:noFill/>
+              <a:ln w="31750" cap="flat" cmpd="sng" algn="ctr">
+                <a:solidFill>
+                  <a:schemeClr val="tx1"/>
+                </a:solidFill>
+                <a:prstDash val="solid"/>
+                <a:round/>
+                <a:headEnd type="stealth" w="lg" len="lg"/>
+                <a:tailEnd type="none" w="lg" len="lg"/>
+              </a:ln>
+              <a:effectLst/>
+            </p:spPr>
+          </p:cxnSp>
+          <p:graphicFrame>
+            <p:nvGraphicFramePr>
+              <p:cNvPr id="46" name="Object 45"/>
+              <p:cNvGraphicFramePr>
+                <a:graphicFrameLocks noChangeAspect="1"/>
+              </p:cNvGraphicFramePr>
+              <p:nvPr>
+                <p:extLst>
+                  <p:ext uri="{D42A27DB-BD31-4B8C-83A1-F6EECF244321}">
+                    <p14:modId xmlns:p14="http://schemas.microsoft.com/office/powerpoint/2010/main" val="3058763944"/>
+                  </p:ext>
+                </p:extLst>
+              </p:nvPr>
+            </p:nvGraphicFramePr>
+            <p:xfrm>
+              <a:off x="5003800" y="2438400"/>
+              <a:ext cx="203200" cy="654050"/>
+            </p:xfrm>
+            <a:graphic>
+              <a:graphicData uri="http://schemas.openxmlformats.org/presentationml/2006/ole">
+                <mc:AlternateContent xmlns:mc="http://schemas.openxmlformats.org/markup-compatibility/2006">
+                  <mc:Choice xmlns:v="urn:schemas-microsoft-com:vml" Requires="v">
+                    <p:oleObj spid="_x0000_s10266" name="Equation" r:id="rId10" imgW="76200" imgH="165100" progId="Equation.DSMT4">
+                      <p:embed/>
+                    </p:oleObj>
+                  </mc:Choice>
+                  <mc:Fallback>
+                    <p:oleObj name="Equation" r:id="rId10" imgW="76200" imgH="165100" progId="Equation.DSMT4">
+                      <p:embed/>
+                      <p:pic>
+                        <p:nvPicPr>
+                          <p:cNvPr id="0" name=""/>
+                          <p:cNvPicPr/>
+                          <p:nvPr/>
+                        </p:nvPicPr>
+                        <p:blipFill>
+                          <a:blip r:embed="rId9"/>
+                          <a:stretch>
+                            <a:fillRect/>
+                          </a:stretch>
+                        </p:blipFill>
+                        <p:spPr>
+                          <a:xfrm>
+                            <a:off x="5003800" y="2438400"/>
+                            <a:ext cx="203200" cy="654050"/>
+                          </a:xfrm>
+                          <a:prstGeom prst="rect">
+                            <a:avLst/>
+                          </a:prstGeom>
+                        </p:spPr>
+                      </p:pic>
+                    </p:oleObj>
+                  </mc:Fallback>
+                </mc:AlternateContent>
+              </a:graphicData>
+            </a:graphic>
+          </p:graphicFrame>
+        </p:grpSp>
+        <p:grpSp>
+          <p:nvGrpSpPr>
+            <p:cNvPr id="47" name="Group 46"/>
+            <p:cNvGrpSpPr/>
+            <p:nvPr/>
+          </p:nvGrpSpPr>
+          <p:grpSpPr>
+            <a:xfrm>
+              <a:off x="4724400" y="4993935"/>
+              <a:ext cx="1708181" cy="1181100"/>
+              <a:chOff x="5003800" y="2324100"/>
+              <a:chExt cx="1708181" cy="1181100"/>
+            </a:xfrm>
+          </p:grpSpPr>
+          <p:sp>
+            <p:nvSpPr>
+              <p:cNvPr id="48" name="Oval 47"/>
+              <p:cNvSpPr/>
+              <p:nvPr/>
+            </p:nvSpPr>
+            <p:spPr bwMode="auto">
+              <a:xfrm rot="10800000">
+                <a:off x="6584981" y="2933700"/>
+                <a:ext cx="127000" cy="152400"/>
+              </a:xfrm>
+              <a:prstGeom prst="ellipse">
+                <a:avLst/>
+              </a:prstGeom>
+              <a:solidFill>
+                <a:schemeClr val="accent1">
+                  <a:lumMod val="50000"/>
+                </a:schemeClr>
+              </a:solidFill>
+              <a:ln w="44450" cap="flat" cmpd="sng" algn="ctr">
+                <a:noFill/>
+                <a:prstDash val="sysDash"/>
+                <a:round/>
+                <a:headEnd type="none" w="med" len="med"/>
+                <a:tailEnd type="triangle" w="med" len="med"/>
+              </a:ln>
+              <a:effectLst/>
+            </p:spPr>
+            <p:txBody>
+              <a:bodyPr vert="horz" wrap="square" lIns="91440" tIns="45720" rIns="91440" bIns="45720" numCol="1" rtlCol="0" anchor="t" anchorCtr="0" compatLnSpc="1">
+                <a:prstTxWarp prst="textNoShape">
+                  <a:avLst/>
+                </a:prstTxWarp>
+                <a:spAutoFit/>
+              </a:bodyPr>
+              <a:lstStyle/>
+              <a:p>
+                <a:pPr marL="342900" marR="0" indent="-342900" algn="l" defTabSz="914400" rtl="0" eaLnBrk="1" fontAlgn="base" latinLnBrk="0" hangingPunct="1">
+                  <a:lnSpc>
+                    <a:spcPct val="100000"/>
+                  </a:lnSpc>
+                  <a:spcBef>
+                    <a:spcPct val="20000"/>
+                  </a:spcBef>
+                  <a:spcAft>
+                    <a:spcPct val="0"/>
+                  </a:spcAft>
+                  <a:buClrTx/>
+                  <a:buSzTx/>
+                  <a:buFontTx/>
+                  <a:buNone/>
+                  <a:tabLst/>
+                </a:pPr>
+                <a:endParaRPr kumimoji="0" lang="en-US" sz="3200" b="0" i="0" u="none" strike="noStrike" cap="none" normalizeH="0" baseline="0" smtClean="0">
+                  <a:ln>
+                    <a:noFill/>
+                  </a:ln>
+                  <a:solidFill>
+                    <a:schemeClr val="tx1"/>
+                  </a:solidFill>
+                  <a:effectLst/>
+                  <a:latin typeface="Times New Roman" pitchFamily="18" charset="0"/>
+                </a:endParaRPr>
+              </a:p>
+            </p:txBody>
+          </p:sp>
+          <p:cxnSp>
+            <p:nvCxnSpPr>
+              <p:cNvPr id="49" name="Straight Arrow Connector 48"/>
+              <p:cNvCxnSpPr>
+                <a:stCxn id="48" idx="6"/>
+              </p:cNvCxnSpPr>
+              <p:nvPr/>
+            </p:nvCxnSpPr>
+            <p:spPr bwMode="auto">
+              <a:xfrm flipH="1" flipV="1">
+                <a:off x="5029245" y="2324100"/>
+                <a:ext cx="1555736" cy="685800"/>
+              </a:xfrm>
+              <a:prstGeom prst="straightConnector1">
+                <a:avLst/>
+              </a:prstGeom>
+              <a:noFill/>
+              <a:ln w="31750" cap="flat" cmpd="sng" algn="ctr">
+                <a:solidFill>
+                  <a:schemeClr val="tx1"/>
+                </a:solidFill>
+                <a:prstDash val="solid"/>
+                <a:round/>
+                <a:headEnd type="stealth" w="lg" len="lg"/>
+                <a:tailEnd type="none" w="lg" len="lg"/>
+              </a:ln>
+              <a:effectLst/>
+            </p:spPr>
+          </p:cxnSp>
+          <p:cxnSp>
+            <p:nvCxnSpPr>
+              <p:cNvPr id="50" name="Straight Arrow Connector 49"/>
+              <p:cNvCxnSpPr>
+                <a:stCxn id="48" idx="6"/>
+              </p:cNvCxnSpPr>
+              <p:nvPr/>
+            </p:nvCxnSpPr>
+            <p:spPr bwMode="auto">
+              <a:xfrm flipH="1">
+                <a:off x="5054630" y="3009900"/>
+                <a:ext cx="1530351" cy="190500"/>
+              </a:xfrm>
+              <a:prstGeom prst="straightConnector1">
+                <a:avLst/>
+              </a:prstGeom>
+              <a:noFill/>
+              <a:ln w="31750" cap="flat" cmpd="sng" algn="ctr">
+                <a:solidFill>
+                  <a:schemeClr val="tx1"/>
+                </a:solidFill>
+                <a:prstDash val="solid"/>
+                <a:round/>
+                <a:headEnd type="stealth" w="lg" len="lg"/>
+                <a:tailEnd type="none" w="lg" len="lg"/>
+              </a:ln>
+              <a:effectLst/>
+            </p:spPr>
+          </p:cxnSp>
+          <p:cxnSp>
+            <p:nvCxnSpPr>
+              <p:cNvPr id="51" name="Straight Arrow Connector 50"/>
+              <p:cNvCxnSpPr>
+                <a:stCxn id="48" idx="7"/>
+              </p:cNvCxnSpPr>
+              <p:nvPr/>
+            </p:nvCxnSpPr>
+            <p:spPr bwMode="auto">
+              <a:xfrm flipH="1">
+                <a:off x="5054630" y="3063782"/>
+                <a:ext cx="1548950" cy="441418"/>
+              </a:xfrm>
+              <a:prstGeom prst="straightConnector1">
+                <a:avLst/>
+              </a:prstGeom>
+              <a:noFill/>
+              <a:ln w="31750" cap="flat" cmpd="sng" algn="ctr">
+                <a:solidFill>
+                  <a:schemeClr val="tx1"/>
+                </a:solidFill>
+                <a:prstDash val="solid"/>
+                <a:round/>
+                <a:headEnd type="stealth" w="lg" len="lg"/>
+                <a:tailEnd type="none" w="lg" len="lg"/>
+              </a:ln>
+              <a:effectLst/>
+            </p:spPr>
+          </p:cxnSp>
+          <p:graphicFrame>
+            <p:nvGraphicFramePr>
+              <p:cNvPr id="52" name="Object 51"/>
+              <p:cNvGraphicFramePr>
+                <a:graphicFrameLocks noChangeAspect="1"/>
+              </p:cNvGraphicFramePr>
+              <p:nvPr>
+                <p:extLst>
+                  <p:ext uri="{D42A27DB-BD31-4B8C-83A1-F6EECF244321}">
+                    <p14:modId xmlns:p14="http://schemas.microsoft.com/office/powerpoint/2010/main" val="3058763944"/>
+                  </p:ext>
+                </p:extLst>
+              </p:nvPr>
+            </p:nvGraphicFramePr>
+            <p:xfrm>
+              <a:off x="5003800" y="2438400"/>
+              <a:ext cx="203200" cy="654050"/>
+            </p:xfrm>
+            <a:graphic>
+              <a:graphicData uri="http://schemas.openxmlformats.org/presentationml/2006/ole">
+                <mc:AlternateContent xmlns:mc="http://schemas.openxmlformats.org/markup-compatibility/2006">
+                  <mc:Choice xmlns:v="urn:schemas-microsoft-com:vml" Requires="v">
+                    <p:oleObj spid="_x0000_s10267" name="Equation" r:id="rId11" imgW="76200" imgH="165100" progId="Equation.DSMT4">
+                      <p:embed/>
+                    </p:oleObj>
+                  </mc:Choice>
+                  <mc:Fallback>
+                    <p:oleObj name="Equation" r:id="rId11" imgW="76200" imgH="165100" progId="Equation.DSMT4">
+                      <p:embed/>
+                      <p:pic>
+                        <p:nvPicPr>
+                          <p:cNvPr id="0" name=""/>
+                          <p:cNvPicPr/>
+                          <p:nvPr/>
+                        </p:nvPicPr>
+                        <p:blipFill>
+                          <a:blip r:embed="rId9"/>
+                          <a:stretch>
+                            <a:fillRect/>
+                          </a:stretch>
+                        </p:blipFill>
+                        <p:spPr>
+                          <a:xfrm>
+                            <a:off x="5003800" y="2438400"/>
+                            <a:ext cx="203200" cy="654050"/>
+                          </a:xfrm>
+                          <a:prstGeom prst="rect">
+                            <a:avLst/>
+                          </a:prstGeom>
+                        </p:spPr>
+                      </p:pic>
+                    </p:oleObj>
+                  </mc:Fallback>
+                </mc:AlternateContent>
+              </a:graphicData>
+            </a:graphic>
+          </p:graphicFrame>
+        </p:grpSp>
+      </p:grpSp>
+    </p:spTree>
+    <p:extLst>
+      <p:ext uri="{BB962C8B-B14F-4D97-AF65-F5344CB8AC3E}">
+        <p14:creationId xmlns:p14="http://schemas.microsoft.com/office/powerpoint/2010/main" val="2539923721"/>
+      </p:ext>
+    </p:extLst>
+  </p:cSld>
+  <p:clrMapOvr>
+    <a:masterClrMapping/>
+  </p:clrMapOvr>
+  <mc:AlternateContent xmlns:mc="http://schemas.openxmlformats.org/markup-compatibility/2006" xmlns:p14="http://schemas.microsoft.com/office/powerpoint/2010/main">
+    <mc:Choice Requires="p14">
+      <p:transition spd="slow" p14:dur="900" advClick="0">
+        <p:fade/>
+      </p:transition>
+    </mc:Choice>
+    <mc:Fallback xmlns="">
+      <p:transition xmlns:p14="http://schemas.microsoft.com/office/powerpoint/2010/main" spd="slow" advClick="0">
+        <p:fade/>
+      </p:transition>
+    </mc:Fallback>
+  </mc:AlternateContent>
+  <p:timing>
+    <p:tnLst>
+      <p:par>
+        <p:cTn xmlns:p14="http://schemas.microsoft.com/office/powerpoint/2010/main" id="1" dur="indefinite" restart="never" nodeType="tmRoot">
+          <p:childTnLst>
+            <p:seq concurrent="1" nextAc="seek">
+              <p:cTn id="2" dur="indefinite" nodeType="mainSeq">
+                <p:childTnLst>
+                  <p:par>
+                    <p:cTn id="3" fill="hold">
+                      <p:stCondLst>
+                        <p:cond delay="indefinite"/>
+                      </p:stCondLst>
+                      <p:childTnLst>
+                        <p:par>
+                          <p:cTn id="4" fill="hold">
+                            <p:stCondLst>
+                              <p:cond delay="0"/>
+                            </p:stCondLst>
+                            <p:childTnLst>
+                              <p:par>
+                                <p:cTn id="5" presetID="10" presetClass="entr" presetSubtype="0" fill="hold" grpId="0" nodeType="clickEffect">
+                                  <p:stCondLst>
+                                    <p:cond delay="0"/>
+                                  </p:stCondLst>
+                                  <p:childTnLst>
+                                    <p:set>
+                                      <p:cBhvr>
+                                        <p:cTn id="6" dur="1" fill="hold">
+                                          <p:stCondLst>
+                                            <p:cond delay="0"/>
+                                          </p:stCondLst>
+                                        </p:cTn>
+                                        <p:tgtEl>
+                                          <p:spTgt spid="13"/>
+                                        </p:tgtEl>
+                                        <p:attrNameLst>
+                                          <p:attrName>style.visibility</p:attrName>
+                                        </p:attrNameLst>
+                                      </p:cBhvr>
+                                      <p:to>
+                                        <p:strVal val="visible"/>
+                                      </p:to>
+                                    </p:set>
+                                    <p:animEffect transition="in" filter="fade">
+                                      <p:cBhvr>
+                                        <p:cTn id="7" dur="500"/>
+                                        <p:tgtEl>
+                                          <p:spTgt spid="13"/>
+                                        </p:tgtEl>
+                                      </p:cBhvr>
+                                    </p:animEffect>
+                                  </p:childTnLst>
+                                </p:cTn>
+                              </p:par>
+                            </p:childTnLst>
+                          </p:cTn>
+                        </p:par>
+                        <p:par>
+                          <p:cTn id="8" fill="hold">
+                            <p:stCondLst>
+                              <p:cond delay="500"/>
+                            </p:stCondLst>
+                            <p:childTnLst>
+                              <p:par>
+                                <p:cTn id="9" presetID="22" presetClass="entr" presetSubtype="8" fill="hold" nodeType="afterEffect">
+                                  <p:stCondLst>
+                                    <p:cond delay="0"/>
+                                  </p:stCondLst>
+                                  <p:childTnLst>
+                                    <p:set>
+                                      <p:cBhvr>
+                                        <p:cTn id="10" dur="1" fill="hold">
+                                          <p:stCondLst>
+                                            <p:cond delay="0"/>
+                                          </p:stCondLst>
+                                        </p:cTn>
+                                        <p:tgtEl>
+                                          <p:spTgt spid="394247"/>
+                                        </p:tgtEl>
+                                        <p:attrNameLst>
+                                          <p:attrName>style.visibility</p:attrName>
+                                        </p:attrNameLst>
+                                      </p:cBhvr>
+                                      <p:to>
+                                        <p:strVal val="visible"/>
+                                      </p:to>
+                                    </p:set>
+                                    <p:animEffect transition="in" filter="wipe(left)">
+                                      <p:cBhvr>
+                                        <p:cTn id="11" dur="1000"/>
+                                        <p:tgtEl>
+                                          <p:spTgt spid="394247"/>
+                                        </p:tgtEl>
+                                      </p:cBhvr>
+                                    </p:animEffect>
+                                  </p:childTnLst>
+                                </p:cTn>
+                              </p:par>
+                            </p:childTnLst>
+                          </p:cTn>
+                        </p:par>
+                        <p:par>
+                          <p:cTn id="12" fill="hold">
+                            <p:stCondLst>
+                              <p:cond delay="1500"/>
+                            </p:stCondLst>
+                            <p:childTnLst>
+                              <p:par>
+                                <p:cTn id="13" presetID="10" presetClass="entr" presetSubtype="0" fill="hold" nodeType="afterEffect">
+                                  <p:stCondLst>
+                                    <p:cond delay="0"/>
+                                  </p:stCondLst>
+                                  <p:childTnLst>
+                                    <p:set>
+                                      <p:cBhvr>
+                                        <p:cTn id="14" dur="1" fill="hold">
+                                          <p:stCondLst>
+                                            <p:cond delay="0"/>
+                                          </p:stCondLst>
+                                        </p:cTn>
+                                        <p:tgtEl>
+                                          <p:spTgt spid="394245"/>
+                                        </p:tgtEl>
+                                        <p:attrNameLst>
+                                          <p:attrName>style.visibility</p:attrName>
+                                        </p:attrNameLst>
+                                      </p:cBhvr>
+                                      <p:to>
+                                        <p:strVal val="visible"/>
+                                      </p:to>
+                                    </p:set>
+                                    <p:animEffect transition="in" filter="fade">
+                                      <p:cBhvr>
+                                        <p:cTn id="15" dur="500"/>
+                                        <p:tgtEl>
+                                          <p:spTgt spid="394245"/>
+                                        </p:tgtEl>
+                                      </p:cBhvr>
+                                    </p:animEffect>
+                                  </p:childTnLst>
+                                </p:cTn>
+                              </p:par>
+                            </p:childTnLst>
+                          </p:cTn>
+                        </p:par>
+                      </p:childTnLst>
+                    </p:cTn>
+                  </p:par>
+                  <p:par>
+                    <p:cTn id="16" fill="hold">
+                      <p:stCondLst>
+                        <p:cond delay="indefinite"/>
+                      </p:stCondLst>
+                      <p:childTnLst>
+                        <p:par>
+                          <p:cTn id="17" fill="hold">
+                            <p:stCondLst>
+                              <p:cond delay="0"/>
+                            </p:stCondLst>
+                            <p:childTnLst>
+                              <p:par>
+                                <p:cTn id="18" presetID="10" presetClass="entr" presetSubtype="0" fill="hold" grpId="0" nodeType="clickEffect">
+                                  <p:stCondLst>
+                                    <p:cond delay="0"/>
+                                  </p:stCondLst>
+                                  <p:childTnLst>
+                                    <p:set>
+                                      <p:cBhvr>
+                                        <p:cTn id="19" dur="1" fill="hold">
+                                          <p:stCondLst>
+                                            <p:cond delay="0"/>
+                                          </p:stCondLst>
+                                        </p:cTn>
+                                        <p:tgtEl>
+                                          <p:spTgt spid="7"/>
+                                        </p:tgtEl>
+                                        <p:attrNameLst>
+                                          <p:attrName>style.visibility</p:attrName>
+                                        </p:attrNameLst>
+                                      </p:cBhvr>
+                                      <p:to>
+                                        <p:strVal val="visible"/>
+                                      </p:to>
+                                    </p:set>
+                                    <p:animEffect transition="in" filter="fade">
+                                      <p:cBhvr>
+                                        <p:cTn id="20" dur="1000"/>
+                                        <p:tgtEl>
+                                          <p:spTgt spid="7"/>
+                                        </p:tgtEl>
+                                      </p:cBhvr>
+                                    </p:animEffect>
+                                  </p:childTnLst>
+                                </p:cTn>
+                              </p:par>
+                            </p:childTnLst>
+                          </p:cTn>
+                        </p:par>
+                      </p:childTnLst>
+                    </p:cTn>
+                  </p:par>
+                </p:childTnLst>
+              </p:cTn>
+              <p:prevCondLst>
+                <p:cond evt="onPrev" delay="0">
+                  <p:tgtEl>
+                    <p:sldTgt/>
+                  </p:tgtEl>
+                </p:cond>
+              </p:prevCondLst>
+              <p:nextCondLst>
+                <p:cond evt="onNext" delay="0">
+                  <p:tgtEl>
+                    <p:sldTgt/>
+                  </p:tgtEl>
+                </p:cond>
+              </p:nextCondLst>
+            </p:seq>
+          </p:childTnLst>
+        </p:cTn>
+      </p:par>
+    </p:tnLst>
+    <p:bldLst>
+      <p:bldP spid="7" grpId="0"/>
+      <p:bldP spid="13" grpId="0"/>
+    </p:bldLst>
+  </p:timing>
+</p:sld>
+</file>
+
+<file path=ppt/slides/slide9.xml><?xml version="1.0" encoding="utf-8"?>
+<p:sld xmlns:a="http://schemas.openxmlformats.org/drawingml/2006/main" xmlns:r="http://schemas.openxmlformats.org/officeDocument/2006/relationships" xmlns:p="http://schemas.openxmlformats.org/presentationml/2006/main">
+  <p:cSld>
+    <p:spTree>
+      <p:nvGrpSpPr>
+        <p:cNvPr id="1" name=""/>
+        <p:cNvGrpSpPr/>
+        <p:nvPr/>
+      </p:nvGrpSpPr>
+      <p:grpSpPr>
+        <a:xfrm>
+          <a:off x="0" y="0"/>
+          <a:ext cx="0" cy="0"/>
+          <a:chOff x="0" y="0"/>
+          <a:chExt cx="0" cy="0"/>
+        </a:xfrm>
+      </p:grpSpPr>
+      <p:sp>
+        <p:nvSpPr>
           <p:cNvPr id="4099" name="Slide Number Placeholder 3"/>
           <p:cNvSpPr>
             <a:spLocks noGrp="1"/>
@@ -7992,7 +14030,7 @@
             <a:fld id="{AD88ADF0-37C4-41AE-AD9B-22BECBAAC7D3}" type="slidenum">
               <a:rPr lang="en-US" smtClean="0"/>
               <a:pPr/>
-              <a:t>7</a:t>
+              <a:t>9</a:t>
             </a:fld>
             <a:endParaRPr lang="en-US" dirty="0" smtClean="0"/>
           </a:p>
@@ -8037,7 +14075,7 @@
           <a:graphicData uri="http://schemas.openxmlformats.org/presentationml/2006/ole">
             <mc:AlternateContent xmlns:mc="http://schemas.openxmlformats.org/markup-compatibility/2006">
               <mc:Choice xmlns:v="urn:schemas-microsoft-com:vml" Requires="v">
-                <p:oleObj spid="_x0000_s4136" name="Equation" r:id="rId4" imgW="914400" imgH="198720" progId="Equation.DSMT4">
+                <p:oleObj spid="_x0000_s4142" name="Equation" r:id="rId4" imgW="914400" imgH="198720" progId="Equation.DSMT4">
                   <p:embed/>
                 </p:oleObj>
               </mc:Choice>
@@ -8101,8 +14139,8 @@
         </p:nvSpPr>
         <p:spPr bwMode="auto">
           <a:xfrm>
-            <a:off x="228600" y="1368425"/>
-            <a:ext cx="8529638" cy="3748088"/>
+            <a:off x="228600" y="1393330"/>
+            <a:ext cx="8530250" cy="646331"/>
           </a:xfrm>
           <a:prstGeom prst="rect">
             <a:avLst/>
@@ -8127,392 +14165,39 @@
               <a:rPr lang="en-US" sz="3600" dirty="0">
                 <a:latin typeface="Comic Sans MS" pitchFamily="66" charset="0"/>
               </a:rPr>
-              <a:t>How many size 4 subsets of {1,2,…,13}?</a:t>
-            </a:r>
-          </a:p>
-          <a:p>
-            <a:pPr marL="342900" indent="-342900"/>
-            <a:r>
-              <a:rPr lang="en-US" sz="4000" dirty="0">
-                <a:latin typeface="Comic Sans MS" pitchFamily="66" charset="0"/>
-              </a:rPr>
-              <a:t>Let </a:t>
-            </a:r>
-            <a:r>
-              <a:rPr lang="en-US" sz="4000" dirty="0">
-                <a:solidFill>
-                  <a:srgbClr val="3333CC"/>
-                </a:solidFill>
-                <a:latin typeface="Comic Sans MS" pitchFamily="66" charset="0"/>
-              </a:rPr>
-              <a:t>A</a:t>
-            </a:r>
-            <a:r>
-              <a:rPr lang="en-US" sz="4000" dirty="0">
-                <a:latin typeface="Comic Sans MS" pitchFamily="66" charset="0"/>
-              </a:rPr>
-              <a:t>::=</a:t>
-            </a:r>
-            <a:r>
-              <a:rPr lang="en-US" sz="4000" dirty="0">
-                <a:solidFill>
-                  <a:srgbClr val="3333CC"/>
-                </a:solidFill>
-                <a:latin typeface="Comic Sans MS" pitchFamily="66" charset="0"/>
-              </a:rPr>
-              <a:t> permutations </a:t>
-            </a:r>
-            <a:r>
-              <a:rPr lang="en-US" sz="4000" dirty="0">
-                <a:latin typeface="Comic Sans MS" pitchFamily="66" charset="0"/>
-              </a:rPr>
-              <a:t>of {1,2,…,13}</a:t>
-            </a:r>
-          </a:p>
-          <a:p>
-            <a:pPr marL="342900" indent="-342900"/>
-            <a:r>
-              <a:rPr lang="en-US" sz="4000" dirty="0">
-                <a:latin typeface="Comic Sans MS" pitchFamily="66" charset="0"/>
-              </a:rPr>
-              <a:t>      </a:t>
-            </a:r>
-            <a:r>
-              <a:rPr lang="en-US" sz="4000" dirty="0">
-                <a:solidFill>
-                  <a:srgbClr val="00B050"/>
-                </a:solidFill>
-                <a:latin typeface="Comic Sans MS" pitchFamily="66" charset="0"/>
-              </a:rPr>
-              <a:t>B::= size 4 subsets</a:t>
-            </a:r>
-          </a:p>
-          <a:p>
-            <a:pPr marL="342900" indent="-342900"/>
-            <a:r>
-              <a:rPr lang="en-US" sz="4400" dirty="0">
-                <a:latin typeface="Comic Sans MS" pitchFamily="66" charset="0"/>
-              </a:rPr>
-              <a:t>map     </a:t>
-            </a:r>
-            <a:r>
-              <a:rPr lang="en-US" sz="4400" dirty="0">
-                <a:solidFill>
-                  <a:srgbClr val="3333CC"/>
-                </a:solidFill>
-                <a:latin typeface="Comic Sans MS" pitchFamily="66" charset="0"/>
-              </a:rPr>
-              <a:t>a</a:t>
-            </a:r>
-            <a:r>
-              <a:rPr lang="en-US" sz="4400" baseline="-25000" dirty="0">
-                <a:solidFill>
-                  <a:srgbClr val="3333CC"/>
-                </a:solidFill>
-                <a:latin typeface="Comic Sans MS" pitchFamily="66" charset="0"/>
-              </a:rPr>
-              <a:t>1 </a:t>
-            </a:r>
-            <a:r>
-              <a:rPr lang="en-US" sz="4400" dirty="0">
-                <a:solidFill>
-                  <a:srgbClr val="3333CC"/>
-                </a:solidFill>
-                <a:latin typeface="Comic Sans MS" pitchFamily="66" charset="0"/>
-              </a:rPr>
-              <a:t>a</a:t>
-            </a:r>
-            <a:r>
-              <a:rPr lang="en-US" sz="4400" baseline="-25000" dirty="0">
-                <a:solidFill>
-                  <a:srgbClr val="3333CC"/>
-                </a:solidFill>
-                <a:latin typeface="Comic Sans MS" pitchFamily="66" charset="0"/>
-              </a:rPr>
-              <a:t>2 </a:t>
-            </a:r>
-            <a:r>
-              <a:rPr lang="en-US" sz="4400" dirty="0">
-                <a:solidFill>
-                  <a:srgbClr val="3333CC"/>
-                </a:solidFill>
-                <a:latin typeface="Comic Sans MS" pitchFamily="66" charset="0"/>
-              </a:rPr>
-              <a:t>a</a:t>
-            </a:r>
-            <a:r>
-              <a:rPr lang="en-US" sz="4400" baseline="-25000" dirty="0">
-                <a:solidFill>
-                  <a:srgbClr val="3333CC"/>
-                </a:solidFill>
-                <a:latin typeface="Comic Sans MS" pitchFamily="66" charset="0"/>
-              </a:rPr>
-              <a:t>3 </a:t>
-            </a:r>
-            <a:r>
-              <a:rPr lang="en-US" sz="4400" dirty="0">
-                <a:solidFill>
-                  <a:srgbClr val="3333CC"/>
-                </a:solidFill>
-                <a:latin typeface="Comic Sans MS" pitchFamily="66" charset="0"/>
-              </a:rPr>
-              <a:t>a</a:t>
-            </a:r>
-            <a:r>
-              <a:rPr lang="en-US" sz="4400" baseline="-25000" dirty="0">
-                <a:solidFill>
-                  <a:srgbClr val="3333CC"/>
-                </a:solidFill>
-                <a:latin typeface="Comic Sans MS" pitchFamily="66" charset="0"/>
-              </a:rPr>
-              <a:t>4 </a:t>
-            </a:r>
-            <a:r>
-              <a:rPr lang="en-US" sz="4400" dirty="0">
-                <a:solidFill>
-                  <a:srgbClr val="3333CC"/>
-                </a:solidFill>
-                <a:latin typeface="Comic Sans MS" pitchFamily="66" charset="0"/>
-              </a:rPr>
-              <a:t>a</a:t>
-            </a:r>
-            <a:r>
-              <a:rPr lang="en-US" sz="4400" baseline="-25000" dirty="0">
-                <a:solidFill>
-                  <a:srgbClr val="3333CC"/>
-                </a:solidFill>
-                <a:latin typeface="Comic Sans MS" pitchFamily="66" charset="0"/>
-              </a:rPr>
-              <a:t>5</a:t>
-            </a:r>
-            <a:r>
-              <a:rPr lang="en-US" sz="4400" dirty="0">
-                <a:solidFill>
-                  <a:srgbClr val="3333CC"/>
-                </a:solidFill>
-                <a:latin typeface="Comic Sans MS" pitchFamily="66" charset="0"/>
-                <a:sym typeface="Euclid Extra" pitchFamily="18" charset="2"/>
-              </a:rPr>
-              <a:t>…</a:t>
-            </a:r>
-            <a:r>
-              <a:rPr lang="en-US" sz="4400" dirty="0">
-                <a:solidFill>
-                  <a:srgbClr val="3333CC"/>
-                </a:solidFill>
-                <a:latin typeface="Comic Sans MS" pitchFamily="66" charset="0"/>
-              </a:rPr>
-              <a:t>a</a:t>
-            </a:r>
-            <a:r>
-              <a:rPr lang="en-US" sz="4400" baseline="-25000" dirty="0">
-                <a:solidFill>
-                  <a:srgbClr val="3333CC"/>
-                </a:solidFill>
-                <a:latin typeface="Comic Sans MS" pitchFamily="66" charset="0"/>
-              </a:rPr>
-              <a:t>12 </a:t>
-            </a:r>
-            <a:r>
-              <a:rPr lang="en-US" sz="4400" dirty="0" smtClean="0">
-                <a:solidFill>
-                  <a:srgbClr val="3333CC"/>
-                </a:solidFill>
-                <a:latin typeface="Comic Sans MS" pitchFamily="66" charset="0"/>
-              </a:rPr>
-              <a:t>a</a:t>
-            </a:r>
-            <a:r>
-              <a:rPr lang="en-US" sz="4400" baseline="-25000" dirty="0" smtClean="0">
-                <a:solidFill>
-                  <a:srgbClr val="3333CC"/>
-                </a:solidFill>
-                <a:latin typeface="Comic Sans MS" pitchFamily="66" charset="0"/>
-              </a:rPr>
-              <a:t>13 </a:t>
-            </a:r>
-            <a:r>
-              <a:rPr lang="en-US" sz="4400" b="1" dirty="0" smtClean="0">
-                <a:latin typeface="Euclid Symbol" charset="2"/>
-                <a:cs typeface="Euclid Symbol" charset="2"/>
-                <a:sym typeface="Symbol"/>
-              </a:rPr>
-              <a:t>∈</a:t>
-            </a:r>
-            <a:r>
-              <a:rPr lang="en-US" sz="4400" dirty="0" smtClean="0">
-                <a:solidFill>
-                  <a:srgbClr val="3333CC"/>
-                </a:solidFill>
-                <a:latin typeface="Comic Sans MS" pitchFamily="66" charset="0"/>
-                <a:sym typeface="Symbol"/>
-              </a:rPr>
-              <a:t> A</a:t>
-            </a:r>
-            <a:endParaRPr lang="en-US" sz="4400" dirty="0">
-              <a:solidFill>
-                <a:srgbClr val="3333CC"/>
-              </a:solidFill>
-              <a:latin typeface="Comic Sans MS" pitchFamily="66" charset="0"/>
-            </a:endParaRPr>
-          </a:p>
-          <a:p>
-            <a:pPr marL="342900" indent="-342900"/>
-            <a:r>
-              <a:rPr lang="en-US" sz="4400" dirty="0">
-                <a:latin typeface="Comic Sans MS" pitchFamily="66" charset="0"/>
-              </a:rPr>
-              <a:t>to</a:t>
-            </a:r>
-            <a:r>
-              <a:rPr lang="en-US" sz="4400" dirty="0">
-                <a:solidFill>
-                  <a:srgbClr val="3333CC"/>
-                </a:solidFill>
-                <a:latin typeface="Comic Sans MS" pitchFamily="66" charset="0"/>
-              </a:rPr>
-              <a:t>      </a:t>
-            </a:r>
-            <a:r>
-              <a:rPr lang="en-US" sz="4400" dirty="0">
-                <a:solidFill>
-                  <a:srgbClr val="008000"/>
-                </a:solidFill>
-                <a:latin typeface="Comic Sans MS" pitchFamily="66" charset="0"/>
-              </a:rPr>
-              <a:t>{</a:t>
-            </a:r>
-            <a:r>
-              <a:rPr lang="en-US" sz="4400" dirty="0" smtClean="0">
-                <a:solidFill>
-                  <a:srgbClr val="008000"/>
-                </a:solidFill>
-                <a:latin typeface="Comic Sans MS" pitchFamily="66" charset="0"/>
-              </a:rPr>
-              <a:t>a</a:t>
-            </a:r>
-            <a:r>
-              <a:rPr lang="en-US" sz="4400" baseline="-25000" dirty="0" smtClean="0">
-                <a:solidFill>
-                  <a:srgbClr val="008000"/>
-                </a:solidFill>
-                <a:latin typeface="Comic Sans MS" pitchFamily="66" charset="0"/>
-              </a:rPr>
-              <a:t>1</a:t>
-            </a:r>
-            <a:r>
-              <a:rPr lang="en-US" sz="4400" dirty="0" smtClean="0">
-                <a:solidFill>
-                  <a:srgbClr val="008000"/>
-                </a:solidFill>
-                <a:latin typeface="Comic Sans MS" pitchFamily="66" charset="0"/>
-              </a:rPr>
-              <a:t>, a</a:t>
-            </a:r>
-            <a:r>
-              <a:rPr lang="en-US" sz="4400" baseline="-25000" dirty="0" smtClean="0">
-                <a:solidFill>
-                  <a:srgbClr val="008000"/>
-                </a:solidFill>
-                <a:latin typeface="Comic Sans MS" pitchFamily="66" charset="0"/>
-              </a:rPr>
-              <a:t>2</a:t>
-            </a:r>
-            <a:r>
-              <a:rPr lang="en-US" sz="4400" dirty="0" smtClean="0">
-                <a:solidFill>
-                  <a:srgbClr val="008000"/>
-                </a:solidFill>
-                <a:latin typeface="Comic Sans MS" pitchFamily="66" charset="0"/>
-              </a:rPr>
-              <a:t>, a</a:t>
-            </a:r>
-            <a:r>
-              <a:rPr lang="en-US" sz="4400" baseline="-25000" dirty="0" smtClean="0">
-                <a:solidFill>
-                  <a:srgbClr val="008000"/>
-                </a:solidFill>
-                <a:latin typeface="Comic Sans MS" pitchFamily="66" charset="0"/>
-              </a:rPr>
-              <a:t>3</a:t>
-            </a:r>
-            <a:r>
-              <a:rPr lang="en-US" sz="4400" dirty="0" smtClean="0">
-                <a:solidFill>
-                  <a:srgbClr val="008000"/>
-                </a:solidFill>
-                <a:latin typeface="Comic Sans MS" pitchFamily="66" charset="0"/>
-              </a:rPr>
-              <a:t>,</a:t>
-            </a:r>
-            <a:r>
-              <a:rPr lang="en-US" sz="4400" baseline="-25000" dirty="0" smtClean="0">
-                <a:solidFill>
-                  <a:srgbClr val="008000"/>
-                </a:solidFill>
-                <a:latin typeface="Comic Sans MS" pitchFamily="66" charset="0"/>
-              </a:rPr>
-              <a:t> </a:t>
-            </a:r>
-            <a:r>
-              <a:rPr lang="en-US" sz="4400" dirty="0">
-                <a:solidFill>
-                  <a:srgbClr val="008000"/>
-                </a:solidFill>
-                <a:latin typeface="Comic Sans MS" pitchFamily="66" charset="0"/>
-              </a:rPr>
-              <a:t>a</a:t>
-            </a:r>
-            <a:r>
-              <a:rPr lang="en-US" sz="4400" baseline="-25000" dirty="0">
-                <a:solidFill>
-                  <a:srgbClr val="008000"/>
+              <a:t>How many size </a:t>
+            </a:r>
+            <a:r>
+              <a:rPr lang="en-US" sz="3600" dirty="0">
+                <a:solidFill>
+                  <a:srgbClr val="0000F1"/>
                 </a:solidFill>
                 <a:latin typeface="Comic Sans MS" pitchFamily="66" charset="0"/>
               </a:rPr>
               <a:t>4</a:t>
             </a:r>
             <a:r>
-              <a:rPr lang="en-US" sz="4400" dirty="0" smtClean="0">
-                <a:solidFill>
-                  <a:srgbClr val="008000"/>
-                </a:solidFill>
-                <a:latin typeface="Comic Sans MS" pitchFamily="66" charset="0"/>
-              </a:rPr>
-              <a:t>}            </a:t>
-            </a:r>
-            <a:r>
-              <a:rPr lang="en-US" sz="4400" b="1" dirty="0" smtClean="0">
-                <a:latin typeface="Euclid Symbol" charset="2"/>
-                <a:cs typeface="Euclid Symbol" charset="2"/>
-                <a:sym typeface="Symbol"/>
-              </a:rPr>
-              <a:t>∈</a:t>
-            </a:r>
-            <a:r>
-              <a:rPr lang="en-US" sz="4400" dirty="0" smtClean="0">
-                <a:solidFill>
-                  <a:srgbClr val="008000"/>
-                </a:solidFill>
-                <a:latin typeface="Comic Sans MS" pitchFamily="66" charset="0"/>
-                <a:sym typeface="Symbol"/>
-              </a:rPr>
-              <a:t> </a:t>
-            </a:r>
-            <a:r>
-              <a:rPr lang="en-US" sz="4400" dirty="0" smtClean="0">
-                <a:solidFill>
-                  <a:srgbClr val="00B050"/>
-                </a:solidFill>
-                <a:latin typeface="Comic Sans MS" pitchFamily="66" charset="0"/>
-                <a:sym typeface="Symbol"/>
-              </a:rPr>
-              <a:t>B</a:t>
-            </a:r>
-            <a:endParaRPr lang="en-US" sz="4400" dirty="0">
-              <a:solidFill>
-                <a:srgbClr val="00B050"/>
-              </a:solidFill>
+              <a:rPr lang="en-US" sz="3600" dirty="0">
+                <a:latin typeface="Comic Sans MS" pitchFamily="66" charset="0"/>
+              </a:rPr>
+              <a:t> subsets of </a:t>
+            </a:r>
+            <a:r>
+              <a:rPr lang="en-US" sz="3600" dirty="0">
+                <a:solidFill>
+                  <a:srgbClr val="0000F1"/>
+                </a:solidFill>
+                <a:latin typeface="Comic Sans MS" pitchFamily="66" charset="0"/>
+              </a:rPr>
+              <a:t>{1,2,…,13}</a:t>
+            </a:r>
+            <a:r>
+              <a:rPr lang="en-US" sz="3600" dirty="0" smtClean="0">
+                <a:latin typeface="Comic Sans MS" pitchFamily="66" charset="0"/>
+              </a:rPr>
+              <a:t>?</a:t>
+            </a:r>
+            <a:endParaRPr lang="en-US" sz="3600" dirty="0">
               <a:latin typeface="Comic Sans MS" pitchFamily="66" charset="0"/>
             </a:endParaRPr>
           </a:p>
@@ -8520,37 +14205,118 @@
       </p:sp>
       <p:sp>
         <p:nvSpPr>
-          <p:cNvPr id="395272" name="Rectangle 8"/>
-          <p:cNvSpPr>
-            <a:spLocks noChangeArrowheads="1"/>
-          </p:cNvSpPr>
+          <p:cNvPr id="2" name="TextBox 1"/>
+          <p:cNvSpPr txBox="1"/>
           <p:nvPr/>
         </p:nvSpPr>
-        <p:spPr bwMode="auto">
+        <p:spPr>
           <a:xfrm>
-            <a:off x="1905000" y="3683000"/>
-            <a:ext cx="2667000" cy="660400"/>
+            <a:off x="3608219" y="2133600"/>
+            <a:ext cx="1954381" cy="3459409"/>
           </a:xfrm>
           <a:prstGeom prst="rect">
             <a:avLst/>
           </a:prstGeom>
           <a:noFill/>
-          <a:ln w="38100">
-            <a:solidFill>
-              <a:srgbClr val="008000"/>
-            </a:solidFill>
-            <a:miter lim="800000"/>
-            <a:headEnd/>
-            <a:tailEnd/>
-          </a:ln>
         </p:spPr>
         <p:txBody>
-          <a:bodyPr wrap="square" anchor="ctr">
+          <a:bodyPr wrap="none" rtlCol="0">
             <a:spAutoFit/>
           </a:bodyPr>
           <a:lstStyle/>
           <a:p>
-            <a:endParaRPr lang="en-US" dirty="0"/>
+            <a:r>
+              <a:rPr lang="en-US" dirty="0" smtClean="0">
+                <a:solidFill>
+                  <a:srgbClr val="0000F1"/>
+                </a:solidFill>
+                <a:latin typeface="Comic Sans MS"/>
+                <a:cs typeface="Comic Sans MS"/>
+              </a:rPr>
+              <a:t>{1,2,3,4}</a:t>
+            </a:r>
+          </a:p>
+          <a:p>
+            <a:r>
+              <a:rPr lang="en-US" dirty="0">
+                <a:solidFill>
+                  <a:srgbClr val="0000F1"/>
+                </a:solidFill>
+                <a:latin typeface="Comic Sans MS"/>
+                <a:cs typeface="Comic Sans MS"/>
+              </a:rPr>
+              <a:t>{</a:t>
+            </a:r>
+            <a:r>
+              <a:rPr lang="en-US" dirty="0" smtClean="0">
+                <a:solidFill>
+                  <a:srgbClr val="0000F1"/>
+                </a:solidFill>
+                <a:latin typeface="Comic Sans MS"/>
+                <a:cs typeface="Comic Sans MS"/>
+              </a:rPr>
+              <a:t>1,2,3,5}</a:t>
+            </a:r>
+          </a:p>
+          <a:p>
+            <a:r>
+              <a:rPr lang="en-US" dirty="0" smtClean="0">
+                <a:solidFill>
+                  <a:srgbClr val="0000F1"/>
+                </a:solidFill>
+                <a:latin typeface="Comic Sans MS"/>
+                <a:cs typeface="Comic Sans MS"/>
+              </a:rPr>
+              <a:t>{3,4,7,11}</a:t>
+            </a:r>
+          </a:p>
+          <a:p>
+            <a:pPr algn="ctr">
+              <a:lnSpc>
+                <a:spcPct val="60000"/>
+              </a:lnSpc>
+            </a:pPr>
+            <a:r>
+              <a:rPr lang="en-US" sz="6600" dirty="0" smtClean="0"/>
+              <a:t>   </a:t>
+            </a:r>
+            <a:r>
+              <a:rPr lang="en-US" sz="6600" dirty="0" smtClean="0">
+                <a:solidFill>
+                  <a:srgbClr val="0000F1"/>
+                </a:solidFill>
+              </a:rPr>
+              <a:t>⋮</a:t>
+            </a:r>
+          </a:p>
+          <a:p>
+            <a:pPr algn="ctr">
+              <a:lnSpc>
+                <a:spcPct val="60000"/>
+              </a:lnSpc>
+            </a:pPr>
+            <a:r>
+              <a:rPr lang="en-US" sz="6600" dirty="0" smtClean="0">
+                <a:solidFill>
+                  <a:srgbClr val="0000F1"/>
+                </a:solidFill>
+              </a:rPr>
+              <a:t>   </a:t>
+            </a:r>
+            <a:r>
+              <a:rPr lang="en-US" sz="6600" dirty="0" smtClean="0">
+                <a:solidFill>
+                  <a:srgbClr val="0000F1"/>
+                </a:solidFill>
+                <a:latin typeface="Times New Roman"/>
+                <a:cs typeface="Times New Roman"/>
+              </a:rPr>
+              <a:t>?</a:t>
+            </a:r>
+            <a:endParaRPr lang="en-US" dirty="0">
+              <a:latin typeface="Times New Roman"/>
+              <a:cs typeface="Times New Roman"/>
+            </a:endParaRPr>
           </a:p>
         </p:txBody>
       </p:sp>
@@ -8583,7 +14349,7 @@
                             </p:stCondLst>
                             <p:childTnLst>
                               <p:par>
-                                <p:cTn id="5" presetID="10" presetClass="entr" presetSubtype="0" fill="hold" nodeType="clickEffect">
+                                <p:cTn id="5" presetID="22" presetClass="entr" presetSubtype="1" fill="hold" grpId="0" nodeType="clickEffect">
                                   <p:stCondLst>
                                     <p:cond delay="0"/>
                                   </p:stCondLst>
@@ -8596,190 +14362,7 @@
                                           </p:stCondLst>
                                         </p:cTn>
                                         <p:tgtEl>
-                                          <p:spTgt spid="395271">
-                                            <p:txEl>
-                                              <p:pRg st="1" end="1"/>
-                                            </p:txEl>
-                                          </p:spTgt>
-                                        </p:tgtEl>
-                                        <p:attrNameLst>
-                                          <p:attrName>style.visibility</p:attrName>
-                                        </p:attrNameLst>
-                                      </p:cBhvr>
-                                      <p:to>
-                                        <p:strVal val="visible"/>
-                                      </p:to>
-                                    </p:set>
-                                    <p:animEffect transition="in" filter="fade">
-                                      <p:cBhvr>
-                                        <p:cTn id="7" dur="500"/>
-                                        <p:tgtEl>
-                                          <p:spTgt spid="395271">
-                                            <p:txEl>
-                                              <p:pRg st="1" end="1"/>
-                                            </p:txEl>
-                                          </p:spTgt>
-                                        </p:tgtEl>
-                                      </p:cBhvr>
-                                    </p:animEffect>
-                                  </p:childTnLst>
-                                </p:cTn>
-                              </p:par>
-                            </p:childTnLst>
-                          </p:cTn>
-                        </p:par>
-                      </p:childTnLst>
-                    </p:cTn>
-                  </p:par>
-                  <p:par>
-                    <p:cTn id="8" fill="hold">
-                      <p:stCondLst>
-                        <p:cond delay="indefinite"/>
-                      </p:stCondLst>
-                      <p:childTnLst>
-                        <p:par>
-                          <p:cTn id="9" fill="hold">
-                            <p:stCondLst>
-                              <p:cond delay="0"/>
-                            </p:stCondLst>
-                            <p:childTnLst>
-                              <p:par>
-                                <p:cTn id="10" presetID="10" presetClass="entr" presetSubtype="0" fill="hold" nodeType="clickEffect">
-                                  <p:stCondLst>
-                                    <p:cond delay="0"/>
-                                  </p:stCondLst>
-                                  <p:childTnLst>
-                                    <p:set>
-                                      <p:cBhvr>
-                                        <p:cTn id="11" dur="1" fill="hold">
-                                          <p:stCondLst>
-                                            <p:cond delay="0"/>
-                                          </p:stCondLst>
-                                        </p:cTn>
-                                        <p:tgtEl>
-                                          <p:spTgt spid="395271">
-                                            <p:txEl>
-                                              <p:pRg st="2" end="2"/>
-                                            </p:txEl>
-                                          </p:spTgt>
-                                        </p:tgtEl>
-                                        <p:attrNameLst>
-                                          <p:attrName>style.visibility</p:attrName>
-                                        </p:attrNameLst>
-                                      </p:cBhvr>
-                                      <p:to>
-                                        <p:strVal val="visible"/>
-                                      </p:to>
-                                    </p:set>
-                                    <p:animEffect transition="in" filter="fade">
-                                      <p:cBhvr>
-                                        <p:cTn id="12" dur="500"/>
-                                        <p:tgtEl>
-                                          <p:spTgt spid="395271">
-                                            <p:txEl>
-                                              <p:pRg st="2" end="2"/>
-                                            </p:txEl>
-                                          </p:spTgt>
-                                        </p:tgtEl>
-                                      </p:cBhvr>
-                                    </p:animEffect>
-                                  </p:childTnLst>
-                                </p:cTn>
-                              </p:par>
-                            </p:childTnLst>
-                          </p:cTn>
-                        </p:par>
-                      </p:childTnLst>
-                    </p:cTn>
-                  </p:par>
-                  <p:par>
-                    <p:cTn id="13" fill="hold">
-                      <p:stCondLst>
-                        <p:cond delay="indefinite"/>
-                      </p:stCondLst>
-                      <p:childTnLst>
-                        <p:par>
-                          <p:cTn id="14" fill="hold">
-                            <p:stCondLst>
-                              <p:cond delay="0"/>
-                            </p:stCondLst>
-                            <p:childTnLst>
-                              <p:par>
-                                <p:cTn id="15" presetID="22" presetClass="entr" presetSubtype="8" fill="hold" nodeType="clickEffect">
-                                  <p:stCondLst>
-                                    <p:cond delay="0"/>
-                                  </p:stCondLst>
-                                  <p:childTnLst>
-                                    <p:set>
-                                      <p:cBhvr>
-                                        <p:cTn id="16" dur="1" fill="hold">
-                                          <p:stCondLst>
-                                            <p:cond delay="0"/>
-                                          </p:stCondLst>
-                                        </p:cTn>
-                                        <p:tgtEl>
-                                          <p:spTgt spid="395271">
-                                            <p:txEl>
-                                              <p:pRg st="3" end="3"/>
-                                            </p:txEl>
-                                          </p:spTgt>
-                                        </p:tgtEl>
-                                        <p:attrNameLst>
-                                          <p:attrName>style.visibility</p:attrName>
-                                        </p:attrNameLst>
-                                      </p:cBhvr>
-                                      <p:to>
-                                        <p:strVal val="visible"/>
-                                      </p:to>
-                                    </p:set>
-                                    <p:animEffect transition="in" filter="wipe(left)">
-                                      <p:cBhvr>
-                                        <p:cTn id="17" dur="1000"/>
-                                        <p:tgtEl>
-                                          <p:spTgt spid="395271">
-                                            <p:txEl>
-                                              <p:pRg st="3" end="3"/>
-                                            </p:txEl>
-                                          </p:spTgt>
-                                        </p:tgtEl>
-                                      </p:cBhvr>
-                                    </p:animEffect>
-                                  </p:childTnLst>
-                                </p:cTn>
-                              </p:par>
-                            </p:childTnLst>
-                          </p:cTn>
-                        </p:par>
-                      </p:childTnLst>
-                    </p:cTn>
-                  </p:par>
-                  <p:par>
-                    <p:cTn id="18" fill="hold">
-                      <p:stCondLst>
-                        <p:cond delay="indefinite"/>
-                      </p:stCondLst>
-                      <p:childTnLst>
-                        <p:par>
-                          <p:cTn id="19" fill="hold">
-                            <p:stCondLst>
-                              <p:cond delay="0"/>
-                            </p:stCondLst>
-                            <p:childTnLst>
-                              <p:par>
-                                <p:cTn id="20" presetID="22" presetClass="entr" presetSubtype="1" fill="hold" grpId="0" nodeType="clickEffect">
-                                  <p:stCondLst>
-                                    <p:cond delay="0"/>
-                                  </p:stCondLst>
-                                  <p:childTnLst>
-                                    <p:set>
-                                      <p:cBhvr>
-                                        <p:cTn id="21" dur="1" fill="hold">
-                                          <p:stCondLst>
-                                            <p:cond delay="0"/>
-                                          </p:stCondLst>
-                                        </p:cTn>
-                                        <p:tgtEl>
-                                          <p:spTgt spid="395272"/>
+                                          <p:spTgt spid="2"/>
                                         </p:tgtEl>
                                         <p:attrNameLst>
                                           <p:attrName>style.visibility</p:attrName>
@@ -8791,70 +14374,9 @@
                                     </p:set>
                                     <p:animEffect transition="in" filter="wipe(up)">
                                       <p:cBhvr>
-                                        <p:cTn id="22" dur="500"/>
+                                        <p:cTn id="7" dur="1000"/>
                                         <p:tgtEl>
-                                          <p:spTgt spid="395272"/>
-                                        </p:tgtEl>
-                                      </p:cBhvr>
-                                    </p:animEffect>
-                                  </p:childTnLst>
-                                </p:cTn>
-                              </p:par>
-                            </p:childTnLst>
-                          </p:cTn>
-                        </p:par>
-                      </p:childTnLst>
-                    </p:cTn>
-                  </p:par>
-                  <p:par>
-                    <p:cTn id="23" fill="hold">
-                      <p:stCondLst>
-                        <p:cond delay="indefinite"/>
-                      </p:stCondLst>
-                      <p:childTnLst>
-                        <p:par>
-                          <p:cTn id="24" fill="hold">
-                            <p:stCondLst>
-                              <p:cond delay="0"/>
-                            </p:stCondLst>
-                            <p:childTnLst>
-                              <p:par>
-                                <p:cTn id="25" presetID="22" presetClass="entr" presetSubtype="8" fill="hold" nodeType="clickEffect">
-                                  <p:stCondLst>
-                                    <p:cond delay="0"/>
-                                  </p:stCondLst>
-                                  <p:childTnLst>
-                                    <p:set>
-                                      <p:cBhvr>
-                                        <p:cTn id="26" dur="1" fill="hold">
-                                          <p:stCondLst>
-                                            <p:cond delay="0"/>
-                                          </p:stCondLst>
-                                        </p:cTn>
-                                        <p:tgtEl>
-                                          <p:spTgt spid="395271">
-                                            <p:txEl>
-                                              <p:pRg st="4" end="4"/>
-                                            </p:txEl>
-                                          </p:spTgt>
-                                        </p:tgtEl>
-                                        <p:attrNameLst>
-                                          <p:attrName>style.visibility</p:attrName>
-                                        </p:attrNameLst>
-                                      </p:cBhvr>
-                                      <p:to>
-                                        <p:strVal val="visible"/>
-                                      </p:to>
-                                    </p:set>
-                                    <p:animEffect transition="in" filter="wipe(left)">
-                                      <p:cBhvr>
-                                        <p:cTn id="27" dur="500"/>
-                                        <p:tgtEl>
-                                          <p:spTgt spid="395271">
-                                            <p:txEl>
-                                              <p:pRg st="4" end="4"/>
-                                            </p:txEl>
-                                          </p:spTgt>
+                                          <p:spTgt spid="2"/>
                                         </p:tgtEl>
                                       </p:cBhvr>
                                     </p:animEffect>
@@ -8889,2217 +14411,8 @@
       </p:par>
     </p:tnLst>
     <p:bldLst>
-      <p:bldP spid="395272" grpId="0" animBg="1"/>
+      <p:bldP spid="2" grpId="0"/>
     </p:bldLst>
-  </p:timing>
-</p:sld>
-</file>
-
-<file path=ppt/slides/slide8.xml><?xml version="1.0" encoding="utf-8"?>
-<p:sld xmlns:a="http://schemas.openxmlformats.org/drawingml/2006/main" xmlns:r="http://schemas.openxmlformats.org/officeDocument/2006/relationships" xmlns:p="http://schemas.openxmlformats.org/presentationml/2006/main">
-  <p:cSld>
-    <p:spTree>
-      <p:nvGrpSpPr>
-        <p:cNvPr id="1" name=""/>
-        <p:cNvGrpSpPr/>
-        <p:nvPr/>
-      </p:nvGrpSpPr>
-      <p:grpSpPr>
-        <a:xfrm>
-          <a:off x="0" y="0"/>
-          <a:ext cx="0" cy="0"/>
-          <a:chOff x="0" y="0"/>
-          <a:chExt cx="0" cy="0"/>
-        </a:xfrm>
-      </p:grpSpPr>
-      <p:sp>
-        <p:nvSpPr>
-          <p:cNvPr id="5123" name="Slide Number Placeholder 3"/>
-          <p:cNvSpPr>
-            <a:spLocks noGrp="1"/>
-          </p:cNvSpPr>
-          <p:nvPr>
-            <p:ph type="sldNum" sz="quarter" idx="10"/>
-          </p:nvPr>
-        </p:nvSpPr>
-        <p:spPr>
-          <a:noFill/>
-        </p:spPr>
-        <p:txBody>
-          <a:bodyPr/>
-          <a:lstStyle/>
-          <a:p>
-            <a:r>
-              <a:rPr lang="en-US" dirty="0" smtClean="0"/>
-              <a:t>genprod.</a:t>
-            </a:r>
-            <a:fld id="{535B0B3B-67E6-46AF-BCEC-1DA2665CBE45}" type="slidenum">
-              <a:rPr lang="en-US" smtClean="0"/>
-              <a:pPr/>
-              <a:t>8</a:t>
-            </a:fld>
-            <a:endParaRPr lang="en-US" dirty="0" smtClean="0"/>
-          </a:p>
-        </p:txBody>
-      </p:sp>
-      <p:sp>
-        <p:nvSpPr>
-          <p:cNvPr id="5124" name="Rectangle 2"/>
-          <p:cNvSpPr>
-            <a:spLocks noGrp="1" noChangeArrowheads="1"/>
-          </p:cNvSpPr>
-          <p:nvPr>
-            <p:ph type="title"/>
-          </p:nvPr>
-        </p:nvSpPr>
-        <p:spPr/>
-        <p:txBody>
-          <a:bodyPr/>
-          <a:lstStyle/>
-          <a:p>
-            <a:pPr eaLnBrk="1" hangingPunct="1"/>
-            <a:r>
-              <a:rPr lang="en-US" dirty="0" smtClean="0"/>
-              <a:t>Counting Subsets</a:t>
-            </a:r>
-          </a:p>
-        </p:txBody>
-      </p:sp>
-      <p:graphicFrame>
-        <p:nvGraphicFramePr>
-          <p:cNvPr id="5122" name="Object 3"/>
-          <p:cNvGraphicFramePr>
-            <a:graphicFrameLocks noChangeAspect="1"/>
-          </p:cNvGraphicFramePr>
-          <p:nvPr/>
-        </p:nvGraphicFramePr>
-        <p:xfrm>
-          <a:off x="3022600" y="2514600"/>
-          <a:ext cx="914400" cy="198438"/>
-        </p:xfrm>
-        <a:graphic>
-          <a:graphicData uri="http://schemas.openxmlformats.org/presentationml/2006/ole">
-            <mc:AlternateContent xmlns:mc="http://schemas.openxmlformats.org/markup-compatibility/2006">
-              <mc:Choice xmlns:v="urn:schemas-microsoft-com:vml" Requires="v">
-                <p:oleObj spid="_x0000_s5159" name="Equation" r:id="rId4" imgW="914400" imgH="198720" progId="Equation.DSMT4">
-                  <p:embed/>
-                </p:oleObj>
-              </mc:Choice>
-              <mc:Fallback>
-                <p:oleObj name="Equation" r:id="rId4" imgW="914400" imgH="198720" progId="Equation.DSMT4">
-                  <p:embed/>
-                  <p:pic>
-                    <p:nvPicPr>
-                      <p:cNvPr id="0" name="Object 3"/>
-                      <p:cNvPicPr>
-                        <a:picLocks noChangeAspect="1" noChangeArrowheads="1"/>
-                      </p:cNvPicPr>
-                      <p:nvPr/>
-                    </p:nvPicPr>
-                    <p:blipFill>
-                      <a:blip r:embed="rId5">
-                        <a:extLst>
-                          <a:ext uri="{28A0092B-C50C-407E-A947-70E740481C1C}">
-                            <a14:useLocalDpi xmlns:a14="http://schemas.microsoft.com/office/drawing/2010/main" val="0"/>
-                          </a:ext>
-                        </a:extLst>
-                      </a:blip>
-                      <a:srcRect/>
-                      <a:stretch>
-                        <a:fillRect/>
-                      </a:stretch>
-                    </p:blipFill>
-                    <p:spPr bwMode="auto">
-                      <a:xfrm>
-                        <a:off x="3022600" y="2514600"/>
-                        <a:ext cx="914400" cy="198438"/>
-                      </a:xfrm>
-                      <a:prstGeom prst="rect">
-                        <a:avLst/>
-                      </a:prstGeom>
-                      <a:noFill/>
-                      <a:extLst>
-                        <a:ext uri="{909E8E84-426E-40dd-AFC4-6F175D3DCCD1}">
-                          <a14:hiddenFill xmlns:a14="http://schemas.microsoft.com/office/drawing/2010/main">
-                            <a:solidFill>
-                              <a:srgbClr val="FFFFFF"/>
-                            </a:solidFill>
-                          </a14:hiddenFill>
-                        </a:ext>
-                      </a:extLst>
-                    </p:spPr>
-                  </p:pic>
-                </p:oleObj>
-              </mc:Fallback>
-            </mc:AlternateContent>
-          </a:graphicData>
-        </a:graphic>
-      </p:graphicFrame>
-      <p:sp>
-        <p:nvSpPr>
-          <p:cNvPr id="10246" name="Text Box 4"/>
-          <p:cNvSpPr txBox="1">
-            <a:spLocks noChangeArrowheads="1"/>
-          </p:cNvSpPr>
-          <p:nvPr/>
-        </p:nvSpPr>
-        <p:spPr bwMode="auto">
-          <a:xfrm>
-            <a:off x="381000" y="1447800"/>
-            <a:ext cx="8458200" cy="3945696"/>
-          </a:xfrm>
-          <a:prstGeom prst="rect">
-            <a:avLst/>
-          </a:prstGeom>
-          <a:noFill/>
-          <a:ln w="31750">
-            <a:noFill/>
-            <a:prstDash val="sysDot"/>
-            <a:miter lim="800000"/>
-            <a:headEnd/>
-            <a:tailEnd/>
-          </a:ln>
-        </p:spPr>
-        <p:txBody>
-          <a:bodyPr>
-            <a:spAutoFit/>
-          </a:bodyPr>
-          <a:lstStyle/>
-          <a:p>
-            <a:pPr marL="342900" indent="-342900">
-              <a:defRPr/>
-            </a:pPr>
-            <a:r>
-              <a:rPr lang="en-US" sz="4000" dirty="0">
-                <a:solidFill>
-                  <a:srgbClr val="008000"/>
-                </a:solidFill>
-              </a:rPr>
-              <a:t> </a:t>
-            </a:r>
-            <a:r>
-              <a:rPr lang="en-US" sz="4400" dirty="0">
-                <a:solidFill>
-                  <a:srgbClr val="3333CC"/>
-                </a:solidFill>
-                <a:latin typeface="Comic Sans MS" pitchFamily="66" charset="0"/>
-              </a:rPr>
-              <a:t>a</a:t>
-            </a:r>
-            <a:r>
-              <a:rPr lang="en-US" sz="4400" baseline="-25000" dirty="0">
-                <a:solidFill>
-                  <a:srgbClr val="FF00FF"/>
-                </a:solidFill>
-                <a:latin typeface="Comic Sans MS" pitchFamily="66" charset="0"/>
-              </a:rPr>
-              <a:t>1</a:t>
-            </a:r>
-            <a:r>
-              <a:rPr lang="en-US" sz="4400" baseline="-25000" dirty="0">
-                <a:solidFill>
-                  <a:srgbClr val="3333CC"/>
-                </a:solidFill>
-                <a:latin typeface="Comic Sans MS" pitchFamily="66" charset="0"/>
-              </a:rPr>
-              <a:t> </a:t>
-            </a:r>
-            <a:r>
-              <a:rPr lang="en-US" sz="4400" dirty="0">
-                <a:solidFill>
-                  <a:srgbClr val="3333CC"/>
-                </a:solidFill>
-                <a:latin typeface="Comic Sans MS" pitchFamily="66" charset="0"/>
-              </a:rPr>
-              <a:t>a</a:t>
-            </a:r>
-            <a:r>
-              <a:rPr lang="en-US" sz="4400" baseline="-25000" dirty="0">
-                <a:solidFill>
-                  <a:srgbClr val="FF00FF"/>
-                </a:solidFill>
-                <a:latin typeface="Comic Sans MS" pitchFamily="66" charset="0"/>
-              </a:rPr>
-              <a:t>3</a:t>
-            </a:r>
-            <a:r>
-              <a:rPr lang="en-US" sz="4400" baseline="-25000" dirty="0">
-                <a:solidFill>
-                  <a:srgbClr val="3333CC"/>
-                </a:solidFill>
-                <a:latin typeface="Comic Sans MS" pitchFamily="66" charset="0"/>
-              </a:rPr>
-              <a:t> </a:t>
-            </a:r>
-            <a:r>
-              <a:rPr lang="en-US" sz="4400" dirty="0">
-                <a:solidFill>
-                  <a:srgbClr val="3333CC"/>
-                </a:solidFill>
-                <a:latin typeface="Comic Sans MS" pitchFamily="66" charset="0"/>
-              </a:rPr>
-              <a:t>a</a:t>
-            </a:r>
-            <a:r>
-              <a:rPr lang="en-US" sz="4400" baseline="-25000" dirty="0">
-                <a:solidFill>
-                  <a:srgbClr val="FF00FF"/>
-                </a:solidFill>
-                <a:latin typeface="Comic Sans MS" pitchFamily="66" charset="0"/>
-              </a:rPr>
-              <a:t>2</a:t>
-            </a:r>
-            <a:r>
-              <a:rPr lang="en-US" sz="4400" baseline="-25000" dirty="0">
-                <a:solidFill>
-                  <a:srgbClr val="3333CC"/>
-                </a:solidFill>
-                <a:latin typeface="Comic Sans MS" pitchFamily="66" charset="0"/>
-              </a:rPr>
-              <a:t> </a:t>
-            </a:r>
-            <a:r>
-              <a:rPr lang="en-US" sz="4400" dirty="0">
-                <a:solidFill>
-                  <a:srgbClr val="3333CC"/>
-                </a:solidFill>
-                <a:latin typeface="Comic Sans MS" pitchFamily="66" charset="0"/>
-              </a:rPr>
-              <a:t>a</a:t>
-            </a:r>
-            <a:r>
-              <a:rPr lang="en-US" sz="4400" baseline="-25000" dirty="0">
-                <a:solidFill>
-                  <a:srgbClr val="FF00FF"/>
-                </a:solidFill>
-                <a:latin typeface="Comic Sans MS" pitchFamily="66" charset="0"/>
-              </a:rPr>
-              <a:t>4</a:t>
-            </a:r>
-            <a:r>
-              <a:rPr lang="en-US" sz="4400" baseline="-25000" dirty="0">
-                <a:solidFill>
-                  <a:srgbClr val="3333CC"/>
-                </a:solidFill>
-                <a:latin typeface="Comic Sans MS" pitchFamily="66" charset="0"/>
-              </a:rPr>
-              <a:t> </a:t>
-            </a:r>
-            <a:r>
-              <a:rPr lang="en-US" sz="4400" dirty="0">
-                <a:solidFill>
-                  <a:srgbClr val="3333CC"/>
-                </a:solidFill>
-                <a:latin typeface="Comic Sans MS" pitchFamily="66" charset="0"/>
-              </a:rPr>
-              <a:t>a</a:t>
-            </a:r>
-            <a:r>
-              <a:rPr lang="en-US" sz="4400" baseline="-25000" dirty="0">
-                <a:solidFill>
-                  <a:srgbClr val="3333CC"/>
-                </a:solidFill>
-                <a:latin typeface="Comic Sans MS" pitchFamily="66" charset="0"/>
-              </a:rPr>
-              <a:t>5</a:t>
-            </a:r>
-            <a:r>
-              <a:rPr lang="en-US" sz="4400" dirty="0">
-                <a:solidFill>
-                  <a:srgbClr val="3333CC"/>
-                </a:solidFill>
-                <a:latin typeface="Comic Sans MS" pitchFamily="66" charset="0"/>
-                <a:sym typeface="Euclid Extra" pitchFamily="18" charset="2"/>
-              </a:rPr>
-              <a:t>…</a:t>
-            </a:r>
-            <a:r>
-              <a:rPr lang="en-US" sz="4400" dirty="0">
-                <a:solidFill>
-                  <a:srgbClr val="3333CC"/>
-                </a:solidFill>
-                <a:latin typeface="Comic Sans MS" pitchFamily="66" charset="0"/>
-              </a:rPr>
-              <a:t>a</a:t>
-            </a:r>
-            <a:r>
-              <a:rPr lang="en-US" sz="4400" baseline="-25000" dirty="0">
-                <a:solidFill>
-                  <a:srgbClr val="3333CC"/>
-                </a:solidFill>
-                <a:latin typeface="Comic Sans MS" pitchFamily="66" charset="0"/>
-              </a:rPr>
-              <a:t>12 </a:t>
-            </a:r>
-            <a:r>
-              <a:rPr lang="en-US" sz="4400" dirty="0">
-                <a:solidFill>
-                  <a:srgbClr val="3333CC"/>
-                </a:solidFill>
-                <a:latin typeface="Comic Sans MS" pitchFamily="66" charset="0"/>
-              </a:rPr>
-              <a:t>a</a:t>
-            </a:r>
-            <a:r>
-              <a:rPr lang="en-US" sz="4400" baseline="-25000" dirty="0">
-                <a:solidFill>
-                  <a:srgbClr val="3333CC"/>
-                </a:solidFill>
-                <a:latin typeface="Comic Sans MS" pitchFamily="66" charset="0"/>
-              </a:rPr>
-              <a:t>13 </a:t>
-            </a:r>
-            <a:r>
-              <a:rPr lang="en-US" sz="4400" dirty="0">
-                <a:latin typeface="Comic Sans MS" pitchFamily="66" charset="0"/>
-              </a:rPr>
-              <a:t>also </a:t>
-            </a:r>
-            <a:r>
-              <a:rPr lang="en-US" sz="4400" dirty="0" smtClean="0">
-                <a:latin typeface="Comic Sans MS" pitchFamily="66" charset="0"/>
-              </a:rPr>
-              <a:t>maps</a:t>
-            </a:r>
-          </a:p>
-          <a:p>
-            <a:pPr marL="342900" indent="-342900">
-              <a:defRPr/>
-            </a:pPr>
-            <a:r>
-              <a:rPr lang="en-US" sz="4400" dirty="0" smtClean="0">
-                <a:latin typeface="Comic Sans MS" pitchFamily="66" charset="0"/>
-              </a:rPr>
-              <a:t>to </a:t>
-            </a:r>
-            <a:r>
-              <a:rPr lang="en-US" sz="4400" dirty="0" smtClean="0">
-                <a:solidFill>
-                  <a:srgbClr val="00B050"/>
-                </a:solidFill>
-                <a:latin typeface="Comic Sans MS" pitchFamily="66" charset="0"/>
-              </a:rPr>
-              <a:t>{a</a:t>
-            </a:r>
-            <a:r>
-              <a:rPr lang="en-US" sz="4400" baseline="-25000" dirty="0" smtClean="0">
-                <a:solidFill>
-                  <a:srgbClr val="00B050"/>
-                </a:solidFill>
-                <a:latin typeface="Comic Sans MS" pitchFamily="66" charset="0"/>
-              </a:rPr>
-              <a:t>1</a:t>
-            </a:r>
-            <a:r>
-              <a:rPr lang="en-US" sz="4400" dirty="0" smtClean="0">
-                <a:solidFill>
-                  <a:srgbClr val="00B050"/>
-                </a:solidFill>
-                <a:latin typeface="Comic Sans MS" pitchFamily="66" charset="0"/>
-              </a:rPr>
-              <a:t>, a</a:t>
-            </a:r>
-            <a:r>
-              <a:rPr lang="en-US" sz="4400" baseline="-25000" dirty="0" smtClean="0">
-                <a:solidFill>
-                  <a:srgbClr val="00B050"/>
-                </a:solidFill>
-                <a:latin typeface="Comic Sans MS" pitchFamily="66" charset="0"/>
-              </a:rPr>
-              <a:t>2</a:t>
-            </a:r>
-            <a:r>
-              <a:rPr lang="en-US" sz="4400" dirty="0" smtClean="0">
-                <a:solidFill>
-                  <a:srgbClr val="00B050"/>
-                </a:solidFill>
-                <a:latin typeface="Comic Sans MS" pitchFamily="66" charset="0"/>
-              </a:rPr>
-              <a:t>, a</a:t>
-            </a:r>
-            <a:r>
-              <a:rPr lang="en-US" sz="4400" baseline="-25000" dirty="0" smtClean="0">
-                <a:solidFill>
-                  <a:srgbClr val="00B050"/>
-                </a:solidFill>
-                <a:latin typeface="Comic Sans MS" pitchFamily="66" charset="0"/>
-              </a:rPr>
-              <a:t>3</a:t>
-            </a:r>
-            <a:r>
-              <a:rPr lang="en-US" sz="4400" dirty="0" smtClean="0">
-                <a:solidFill>
-                  <a:srgbClr val="00B050"/>
-                </a:solidFill>
-                <a:latin typeface="Comic Sans MS" pitchFamily="66" charset="0"/>
-              </a:rPr>
-              <a:t>,</a:t>
-            </a:r>
-            <a:r>
-              <a:rPr lang="en-US" sz="4400" baseline="-25000" dirty="0" smtClean="0">
-                <a:solidFill>
-                  <a:srgbClr val="00B050"/>
-                </a:solidFill>
-                <a:latin typeface="Comic Sans MS" pitchFamily="66" charset="0"/>
-              </a:rPr>
-              <a:t> </a:t>
-            </a:r>
-            <a:r>
-              <a:rPr lang="en-US" sz="4400" dirty="0">
-                <a:solidFill>
-                  <a:srgbClr val="00B050"/>
-                </a:solidFill>
-                <a:latin typeface="Comic Sans MS" pitchFamily="66" charset="0"/>
-              </a:rPr>
-              <a:t>a</a:t>
-            </a:r>
-            <a:r>
-              <a:rPr lang="en-US" sz="4400" baseline="-25000" dirty="0">
-                <a:solidFill>
-                  <a:srgbClr val="00B050"/>
-                </a:solidFill>
-                <a:latin typeface="Comic Sans MS" pitchFamily="66" charset="0"/>
-              </a:rPr>
-              <a:t>4</a:t>
-            </a:r>
-            <a:r>
-              <a:rPr lang="en-US" sz="4400" dirty="0">
-                <a:solidFill>
-                  <a:srgbClr val="00B050"/>
-                </a:solidFill>
-                <a:latin typeface="Comic Sans MS" pitchFamily="66" charset="0"/>
-              </a:rPr>
-              <a:t>}</a:t>
-            </a:r>
-          </a:p>
-          <a:p>
-            <a:pPr marL="342900" indent="-342900">
-              <a:defRPr/>
-            </a:pPr>
-            <a:r>
-              <a:rPr lang="en-US" sz="4000" dirty="0" smtClean="0">
-                <a:latin typeface="Comic Sans MS" pitchFamily="66" charset="0"/>
-              </a:rPr>
-              <a:t>so does</a:t>
-            </a:r>
-            <a:r>
-              <a:rPr lang="en-US" sz="4000" dirty="0" smtClean="0">
-                <a:solidFill>
-                  <a:srgbClr val="3333CC"/>
-                </a:solidFill>
-                <a:latin typeface="Comic Sans MS" pitchFamily="66" charset="0"/>
-              </a:rPr>
-              <a:t>  </a:t>
-            </a:r>
-            <a:r>
-              <a:rPr lang="en-US" sz="4800" dirty="0" smtClean="0">
-                <a:solidFill>
-                  <a:srgbClr val="3333CC"/>
-                </a:solidFill>
-                <a:latin typeface="Comic Sans MS" pitchFamily="66" charset="0"/>
-              </a:rPr>
-              <a:t>a</a:t>
-            </a:r>
-            <a:r>
-              <a:rPr lang="en-US" sz="4800" baseline="-25000" dirty="0" smtClean="0">
-                <a:solidFill>
-                  <a:srgbClr val="3333CC"/>
-                </a:solidFill>
-                <a:latin typeface="Comic Sans MS" pitchFamily="66" charset="0"/>
-              </a:rPr>
-              <a:t>1 </a:t>
-            </a:r>
-            <a:r>
-              <a:rPr lang="en-US" sz="4800" dirty="0">
-                <a:solidFill>
-                  <a:srgbClr val="3333CC"/>
-                </a:solidFill>
-                <a:latin typeface="Comic Sans MS" pitchFamily="66" charset="0"/>
-              </a:rPr>
-              <a:t>a</a:t>
-            </a:r>
-            <a:r>
-              <a:rPr lang="en-US" sz="4800" baseline="-25000" dirty="0">
-                <a:solidFill>
-                  <a:schemeClr val="accent1">
-                    <a:lumMod val="50000"/>
-                  </a:schemeClr>
-                </a:solidFill>
-                <a:latin typeface="Comic Sans MS" pitchFamily="66" charset="0"/>
-              </a:rPr>
-              <a:t>3</a:t>
-            </a:r>
-            <a:r>
-              <a:rPr lang="en-US" sz="4800" baseline="-25000" dirty="0">
-                <a:solidFill>
-                  <a:srgbClr val="3333CC"/>
-                </a:solidFill>
-                <a:latin typeface="Comic Sans MS" pitchFamily="66" charset="0"/>
-              </a:rPr>
-              <a:t> </a:t>
-            </a:r>
-            <a:r>
-              <a:rPr lang="en-US" sz="4800" dirty="0">
-                <a:solidFill>
-                  <a:srgbClr val="3333CC"/>
-                </a:solidFill>
-                <a:latin typeface="Comic Sans MS" pitchFamily="66" charset="0"/>
-              </a:rPr>
-              <a:t>a</a:t>
-            </a:r>
-            <a:r>
-              <a:rPr lang="en-US" sz="4800" baseline="-25000" dirty="0">
-                <a:solidFill>
-                  <a:schemeClr val="accent1">
-                    <a:lumMod val="50000"/>
-                  </a:schemeClr>
-                </a:solidFill>
-                <a:latin typeface="Comic Sans MS" pitchFamily="66" charset="0"/>
-              </a:rPr>
-              <a:t>2</a:t>
-            </a:r>
-            <a:r>
-              <a:rPr lang="en-US" sz="4800" baseline="-25000" dirty="0">
-                <a:solidFill>
-                  <a:srgbClr val="3333CC"/>
-                </a:solidFill>
-                <a:latin typeface="Comic Sans MS" pitchFamily="66" charset="0"/>
-              </a:rPr>
-              <a:t> </a:t>
-            </a:r>
-            <a:r>
-              <a:rPr lang="en-US" sz="4800" dirty="0">
-                <a:solidFill>
-                  <a:srgbClr val="3333CC"/>
-                </a:solidFill>
-                <a:latin typeface="Comic Sans MS" pitchFamily="66" charset="0"/>
-              </a:rPr>
-              <a:t>a</a:t>
-            </a:r>
-            <a:r>
-              <a:rPr lang="en-US" sz="4800" baseline="-25000" dirty="0">
-                <a:solidFill>
-                  <a:srgbClr val="3333CC"/>
-                </a:solidFill>
-                <a:latin typeface="Comic Sans MS" pitchFamily="66" charset="0"/>
-              </a:rPr>
-              <a:t>4 </a:t>
-            </a:r>
-            <a:r>
-              <a:rPr lang="en-US" sz="4800" dirty="0" smtClean="0">
-                <a:solidFill>
-                  <a:srgbClr val="3333CC"/>
-                </a:solidFill>
-                <a:latin typeface="Comic Sans MS" pitchFamily="66" charset="0"/>
-              </a:rPr>
-              <a:t>a</a:t>
-            </a:r>
-            <a:r>
-              <a:rPr lang="en-US" sz="4800" baseline="-25000" dirty="0" smtClean="0">
-                <a:solidFill>
-                  <a:srgbClr val="FF00FF"/>
-                </a:solidFill>
-                <a:latin typeface="Comic Sans MS" pitchFamily="66" charset="0"/>
-              </a:rPr>
-              <a:t>13 </a:t>
-            </a:r>
-            <a:r>
-              <a:rPr lang="en-US" sz="4800" dirty="0" smtClean="0">
-                <a:solidFill>
-                  <a:srgbClr val="3333CC"/>
-                </a:solidFill>
-                <a:latin typeface="Comic Sans MS" pitchFamily="66" charset="0"/>
-                <a:sym typeface="Euclid Extra" pitchFamily="18" charset="2"/>
-              </a:rPr>
-              <a:t>… </a:t>
-            </a:r>
-            <a:r>
-              <a:rPr lang="en-US" sz="4800" dirty="0" smtClean="0">
-                <a:solidFill>
-                  <a:srgbClr val="3333CC"/>
-                </a:solidFill>
-                <a:latin typeface="Comic Sans MS" pitchFamily="66" charset="0"/>
-              </a:rPr>
-              <a:t>a</a:t>
-            </a:r>
-            <a:r>
-              <a:rPr lang="en-US" sz="4800" baseline="-25000" dirty="0" smtClean="0">
-                <a:solidFill>
-                  <a:srgbClr val="FF00FF"/>
-                </a:solidFill>
-                <a:latin typeface="Comic Sans MS" pitchFamily="66" charset="0"/>
-              </a:rPr>
-              <a:t>12</a:t>
-            </a:r>
-            <a:r>
-              <a:rPr lang="en-US" sz="4800" baseline="-25000" dirty="0" smtClean="0">
-                <a:solidFill>
-                  <a:srgbClr val="3333CC"/>
-                </a:solidFill>
-                <a:latin typeface="Comic Sans MS" pitchFamily="66" charset="0"/>
-              </a:rPr>
-              <a:t> </a:t>
-            </a:r>
-            <a:r>
-              <a:rPr lang="en-US" sz="4800" dirty="0" smtClean="0">
-                <a:solidFill>
-                  <a:srgbClr val="3333CC"/>
-                </a:solidFill>
-                <a:latin typeface="Comic Sans MS" pitchFamily="66" charset="0"/>
-              </a:rPr>
-              <a:t>a</a:t>
-            </a:r>
-            <a:r>
-              <a:rPr lang="en-US" sz="4800" baseline="-25000" dirty="0" smtClean="0">
-                <a:solidFill>
-                  <a:srgbClr val="FF00FF"/>
-                </a:solidFill>
-                <a:latin typeface="Comic Sans MS" pitchFamily="66" charset="0"/>
-              </a:rPr>
-              <a:t>5</a:t>
-            </a:r>
-          </a:p>
-          <a:p>
-            <a:pPr marL="342900" indent="-342900">
-              <a:defRPr/>
-            </a:pPr>
-            <a:endParaRPr lang="en-US" sz="4800" baseline="-25000" dirty="0" smtClean="0">
-              <a:solidFill>
-                <a:srgbClr val="FF00FF"/>
-              </a:solidFill>
-              <a:latin typeface="Comic Sans MS" pitchFamily="66" charset="0"/>
-            </a:endParaRPr>
-          </a:p>
-          <a:p>
-            <a:pPr marL="342900" indent="-342900">
-              <a:defRPr/>
-            </a:pPr>
-            <a:r>
-              <a:rPr lang="en-US" sz="4800" dirty="0" smtClean="0">
-                <a:latin typeface="Comic Sans MS" pitchFamily="66" charset="0"/>
-              </a:rPr>
-              <a:t>all map to same set</a:t>
-            </a:r>
-          </a:p>
-        </p:txBody>
-      </p:sp>
-      <p:sp>
-        <p:nvSpPr>
-          <p:cNvPr id="396294" name="Text Box 6"/>
-          <p:cNvSpPr txBox="1">
-            <a:spLocks noChangeArrowheads="1"/>
-          </p:cNvSpPr>
-          <p:nvPr/>
-        </p:nvSpPr>
-        <p:spPr bwMode="auto">
-          <a:xfrm>
-            <a:off x="3276600" y="5410200"/>
-            <a:ext cx="3629118" cy="1015663"/>
-          </a:xfrm>
-          <a:prstGeom prst="rect">
-            <a:avLst/>
-          </a:prstGeom>
-          <a:noFill/>
-          <a:ln w="31750">
-            <a:noFill/>
-            <a:prstDash val="sysDot"/>
-            <a:miter lim="800000"/>
-            <a:headEnd/>
-            <a:tailEnd/>
-          </a:ln>
-        </p:spPr>
-        <p:txBody>
-          <a:bodyPr wrap="none">
-            <a:spAutoFit/>
-          </a:bodyPr>
-          <a:lstStyle/>
-          <a:p>
-            <a:pPr marL="342900" indent="-342900">
-              <a:defRPr/>
-            </a:pPr>
-            <a:r>
-              <a:rPr lang="en-US" sz="6000" dirty="0">
-                <a:solidFill>
-                  <a:srgbClr val="A92082"/>
-                </a:solidFill>
-                <a:latin typeface="Comic Sans MS" pitchFamily="66" charset="0"/>
-              </a:rPr>
-              <a:t>4</a:t>
-            </a:r>
-            <a:r>
-              <a:rPr lang="en-US" sz="6000" dirty="0" smtClean="0">
-                <a:solidFill>
-                  <a:srgbClr val="A92082"/>
-                </a:solidFill>
-                <a:latin typeface="Comic Sans MS" pitchFamily="66" charset="0"/>
-              </a:rPr>
-              <a:t>!</a:t>
-            </a:r>
-            <a:r>
-              <a:rPr lang="en-US" sz="6000" dirty="0" smtClean="0">
-                <a:solidFill>
-                  <a:srgbClr val="A92082"/>
-                </a:solidFill>
-                <a:latin typeface="Comic Sans MS" pitchFamily="66" charset="0"/>
-                <a:sym typeface="Euclid Symbol" pitchFamily="18" charset="2"/>
-              </a:rPr>
-              <a:t>⋅</a:t>
-            </a:r>
-            <a:r>
-              <a:rPr lang="en-US" sz="6000" dirty="0" smtClean="0">
-                <a:solidFill>
-                  <a:srgbClr val="A92082"/>
-                </a:solidFill>
-                <a:latin typeface="Comic Sans MS" pitchFamily="66" charset="0"/>
-              </a:rPr>
-              <a:t>9</a:t>
-            </a:r>
-            <a:r>
-              <a:rPr lang="en-US" sz="6000" dirty="0">
-                <a:solidFill>
-                  <a:srgbClr val="A92082"/>
-                </a:solidFill>
-                <a:latin typeface="Comic Sans MS" pitchFamily="66" charset="0"/>
-              </a:rPr>
-              <a:t>!-to-1</a:t>
-            </a:r>
-          </a:p>
-        </p:txBody>
-      </p:sp>
-      <p:sp>
-        <p:nvSpPr>
-          <p:cNvPr id="5127" name="Rectangle 11"/>
-          <p:cNvSpPr>
-            <a:spLocks noChangeArrowheads="1"/>
-          </p:cNvSpPr>
-          <p:nvPr/>
-        </p:nvSpPr>
-        <p:spPr bwMode="auto">
-          <a:xfrm>
-            <a:off x="411480" y="1625600"/>
-            <a:ext cx="2560320" cy="584200"/>
-          </a:xfrm>
-          <a:prstGeom prst="rect">
-            <a:avLst/>
-          </a:prstGeom>
-          <a:noFill/>
-          <a:ln w="38100" algn="ctr">
-            <a:solidFill>
-              <a:srgbClr val="008000"/>
-            </a:solidFill>
-            <a:round/>
-            <a:headEnd/>
-            <a:tailEnd type="triangle" w="med" len="med"/>
-          </a:ln>
-        </p:spPr>
-        <p:txBody>
-          <a:bodyPr>
-            <a:spAutoFit/>
-          </a:bodyPr>
-          <a:lstStyle/>
-          <a:p>
-            <a:pPr marL="342900" indent="-342900"/>
-            <a:endParaRPr lang="en-US" dirty="0"/>
-          </a:p>
-        </p:txBody>
-      </p:sp>
-      <p:grpSp>
-        <p:nvGrpSpPr>
-          <p:cNvPr id="14" name="Group 13"/>
-          <p:cNvGrpSpPr/>
-          <p:nvPr/>
-        </p:nvGrpSpPr>
-        <p:grpSpPr>
-          <a:xfrm>
-            <a:off x="2453640" y="3810000"/>
-            <a:ext cx="2651760" cy="860286"/>
-            <a:chOff x="2453640" y="3810000"/>
-            <a:chExt cx="2651760" cy="860286"/>
-          </a:xfrm>
-        </p:grpSpPr>
-        <p:sp>
-          <p:nvSpPr>
-            <p:cNvPr id="8" name="Left Brace 7"/>
-            <p:cNvSpPr/>
-            <p:nvPr/>
-          </p:nvSpPr>
-          <p:spPr bwMode="auto">
-            <a:xfrm rot="16200000">
-              <a:off x="3688080" y="2575560"/>
-              <a:ext cx="182880" cy="2651760"/>
-            </a:xfrm>
-            <a:prstGeom prst="leftBrace">
-              <a:avLst/>
-            </a:prstGeom>
-            <a:noFill/>
-            <a:ln w="34925" cap="flat" cmpd="sng" algn="ctr">
-              <a:solidFill>
-                <a:schemeClr val="tx1"/>
-              </a:solidFill>
-              <a:prstDash val="solid"/>
-              <a:round/>
-              <a:headEnd type="none" w="med" len="med"/>
-              <a:tailEnd type="none" w="med" len="med"/>
-            </a:ln>
-            <a:effectLst/>
-          </p:spPr>
-          <p:txBody>
-            <a:bodyPr vert="horz" wrap="square" lIns="91440" tIns="45720" rIns="91440" bIns="45720" numCol="1" rtlCol="0" anchor="t" anchorCtr="0" compatLnSpc="1">
-              <a:prstTxWarp prst="textNoShape">
-                <a:avLst/>
-              </a:prstTxWarp>
-              <a:spAutoFit/>
-            </a:bodyPr>
-            <a:lstStyle/>
-            <a:p>
-              <a:pPr marL="342900" marR="0" indent="-342900" algn="l" defTabSz="914400" rtl="0" eaLnBrk="1" fontAlgn="base" latinLnBrk="0" hangingPunct="1">
-                <a:lnSpc>
-                  <a:spcPct val="100000"/>
-                </a:lnSpc>
-                <a:spcBef>
-                  <a:spcPct val="20000"/>
-                </a:spcBef>
-                <a:spcAft>
-                  <a:spcPct val="0"/>
-                </a:spcAft>
-                <a:buClrTx/>
-                <a:buSzTx/>
-                <a:buFontTx/>
-                <a:buNone/>
-                <a:tabLst/>
-              </a:pPr>
-              <a:endParaRPr kumimoji="0" lang="en-US" sz="3200" b="0" i="0" u="none" strike="noStrike" cap="none" normalizeH="0" baseline="0" dirty="0" smtClean="0">
-                <a:ln>
-                  <a:noFill/>
-                </a:ln>
-                <a:solidFill>
-                  <a:schemeClr val="tx1"/>
-                </a:solidFill>
-                <a:effectLst/>
-                <a:latin typeface="Times New Roman" pitchFamily="18" charset="0"/>
-              </a:endParaRPr>
-            </a:p>
-          </p:txBody>
-        </p:sp>
-        <p:sp>
-          <p:nvSpPr>
-            <p:cNvPr id="10" name="TextBox 9"/>
-            <p:cNvSpPr txBox="1"/>
-            <p:nvPr/>
-          </p:nvSpPr>
-          <p:spPr>
-            <a:xfrm>
-              <a:off x="2653114" y="3962400"/>
-              <a:ext cx="2223686" cy="707886"/>
-            </a:xfrm>
-            <a:prstGeom prst="rect">
-              <a:avLst/>
-            </a:prstGeom>
-            <a:noFill/>
-          </p:spPr>
-          <p:txBody>
-            <a:bodyPr wrap="none" rtlCol="0">
-              <a:spAutoFit/>
-            </a:bodyPr>
-            <a:lstStyle/>
-            <a:p>
-              <a:r>
-                <a:rPr lang="en-US" sz="4000" dirty="0" smtClean="0">
-                  <a:solidFill>
-                    <a:schemeClr val="accent1">
-                      <a:lumMod val="50000"/>
-                    </a:schemeClr>
-                  </a:solidFill>
-                  <a:latin typeface="Comic Sans MS" pitchFamily="66" charset="0"/>
-                </a:rPr>
-                <a:t>4! </a:t>
-              </a:r>
-              <a:r>
-                <a:rPr lang="en-US" sz="4000" dirty="0" smtClean="0">
-                  <a:latin typeface="Comic Sans MS" pitchFamily="66" charset="0"/>
-                </a:rPr>
-                <a:t>perms</a:t>
-              </a:r>
-              <a:endParaRPr lang="en-US" sz="4000" dirty="0"/>
-            </a:p>
-          </p:txBody>
-        </p:sp>
-      </p:grpSp>
-      <p:grpSp>
-        <p:nvGrpSpPr>
-          <p:cNvPr id="15" name="Group 14"/>
-          <p:cNvGrpSpPr/>
-          <p:nvPr/>
-        </p:nvGrpSpPr>
-        <p:grpSpPr>
-          <a:xfrm>
-            <a:off x="5242560" y="3810001"/>
-            <a:ext cx="2834640" cy="885110"/>
-            <a:chOff x="5242560" y="3810001"/>
-            <a:chExt cx="2834640" cy="885110"/>
-          </a:xfrm>
-        </p:grpSpPr>
-        <p:sp>
-          <p:nvSpPr>
-            <p:cNvPr id="9" name="Left Brace 8"/>
-            <p:cNvSpPr/>
-            <p:nvPr/>
-          </p:nvSpPr>
-          <p:spPr bwMode="auto">
-            <a:xfrm rot="16200000">
-              <a:off x="6568440" y="2484121"/>
-              <a:ext cx="182880" cy="2834640"/>
-            </a:xfrm>
-            <a:prstGeom prst="leftBrace">
-              <a:avLst/>
-            </a:prstGeom>
-            <a:noFill/>
-            <a:ln w="34925" cap="flat" cmpd="sng" algn="ctr">
-              <a:solidFill>
-                <a:schemeClr val="tx1"/>
-              </a:solidFill>
-              <a:prstDash val="solid"/>
-              <a:round/>
-              <a:headEnd type="none" w="med" len="med"/>
-              <a:tailEnd type="none" w="med" len="med"/>
-            </a:ln>
-            <a:effectLst/>
-          </p:spPr>
-          <p:txBody>
-            <a:bodyPr vert="horz" wrap="square" lIns="91440" tIns="45720" rIns="91440" bIns="45720" numCol="1" rtlCol="0" anchor="t" anchorCtr="0" compatLnSpc="1">
-              <a:prstTxWarp prst="textNoShape">
-                <a:avLst/>
-              </a:prstTxWarp>
-              <a:spAutoFit/>
-            </a:bodyPr>
-            <a:lstStyle/>
-            <a:p>
-              <a:pPr marL="342900" marR="0" indent="-342900" algn="l" defTabSz="914400" rtl="0" eaLnBrk="1" fontAlgn="base" latinLnBrk="0" hangingPunct="1">
-                <a:lnSpc>
-                  <a:spcPct val="100000"/>
-                </a:lnSpc>
-                <a:spcBef>
-                  <a:spcPct val="20000"/>
-                </a:spcBef>
-                <a:spcAft>
-                  <a:spcPct val="0"/>
-                </a:spcAft>
-                <a:buClrTx/>
-                <a:buSzTx/>
-                <a:buFontTx/>
-                <a:buNone/>
-                <a:tabLst/>
-              </a:pPr>
-              <a:endParaRPr kumimoji="0" lang="en-US" sz="3200" b="0" i="0" u="none" strike="noStrike" cap="none" normalizeH="0" baseline="0" dirty="0" smtClean="0">
-                <a:ln>
-                  <a:noFill/>
-                </a:ln>
-                <a:solidFill>
-                  <a:schemeClr val="tx1"/>
-                </a:solidFill>
-                <a:effectLst/>
-                <a:latin typeface="Times New Roman" pitchFamily="18" charset="0"/>
-              </a:endParaRPr>
-            </a:p>
-          </p:txBody>
-        </p:sp>
-        <p:sp>
-          <p:nvSpPr>
-            <p:cNvPr id="12" name="TextBox 11"/>
-            <p:cNvSpPr txBox="1"/>
-            <p:nvPr/>
-          </p:nvSpPr>
-          <p:spPr>
-            <a:xfrm>
-              <a:off x="5548714" y="3987225"/>
-              <a:ext cx="2223686" cy="707886"/>
-            </a:xfrm>
-            <a:prstGeom prst="rect">
-              <a:avLst/>
-            </a:prstGeom>
-            <a:noFill/>
-          </p:spPr>
-          <p:txBody>
-            <a:bodyPr wrap="none" rtlCol="0">
-              <a:spAutoFit/>
-            </a:bodyPr>
-            <a:lstStyle/>
-            <a:p>
-              <a:r>
-                <a:rPr lang="en-US" sz="4000" dirty="0" smtClean="0">
-                  <a:solidFill>
-                    <a:schemeClr val="accent1">
-                      <a:lumMod val="50000"/>
-                    </a:schemeClr>
-                  </a:solidFill>
-                  <a:latin typeface="Comic Sans MS" pitchFamily="66" charset="0"/>
-                </a:rPr>
-                <a:t>9! </a:t>
-              </a:r>
-              <a:r>
-                <a:rPr lang="en-US" sz="4000" dirty="0" smtClean="0">
-                  <a:latin typeface="Comic Sans MS" pitchFamily="66" charset="0"/>
-                </a:rPr>
-                <a:t>perms</a:t>
-              </a:r>
-              <a:endParaRPr lang="en-US" sz="4000" dirty="0" smtClean="0"/>
-            </a:p>
-          </p:txBody>
-        </p:sp>
-      </p:grpSp>
-    </p:spTree>
-  </p:cSld>
-  <p:clrMapOvr>
-    <a:masterClrMapping/>
-  </p:clrMapOvr>
-  <mc:AlternateContent xmlns:mc="http://schemas.openxmlformats.org/markup-compatibility/2006" xmlns:p14="http://schemas.microsoft.com/office/powerpoint/2010/main">
-    <mc:Choice Requires="p14">
-      <p:transition spd="slow" p14:dur="900" advClick="0">
-        <p:fade/>
-      </p:transition>
-    </mc:Choice>
-    <mc:Fallback xmlns="">
-      <p:transition xmlns:p14="http://schemas.microsoft.com/office/powerpoint/2010/main" spd="slow" advClick="0">
-        <p:fade/>
-      </p:transition>
-    </mc:Fallback>
-  </mc:AlternateContent>
-  <p:timing>
-    <p:tnLst>
-      <p:par>
-        <p:cTn xmlns:p14="http://schemas.microsoft.com/office/powerpoint/2010/main" id="1" dur="indefinite" restart="never" nodeType="tmRoot">
-          <p:childTnLst>
-            <p:seq concurrent="1" nextAc="seek">
-              <p:cTn id="2" dur="indefinite" nodeType="mainSeq">
-                <p:childTnLst>
-                  <p:par>
-                    <p:cTn id="3" fill="hold">
-                      <p:stCondLst>
-                        <p:cond delay="indefinite"/>
-                      </p:stCondLst>
-                      <p:childTnLst>
-                        <p:par>
-                          <p:cTn id="4" fill="hold">
-                            <p:stCondLst>
-                              <p:cond delay="0"/>
-                            </p:stCondLst>
-                            <p:childTnLst>
-                              <p:par>
-                                <p:cTn id="5" presetID="10" presetClass="entr" presetSubtype="0" fill="hold" nodeType="clickEffect">
-                                  <p:stCondLst>
-                                    <p:cond delay="0"/>
-                                  </p:stCondLst>
-                                  <p:childTnLst>
-                                    <p:set>
-                                      <p:cBhvr>
-                                        <p:cTn id="6" dur="1" fill="hold">
-                                          <p:stCondLst>
-                                            <p:cond delay="0"/>
-                                          </p:stCondLst>
-                                        </p:cTn>
-                                        <p:tgtEl>
-                                          <p:spTgt spid="10246">
-                                            <p:txEl>
-                                              <p:pRg st="2" end="2"/>
-                                            </p:txEl>
-                                          </p:spTgt>
-                                        </p:tgtEl>
-                                        <p:attrNameLst>
-                                          <p:attrName>style.visibility</p:attrName>
-                                        </p:attrNameLst>
-                                      </p:cBhvr>
-                                      <p:to>
-                                        <p:strVal val="visible"/>
-                                      </p:to>
-                                    </p:set>
-                                    <p:animEffect transition="in" filter="fade">
-                                      <p:cBhvr>
-                                        <p:cTn id="7" dur="500"/>
-                                        <p:tgtEl>
-                                          <p:spTgt spid="10246">
-                                            <p:txEl>
-                                              <p:pRg st="2" end="2"/>
-                                            </p:txEl>
-                                          </p:spTgt>
-                                        </p:tgtEl>
-                                      </p:cBhvr>
-                                    </p:animEffect>
-                                  </p:childTnLst>
-                                </p:cTn>
-                              </p:par>
-                            </p:childTnLst>
-                          </p:cTn>
-                        </p:par>
-                      </p:childTnLst>
-                    </p:cTn>
-                  </p:par>
-                  <p:par>
-                    <p:cTn id="8" fill="hold">
-                      <p:stCondLst>
-                        <p:cond delay="indefinite"/>
-                      </p:stCondLst>
-                      <p:childTnLst>
-                        <p:par>
-                          <p:cTn id="9" fill="hold">
-                            <p:stCondLst>
-                              <p:cond delay="0"/>
-                            </p:stCondLst>
-                            <p:childTnLst>
-                              <p:par>
-                                <p:cTn id="10" presetID="2" presetClass="entr" presetSubtype="8" fill="hold" nodeType="clickEffect">
-                                  <p:stCondLst>
-                                    <p:cond delay="0"/>
-                                  </p:stCondLst>
-                                  <p:childTnLst>
-                                    <p:set>
-                                      <p:cBhvr>
-                                        <p:cTn id="11" dur="1" fill="hold">
-                                          <p:stCondLst>
-                                            <p:cond delay="0"/>
-                                          </p:stCondLst>
-                                        </p:cTn>
-                                        <p:tgtEl>
-                                          <p:spTgt spid="14"/>
-                                        </p:tgtEl>
-                                        <p:attrNameLst>
-                                          <p:attrName>style.visibility</p:attrName>
-                                        </p:attrNameLst>
-                                      </p:cBhvr>
-                                      <p:to>
-                                        <p:strVal val="visible"/>
-                                      </p:to>
-                                    </p:set>
-                                    <p:anim calcmode="lin" valueType="num">
-                                      <p:cBhvr additive="base">
-                                        <p:cTn id="12" dur="500" fill="hold"/>
-                                        <p:tgtEl>
-                                          <p:spTgt spid="14"/>
-                                        </p:tgtEl>
-                                        <p:attrNameLst>
-                                          <p:attrName>ppt_x</p:attrName>
-                                        </p:attrNameLst>
-                                      </p:cBhvr>
-                                      <p:tavLst>
-                                        <p:tav tm="0">
-                                          <p:val>
-                                            <p:strVal val="0-#ppt_w/2"/>
-                                          </p:val>
-                                        </p:tav>
-                                        <p:tav tm="100000">
-                                          <p:val>
-                                            <p:strVal val="#ppt_x"/>
-                                          </p:val>
-                                        </p:tav>
-                                      </p:tavLst>
-                                    </p:anim>
-                                    <p:anim calcmode="lin" valueType="num">
-                                      <p:cBhvr additive="base">
-                                        <p:cTn id="13" dur="500" fill="hold"/>
-                                        <p:tgtEl>
-                                          <p:spTgt spid="14"/>
-                                        </p:tgtEl>
-                                        <p:attrNameLst>
-                                          <p:attrName>ppt_y</p:attrName>
-                                        </p:attrNameLst>
-                                      </p:cBhvr>
-                                      <p:tavLst>
-                                        <p:tav tm="0">
-                                          <p:val>
-                                            <p:strVal val="#ppt_y"/>
-                                          </p:val>
-                                        </p:tav>
-                                        <p:tav tm="100000">
-                                          <p:val>
-                                            <p:strVal val="#ppt_y"/>
-                                          </p:val>
-                                        </p:tav>
-                                      </p:tavLst>
-                                    </p:anim>
-                                  </p:childTnLst>
-                                </p:cTn>
-                              </p:par>
-                            </p:childTnLst>
-                          </p:cTn>
-                        </p:par>
-                      </p:childTnLst>
-                    </p:cTn>
-                  </p:par>
-                  <p:par>
-                    <p:cTn id="14" fill="hold">
-                      <p:stCondLst>
-                        <p:cond delay="indefinite"/>
-                      </p:stCondLst>
-                      <p:childTnLst>
-                        <p:par>
-                          <p:cTn id="15" fill="hold">
-                            <p:stCondLst>
-                              <p:cond delay="0"/>
-                            </p:stCondLst>
-                            <p:childTnLst>
-                              <p:par>
-                                <p:cTn id="16" presetID="2" presetClass="entr" presetSubtype="2" fill="hold" nodeType="clickEffect">
-                                  <p:stCondLst>
-                                    <p:cond delay="0"/>
-                                  </p:stCondLst>
-                                  <p:childTnLst>
-                                    <p:set>
-                                      <p:cBhvr>
-                                        <p:cTn id="17" dur="1" fill="hold">
-                                          <p:stCondLst>
-                                            <p:cond delay="0"/>
-                                          </p:stCondLst>
-                                        </p:cTn>
-                                        <p:tgtEl>
-                                          <p:spTgt spid="15"/>
-                                        </p:tgtEl>
-                                        <p:attrNameLst>
-                                          <p:attrName>style.visibility</p:attrName>
-                                        </p:attrNameLst>
-                                      </p:cBhvr>
-                                      <p:to>
-                                        <p:strVal val="visible"/>
-                                      </p:to>
-                                    </p:set>
-                                    <p:anim calcmode="lin" valueType="num">
-                                      <p:cBhvr additive="base">
-                                        <p:cTn id="18" dur="500" fill="hold"/>
-                                        <p:tgtEl>
-                                          <p:spTgt spid="15"/>
-                                        </p:tgtEl>
-                                        <p:attrNameLst>
-                                          <p:attrName>ppt_x</p:attrName>
-                                        </p:attrNameLst>
-                                      </p:cBhvr>
-                                      <p:tavLst>
-                                        <p:tav tm="0">
-                                          <p:val>
-                                            <p:strVal val="1+#ppt_w/2"/>
-                                          </p:val>
-                                        </p:tav>
-                                        <p:tav tm="100000">
-                                          <p:val>
-                                            <p:strVal val="#ppt_x"/>
-                                          </p:val>
-                                        </p:tav>
-                                      </p:tavLst>
-                                    </p:anim>
-                                    <p:anim calcmode="lin" valueType="num">
-                                      <p:cBhvr additive="base">
-                                        <p:cTn id="19" dur="500" fill="hold"/>
-                                        <p:tgtEl>
-                                          <p:spTgt spid="15"/>
-                                        </p:tgtEl>
-                                        <p:attrNameLst>
-                                          <p:attrName>ppt_y</p:attrName>
-                                        </p:attrNameLst>
-                                      </p:cBhvr>
-                                      <p:tavLst>
-                                        <p:tav tm="0">
-                                          <p:val>
-                                            <p:strVal val="#ppt_y"/>
-                                          </p:val>
-                                        </p:tav>
-                                        <p:tav tm="100000">
-                                          <p:val>
-                                            <p:strVal val="#ppt_y"/>
-                                          </p:val>
-                                        </p:tav>
-                                      </p:tavLst>
-                                    </p:anim>
-                                  </p:childTnLst>
-                                </p:cTn>
-                              </p:par>
-                            </p:childTnLst>
-                          </p:cTn>
-                        </p:par>
-                      </p:childTnLst>
-                    </p:cTn>
-                  </p:par>
-                  <p:par>
-                    <p:cTn id="20" fill="hold">
-                      <p:stCondLst>
-                        <p:cond delay="indefinite"/>
-                      </p:stCondLst>
-                      <p:childTnLst>
-                        <p:par>
-                          <p:cTn id="21" fill="hold">
-                            <p:stCondLst>
-                              <p:cond delay="0"/>
-                            </p:stCondLst>
-                            <p:childTnLst>
-                              <p:par>
-                                <p:cTn id="22" presetID="10" presetClass="entr" presetSubtype="0" fill="hold" nodeType="clickEffect">
-                                  <p:stCondLst>
-                                    <p:cond delay="0"/>
-                                  </p:stCondLst>
-                                  <p:childTnLst>
-                                    <p:set>
-                                      <p:cBhvr>
-                                        <p:cTn id="23" dur="1" fill="hold">
-                                          <p:stCondLst>
-                                            <p:cond delay="0"/>
-                                          </p:stCondLst>
-                                        </p:cTn>
-                                        <p:tgtEl>
-                                          <p:spTgt spid="10246">
-                                            <p:txEl>
-                                              <p:pRg st="4" end="4"/>
-                                            </p:txEl>
-                                          </p:spTgt>
-                                        </p:tgtEl>
-                                        <p:attrNameLst>
-                                          <p:attrName>style.visibility</p:attrName>
-                                        </p:attrNameLst>
-                                      </p:cBhvr>
-                                      <p:to>
-                                        <p:strVal val="visible"/>
-                                      </p:to>
-                                    </p:set>
-                                    <p:animEffect transition="in" filter="fade">
-                                      <p:cBhvr>
-                                        <p:cTn id="24" dur="500"/>
-                                        <p:tgtEl>
-                                          <p:spTgt spid="10246">
-                                            <p:txEl>
-                                              <p:pRg st="4" end="4"/>
-                                            </p:txEl>
-                                          </p:spTgt>
-                                        </p:tgtEl>
-                                      </p:cBhvr>
-                                    </p:animEffect>
-                                  </p:childTnLst>
-                                </p:cTn>
-                              </p:par>
-                            </p:childTnLst>
-                          </p:cTn>
-                        </p:par>
-                      </p:childTnLst>
-                    </p:cTn>
-                  </p:par>
-                  <p:par>
-                    <p:cTn id="25" fill="hold">
-                      <p:stCondLst>
-                        <p:cond delay="indefinite"/>
-                      </p:stCondLst>
-                      <p:childTnLst>
-                        <p:par>
-                          <p:cTn id="26" fill="hold">
-                            <p:stCondLst>
-                              <p:cond delay="0"/>
-                            </p:stCondLst>
-                            <p:childTnLst>
-                              <p:par>
-                                <p:cTn id="27" presetID="10" presetClass="entr" presetSubtype="0" fill="hold" grpId="0" nodeType="clickEffect">
-                                  <p:stCondLst>
-                                    <p:cond delay="0"/>
-                                  </p:stCondLst>
-                                  <p:childTnLst>
-                                    <p:set>
-                                      <p:cBhvr>
-                                        <p:cTn id="28" dur="1" fill="hold">
-                                          <p:stCondLst>
-                                            <p:cond delay="0"/>
-                                          </p:stCondLst>
-                                        </p:cTn>
-                                        <p:tgtEl>
-                                          <p:spTgt spid="396294"/>
-                                        </p:tgtEl>
-                                        <p:attrNameLst>
-                                          <p:attrName>style.visibility</p:attrName>
-                                        </p:attrNameLst>
-                                      </p:cBhvr>
-                                      <p:to>
-                                        <p:strVal val="visible"/>
-                                      </p:to>
-                                    </p:set>
-                                    <p:animEffect transition="in" filter="fade">
-                                      <p:cBhvr>
-                                        <p:cTn id="29" dur="500"/>
-                                        <p:tgtEl>
-                                          <p:spTgt spid="396294"/>
-                                        </p:tgtEl>
-                                      </p:cBhvr>
-                                    </p:animEffect>
-                                  </p:childTnLst>
-                                </p:cTn>
-                              </p:par>
-                            </p:childTnLst>
-                          </p:cTn>
-                        </p:par>
-                      </p:childTnLst>
-                    </p:cTn>
-                  </p:par>
-                </p:childTnLst>
-              </p:cTn>
-              <p:prevCondLst>
-                <p:cond evt="onPrev" delay="0">
-                  <p:tgtEl>
-                    <p:sldTgt/>
-                  </p:tgtEl>
-                </p:cond>
-              </p:prevCondLst>
-              <p:nextCondLst>
-                <p:cond evt="onNext" delay="0">
-                  <p:tgtEl>
-                    <p:sldTgt/>
-                  </p:tgtEl>
-                </p:cond>
-              </p:nextCondLst>
-            </p:seq>
-          </p:childTnLst>
-        </p:cTn>
-      </p:par>
-    </p:tnLst>
-    <p:bldLst>
-      <p:bldP spid="396294" grpId="0"/>
-    </p:bldLst>
-  </p:timing>
-</p:sld>
-</file>
-
-<file path=ppt/slides/slide9.xml><?xml version="1.0" encoding="utf-8"?>
-<p:sld xmlns:a="http://schemas.openxmlformats.org/drawingml/2006/main" xmlns:r="http://schemas.openxmlformats.org/officeDocument/2006/relationships" xmlns:p="http://schemas.openxmlformats.org/presentationml/2006/main">
-  <p:cSld>
-    <p:spTree>
-      <p:nvGrpSpPr>
-        <p:cNvPr id="1" name=""/>
-        <p:cNvGrpSpPr/>
-        <p:nvPr/>
-      </p:nvGrpSpPr>
-      <p:grpSpPr>
-        <a:xfrm>
-          <a:off x="0" y="0"/>
-          <a:ext cx="0" cy="0"/>
-          <a:chOff x="0" y="0"/>
-          <a:chExt cx="0" cy="0"/>
-        </a:xfrm>
-      </p:grpSpPr>
-      <p:sp>
-        <p:nvSpPr>
-          <p:cNvPr id="7173" name="Slide Number Placeholder 3"/>
-          <p:cNvSpPr>
-            <a:spLocks noGrp="1"/>
-          </p:cNvSpPr>
-          <p:nvPr>
-            <p:ph type="sldNum" sz="quarter" idx="10"/>
-          </p:nvPr>
-        </p:nvSpPr>
-        <p:spPr>
-          <a:noFill/>
-        </p:spPr>
-        <p:txBody>
-          <a:bodyPr/>
-          <a:lstStyle/>
-          <a:p>
-            <a:r>
-              <a:rPr lang="en-US" dirty="0" smtClean="0"/>
-              <a:t>genprod.</a:t>
-            </a:r>
-            <a:fld id="{4A1AD96B-EC31-402A-B25B-394A5026C6BD}" type="slidenum">
-              <a:rPr lang="en-US" smtClean="0"/>
-              <a:pPr/>
-              <a:t>9</a:t>
-            </a:fld>
-            <a:endParaRPr lang="en-US" dirty="0" smtClean="0"/>
-          </a:p>
-        </p:txBody>
-      </p:sp>
-      <p:sp>
-        <p:nvSpPr>
-          <p:cNvPr id="7174" name="Rectangle 2"/>
-          <p:cNvSpPr>
-            <a:spLocks noGrp="1" noChangeArrowheads="1"/>
-          </p:cNvSpPr>
-          <p:nvPr>
-            <p:ph type="title"/>
-          </p:nvPr>
-        </p:nvSpPr>
-        <p:spPr/>
-        <p:txBody>
-          <a:bodyPr/>
-          <a:lstStyle/>
-          <a:p>
-            <a:pPr eaLnBrk="1" hangingPunct="1"/>
-            <a:r>
-              <a:rPr lang="en-US" dirty="0" smtClean="0"/>
-              <a:t>Counting Subsets</a:t>
-            </a:r>
-          </a:p>
-        </p:txBody>
-      </p:sp>
-      <p:graphicFrame>
-        <p:nvGraphicFramePr>
-          <p:cNvPr id="7170" name="Object 3"/>
-          <p:cNvGraphicFramePr>
-            <a:graphicFrameLocks noChangeAspect="1"/>
-          </p:cNvGraphicFramePr>
-          <p:nvPr/>
-        </p:nvGraphicFramePr>
-        <p:xfrm>
-          <a:off x="3022600" y="2514600"/>
-          <a:ext cx="914400" cy="198438"/>
-        </p:xfrm>
-        <a:graphic>
-          <a:graphicData uri="http://schemas.openxmlformats.org/presentationml/2006/ole">
-            <mc:AlternateContent xmlns:mc="http://schemas.openxmlformats.org/markup-compatibility/2006">
-              <mc:Choice xmlns:v="urn:schemas-microsoft-com:vml" Requires="v">
-                <p:oleObj spid="_x0000_s7259" name="Equation" r:id="rId4" imgW="914400" imgH="198720" progId="Equation.DSMT4">
-                  <p:embed/>
-                </p:oleObj>
-              </mc:Choice>
-              <mc:Fallback>
-                <p:oleObj name="Equation" r:id="rId4" imgW="914400" imgH="198720" progId="Equation.DSMT4">
-                  <p:embed/>
-                  <p:pic>
-                    <p:nvPicPr>
-                      <p:cNvPr id="0" name="Object 3"/>
-                      <p:cNvPicPr>
-                        <a:picLocks noChangeAspect="1" noChangeArrowheads="1"/>
-                      </p:cNvPicPr>
-                      <p:nvPr/>
-                    </p:nvPicPr>
-                    <p:blipFill>
-                      <a:blip r:embed="rId5">
-                        <a:extLst>
-                          <a:ext uri="{28A0092B-C50C-407E-A947-70E740481C1C}">
-                            <a14:useLocalDpi xmlns:a14="http://schemas.microsoft.com/office/drawing/2010/main" val="0"/>
-                          </a:ext>
-                        </a:extLst>
-                      </a:blip>
-                      <a:srcRect/>
-                      <a:stretch>
-                        <a:fillRect/>
-                      </a:stretch>
-                    </p:blipFill>
-                    <p:spPr bwMode="auto">
-                      <a:xfrm>
-                        <a:off x="3022600" y="2514600"/>
-                        <a:ext cx="914400" cy="198438"/>
-                      </a:xfrm>
-                      <a:prstGeom prst="rect">
-                        <a:avLst/>
-                      </a:prstGeom>
-                      <a:noFill/>
-                      <a:extLst>
-                        <a:ext uri="{909E8E84-426E-40dd-AFC4-6F175D3DCCD1}">
-                          <a14:hiddenFill xmlns:a14="http://schemas.microsoft.com/office/drawing/2010/main">
-                            <a:solidFill>
-                              <a:srgbClr val="FFFFFF"/>
-                            </a:solidFill>
-                          </a14:hiddenFill>
-                        </a:ext>
-                      </a:extLst>
-                    </p:spPr>
-                  </p:pic>
-                </p:oleObj>
-              </mc:Fallback>
-            </mc:AlternateContent>
-          </a:graphicData>
-        </a:graphic>
-      </p:graphicFrame>
-      <p:sp>
-        <p:nvSpPr>
-          <p:cNvPr id="397320" name="Text Box 8"/>
-          <p:cNvSpPr txBox="1">
-            <a:spLocks noChangeArrowheads="1"/>
-          </p:cNvSpPr>
-          <p:nvPr/>
-        </p:nvSpPr>
-        <p:spPr bwMode="auto">
-          <a:xfrm>
-            <a:off x="838200" y="2590800"/>
-            <a:ext cx="7543800" cy="838200"/>
-          </a:xfrm>
-          <a:prstGeom prst="rect">
-            <a:avLst/>
-          </a:prstGeom>
-          <a:noFill/>
-          <a:ln w="31750">
-            <a:noFill/>
-            <a:prstDash val="sysDot"/>
-            <a:miter lim="800000"/>
-            <a:headEnd/>
-            <a:tailEnd/>
-          </a:ln>
-        </p:spPr>
-        <p:txBody>
-          <a:bodyPr>
-            <a:spAutoFit/>
-          </a:bodyPr>
-          <a:lstStyle/>
-          <a:p>
-            <a:pPr marL="342900" indent="-342900">
-              <a:defRPr/>
-            </a:pPr>
-            <a:r>
-              <a:rPr lang="en-US" sz="4800" dirty="0">
-                <a:latin typeface="Comic Sans MS" pitchFamily="66" charset="0"/>
-              </a:rPr>
-              <a:t>so # of size </a:t>
-            </a:r>
-            <a:r>
-              <a:rPr lang="en-US" sz="4800" dirty="0">
-                <a:solidFill>
-                  <a:schemeClr val="accent1">
-                    <a:lumMod val="50000"/>
-                  </a:schemeClr>
-                </a:solidFill>
-                <a:latin typeface="Comic Sans MS" pitchFamily="66" charset="0"/>
-              </a:rPr>
-              <a:t>4</a:t>
-            </a:r>
-            <a:r>
-              <a:rPr lang="en-US" sz="4800" dirty="0">
-                <a:latin typeface="Comic Sans MS" pitchFamily="66" charset="0"/>
-              </a:rPr>
-              <a:t> subsets is</a:t>
-            </a:r>
-          </a:p>
-        </p:txBody>
-      </p:sp>
-      <p:graphicFrame>
-        <p:nvGraphicFramePr>
-          <p:cNvPr id="397321" name="Object 9"/>
-          <p:cNvGraphicFramePr>
-            <a:graphicFrameLocks noChangeAspect="1"/>
-          </p:cNvGraphicFramePr>
-          <p:nvPr>
-            <p:extLst>
-              <p:ext uri="{D42A27DB-BD31-4B8C-83A1-F6EECF244321}">
-                <p14:modId xmlns:p14="http://schemas.microsoft.com/office/powerpoint/2010/main" val="432765986"/>
-              </p:ext>
-            </p:extLst>
-          </p:nvPr>
-        </p:nvGraphicFramePr>
-        <p:xfrm>
-          <a:off x="4773613" y="3386138"/>
-          <a:ext cx="1593850" cy="2024062"/>
-        </p:xfrm>
-        <a:graphic>
-          <a:graphicData uri="http://schemas.openxmlformats.org/presentationml/2006/ole">
-            <mc:AlternateContent xmlns:mc="http://schemas.openxmlformats.org/markup-compatibility/2006">
-              <mc:Choice xmlns:v="urn:schemas-microsoft-com:vml" Requires="v">
-                <p:oleObj spid="_x0000_s7260" name="Equation" r:id="rId6" imgW="330200" imgH="419100" progId="Equation.DSMT4">
-                  <p:embed/>
-                </p:oleObj>
-              </mc:Choice>
-              <mc:Fallback>
-                <p:oleObj name="Equation" r:id="rId6" imgW="330200" imgH="419100" progId="Equation.DSMT4">
-                  <p:embed/>
-                  <p:pic>
-                    <p:nvPicPr>
-                      <p:cNvPr id="0" name="Object 9"/>
-                      <p:cNvPicPr>
-                        <a:picLocks noChangeAspect="1" noChangeArrowheads="1"/>
-                      </p:cNvPicPr>
-                      <p:nvPr/>
-                    </p:nvPicPr>
-                    <p:blipFill>
-                      <a:blip r:embed="rId7"/>
-                      <a:srcRect/>
-                      <a:stretch>
-                        <a:fillRect/>
-                      </a:stretch>
-                    </p:blipFill>
-                    <p:spPr bwMode="auto">
-                      <a:xfrm>
-                        <a:off x="4773613" y="3386138"/>
-                        <a:ext cx="1593850" cy="2024062"/>
-                      </a:xfrm>
-                      <a:prstGeom prst="rect">
-                        <a:avLst/>
-                      </a:prstGeom>
-                      <a:noFill/>
-                      <a:extLst/>
-                    </p:spPr>
-                  </p:pic>
-                </p:oleObj>
-              </mc:Fallback>
-            </mc:AlternateContent>
-          </a:graphicData>
-        </a:graphic>
-      </p:graphicFrame>
-      <p:graphicFrame>
-        <p:nvGraphicFramePr>
-          <p:cNvPr id="397322" name="Object 10"/>
-          <p:cNvGraphicFramePr>
-            <a:graphicFrameLocks noChangeAspect="1"/>
-          </p:cNvGraphicFramePr>
-          <p:nvPr/>
-        </p:nvGraphicFramePr>
-        <p:xfrm>
-          <a:off x="2008188" y="3429000"/>
-          <a:ext cx="2592387" cy="2073275"/>
-        </p:xfrm>
-        <a:graphic>
-          <a:graphicData uri="http://schemas.openxmlformats.org/presentationml/2006/ole">
-            <mc:AlternateContent xmlns:mc="http://schemas.openxmlformats.org/markup-compatibility/2006">
-              <mc:Choice xmlns:v="urn:schemas-microsoft-com:vml" Requires="v">
-                <p:oleObj spid="_x0000_s7261" name="Equation" r:id="rId8" imgW="571320" imgH="457200" progId="Equation.DSMT4">
-                  <p:embed/>
-                </p:oleObj>
-              </mc:Choice>
-              <mc:Fallback>
-                <p:oleObj name="Equation" r:id="rId8" imgW="571320" imgH="457200" progId="Equation.DSMT4">
-                  <p:embed/>
-                  <p:pic>
-                    <p:nvPicPr>
-                      <p:cNvPr id="0" name="Object 10"/>
-                      <p:cNvPicPr>
-                        <a:picLocks noChangeAspect="1" noChangeArrowheads="1"/>
-                      </p:cNvPicPr>
-                      <p:nvPr/>
-                    </p:nvPicPr>
-                    <p:blipFill>
-                      <a:blip r:embed="rId9">
-                        <a:extLst>
-                          <a:ext uri="{28A0092B-C50C-407E-A947-70E740481C1C}">
-                            <a14:useLocalDpi xmlns:a14="http://schemas.microsoft.com/office/drawing/2010/main" val="0"/>
-                          </a:ext>
-                        </a:extLst>
-                      </a:blip>
-                      <a:srcRect/>
-                      <a:stretch>
-                        <a:fillRect/>
-                      </a:stretch>
-                    </p:blipFill>
-                    <p:spPr bwMode="auto">
-                      <a:xfrm>
-                        <a:off x="2008188" y="3429000"/>
-                        <a:ext cx="2592387" cy="2073275"/>
-                      </a:xfrm>
-                      <a:prstGeom prst="rect">
-                        <a:avLst/>
-                      </a:prstGeom>
-                      <a:noFill/>
-                      <a:extLst>
-                        <a:ext uri="{909E8E84-426E-40dd-AFC4-6F175D3DCCD1}">
-                          <a14:hiddenFill xmlns:a14="http://schemas.microsoft.com/office/drawing/2010/main">
-                            <a:solidFill>
-                              <a:srgbClr val="FFFFFF"/>
-                            </a:solidFill>
-                          </a14:hiddenFill>
-                        </a:ext>
-                      </a:extLst>
-                    </p:spPr>
-                  </p:pic>
-                </p:oleObj>
-              </mc:Fallback>
-            </mc:AlternateContent>
-          </a:graphicData>
-        </a:graphic>
-      </p:graphicFrame>
-      <p:sp>
-        <p:nvSpPr>
-          <p:cNvPr id="397323" name="Text Box 11"/>
-          <p:cNvSpPr txBox="1">
-            <a:spLocks noChangeArrowheads="1"/>
-          </p:cNvSpPr>
-          <p:nvPr/>
-        </p:nvSpPr>
-        <p:spPr bwMode="auto">
-          <a:xfrm>
-            <a:off x="762000" y="1574800"/>
-            <a:ext cx="7575550" cy="1015663"/>
-          </a:xfrm>
-          <a:prstGeom prst="rect">
-            <a:avLst/>
-          </a:prstGeom>
-          <a:noFill/>
-          <a:ln w="31750">
-            <a:noFill/>
-            <a:prstDash val="sysDot"/>
-            <a:miter lim="800000"/>
-            <a:headEnd/>
-            <a:tailEnd/>
-          </a:ln>
-        </p:spPr>
-        <p:txBody>
-          <a:bodyPr>
-            <a:spAutoFit/>
-          </a:bodyPr>
-          <a:lstStyle/>
-          <a:p>
-            <a:pPr marL="342900" indent="-342900"/>
-            <a:r>
-              <a:rPr lang="en-US" sz="6000" dirty="0">
-                <a:solidFill>
-                  <a:srgbClr val="0000FF"/>
-                </a:solidFill>
-                <a:latin typeface="Comic Sans MS" pitchFamily="66" charset="0"/>
-              </a:rPr>
-              <a:t>13! = |A| </a:t>
-            </a:r>
-            <a:r>
-              <a:rPr lang="en-US" sz="6000" dirty="0">
-                <a:latin typeface="Comic Sans MS" pitchFamily="66" charset="0"/>
-              </a:rPr>
-              <a:t>=</a:t>
-            </a:r>
-            <a:r>
-              <a:rPr lang="en-US" sz="6000" dirty="0">
-                <a:solidFill>
-                  <a:srgbClr val="A92082"/>
-                </a:solidFill>
-                <a:latin typeface="Comic Sans MS" pitchFamily="66" charset="0"/>
-              </a:rPr>
-              <a:t> (4</a:t>
-            </a:r>
-            <a:r>
-              <a:rPr lang="en-US" sz="6000" dirty="0" smtClean="0">
-                <a:solidFill>
-                  <a:srgbClr val="A92082"/>
-                </a:solidFill>
-                <a:latin typeface="Comic Sans MS" pitchFamily="66" charset="0"/>
-              </a:rPr>
-              <a:t>!</a:t>
-            </a:r>
-            <a:r>
-              <a:rPr lang="en-US" sz="6000" dirty="0" smtClean="0">
-                <a:solidFill>
-                  <a:srgbClr val="A92082"/>
-                </a:solidFill>
-                <a:latin typeface="Comic Sans MS" pitchFamily="66" charset="0"/>
-                <a:sym typeface="Euclid Symbol" pitchFamily="18" charset="2"/>
-              </a:rPr>
-              <a:t>⋅</a:t>
-            </a:r>
-            <a:r>
-              <a:rPr lang="en-US" sz="6000" dirty="0" smtClean="0">
-                <a:solidFill>
-                  <a:srgbClr val="A92082"/>
-                </a:solidFill>
-                <a:latin typeface="Comic Sans MS" pitchFamily="66" charset="0"/>
-              </a:rPr>
-              <a:t>9</a:t>
-            </a:r>
-            <a:r>
-              <a:rPr lang="en-US" sz="6000" dirty="0">
-                <a:solidFill>
-                  <a:srgbClr val="A92082"/>
-                </a:solidFill>
-                <a:latin typeface="Comic Sans MS" pitchFamily="66" charset="0"/>
-              </a:rPr>
-              <a:t>!)</a:t>
-            </a:r>
-            <a:r>
-              <a:rPr lang="en-US" sz="6000" dirty="0">
-                <a:solidFill>
-                  <a:srgbClr val="3333CC"/>
-                </a:solidFill>
-                <a:latin typeface="Comic Sans MS" pitchFamily="66" charset="0"/>
-              </a:rPr>
-              <a:t>|</a:t>
-            </a:r>
-            <a:r>
-              <a:rPr lang="en-US" sz="6000" dirty="0">
-                <a:solidFill>
-                  <a:srgbClr val="00B050"/>
-                </a:solidFill>
-                <a:latin typeface="Comic Sans MS" pitchFamily="66" charset="0"/>
-              </a:rPr>
-              <a:t>B</a:t>
-            </a:r>
-            <a:r>
-              <a:rPr lang="en-US" sz="6000" dirty="0">
-                <a:solidFill>
-                  <a:srgbClr val="3333CC"/>
-                </a:solidFill>
-                <a:latin typeface="Comic Sans MS" pitchFamily="66" charset="0"/>
-              </a:rPr>
-              <a:t>|</a:t>
-            </a:r>
-          </a:p>
-        </p:txBody>
-      </p:sp>
-    </p:spTree>
-  </p:cSld>
-  <p:clrMapOvr>
-    <a:masterClrMapping/>
-  </p:clrMapOvr>
-  <mc:AlternateContent xmlns:mc="http://schemas.openxmlformats.org/markup-compatibility/2006" xmlns:p14="http://schemas.microsoft.com/office/powerpoint/2010/main">
-    <mc:Choice Requires="p14">
-      <p:transition spd="slow" p14:dur="900" advClick="0">
-        <p:fade/>
-      </p:transition>
-    </mc:Choice>
-    <mc:Fallback xmlns="">
-      <p:transition xmlns:p14="http://schemas.microsoft.com/office/powerpoint/2010/main" spd="slow" advClick="0">
-        <p:fade/>
-      </p:transition>
-    </mc:Fallback>
-  </mc:AlternateContent>
-  <p:timing>
-    <p:tnLst>
-      <p:par>
-        <p:cTn xmlns:p14="http://schemas.microsoft.com/office/powerpoint/2010/main" id="1" dur="indefinite" restart="never" nodeType="tmRoot">
-          <p:childTnLst>
-            <p:seq concurrent="1" nextAc="seek">
-              <p:cTn id="2" dur="indefinite" nodeType="mainSeq">
-                <p:childTnLst>
-                  <p:par>
-                    <p:cTn id="3" fill="hold">
-                      <p:stCondLst>
-                        <p:cond delay="indefinite"/>
-                      </p:stCondLst>
-                      <p:childTnLst>
-                        <p:par>
-                          <p:cTn id="4" fill="hold">
-                            <p:stCondLst>
-                              <p:cond delay="0"/>
-                            </p:stCondLst>
-                            <p:childTnLst>
-                              <p:par>
-                                <p:cTn id="5" presetID="9" presetClass="entr" presetSubtype="0" fill="hold" nodeType="clickEffect">
-                                  <p:stCondLst>
-                                    <p:cond delay="0"/>
-                                  </p:stCondLst>
-                                  <p:childTnLst>
-                                    <p:set>
-                                      <p:cBhvr>
-                                        <p:cTn id="6" dur="1" fill="hold">
-                                          <p:stCondLst>
-                                            <p:cond delay="0"/>
-                                          </p:stCondLst>
-                                        </p:cTn>
-                                        <p:tgtEl>
-                                          <p:spTgt spid="397320">
-                                            <p:txEl>
-                                              <p:pRg st="0" end="0"/>
-                                            </p:txEl>
-                                          </p:spTgt>
-                                        </p:tgtEl>
-                                        <p:attrNameLst>
-                                          <p:attrName>style.visibility</p:attrName>
-                                        </p:attrNameLst>
-                                      </p:cBhvr>
-                                      <p:to>
-                                        <p:strVal val="visible"/>
-                                      </p:to>
-                                    </p:set>
-                                    <p:animEffect transition="in" filter="dissolve">
-                                      <p:cBhvr>
-                                        <p:cTn id="7" dur="500"/>
-                                        <p:tgtEl>
-                                          <p:spTgt spid="397320">
-                                            <p:txEl>
-                                              <p:pRg st="0" end="0"/>
-                                            </p:txEl>
-                                          </p:spTgt>
-                                        </p:tgtEl>
-                                      </p:cBhvr>
-                                    </p:animEffect>
-                                  </p:childTnLst>
-                                </p:cTn>
-                              </p:par>
-                            </p:childTnLst>
-                          </p:cTn>
-                        </p:par>
-                        <p:par>
-                          <p:cTn id="8" fill="hold">
-                            <p:stCondLst>
-                              <p:cond delay="500"/>
-                            </p:stCondLst>
-                            <p:childTnLst>
-                              <p:par>
-                                <p:cTn id="9" presetID="9" presetClass="entr" presetSubtype="0" fill="hold" nodeType="afterEffect">
-                                  <p:stCondLst>
-                                    <p:cond delay="0"/>
-                                  </p:stCondLst>
-                                  <p:childTnLst>
-                                    <p:set>
-                                      <p:cBhvr>
-                                        <p:cTn id="10" dur="1" fill="hold">
-                                          <p:stCondLst>
-                                            <p:cond delay="0"/>
-                                          </p:stCondLst>
-                                        </p:cTn>
-                                        <p:tgtEl>
-                                          <p:spTgt spid="397321"/>
-                                        </p:tgtEl>
-                                        <p:attrNameLst>
-                                          <p:attrName>style.visibility</p:attrName>
-                                        </p:attrNameLst>
-                                      </p:cBhvr>
-                                      <p:to>
-                                        <p:strVal val="visible"/>
-                                      </p:to>
-                                    </p:set>
-                                    <p:animEffect transition="in" filter="dissolve">
-                                      <p:cBhvr>
-                                        <p:cTn id="11" dur="500"/>
-                                        <p:tgtEl>
-                                          <p:spTgt spid="397321"/>
-                                        </p:tgtEl>
-                                      </p:cBhvr>
-                                    </p:animEffect>
-                                  </p:childTnLst>
-                                </p:cTn>
-                              </p:par>
-                            </p:childTnLst>
-                          </p:cTn>
-                        </p:par>
-                      </p:childTnLst>
-                    </p:cTn>
-                  </p:par>
-                  <p:par>
-                    <p:cTn id="12" fill="hold">
-                      <p:stCondLst>
-                        <p:cond delay="indefinite"/>
-                      </p:stCondLst>
-                      <p:childTnLst>
-                        <p:par>
-                          <p:cTn id="13" fill="hold">
-                            <p:stCondLst>
-                              <p:cond delay="0"/>
-                            </p:stCondLst>
-                            <p:childTnLst>
-                              <p:par>
-                                <p:cTn id="14" presetID="15" presetClass="entr" presetSubtype="0" fill="hold" nodeType="clickEffect">
-                                  <p:stCondLst>
-                                    <p:cond delay="0"/>
-                                  </p:stCondLst>
-                                  <p:childTnLst>
-                                    <p:set>
-                                      <p:cBhvr>
-                                        <p:cTn id="15" dur="1" fill="hold">
-                                          <p:stCondLst>
-                                            <p:cond delay="0"/>
-                                          </p:stCondLst>
-                                        </p:cTn>
-                                        <p:tgtEl>
-                                          <p:spTgt spid="397322"/>
-                                        </p:tgtEl>
-                                        <p:attrNameLst>
-                                          <p:attrName>style.visibility</p:attrName>
-                                        </p:attrNameLst>
-                                      </p:cBhvr>
-                                      <p:to>
-                                        <p:strVal val="visible"/>
-                                      </p:to>
-                                    </p:set>
-                                    <p:anim calcmode="lin" valueType="num">
-                                      <p:cBhvr>
-                                        <p:cTn id="16" dur="1000" fill="hold"/>
-                                        <p:tgtEl>
-                                          <p:spTgt spid="397322"/>
-                                        </p:tgtEl>
-                                        <p:attrNameLst>
-                                          <p:attrName>ppt_w</p:attrName>
-                                        </p:attrNameLst>
-                                      </p:cBhvr>
-                                      <p:tavLst>
-                                        <p:tav tm="0">
-                                          <p:val>
-                                            <p:fltVal val="0"/>
-                                          </p:val>
-                                        </p:tav>
-                                        <p:tav tm="100000">
-                                          <p:val>
-                                            <p:strVal val="#ppt_w"/>
-                                          </p:val>
-                                        </p:tav>
-                                      </p:tavLst>
-                                    </p:anim>
-                                    <p:anim calcmode="lin" valueType="num">
-                                      <p:cBhvr>
-                                        <p:cTn id="17" dur="1000" fill="hold"/>
-                                        <p:tgtEl>
-                                          <p:spTgt spid="397322"/>
-                                        </p:tgtEl>
-                                        <p:attrNameLst>
-                                          <p:attrName>ppt_h</p:attrName>
-                                        </p:attrNameLst>
-                                      </p:cBhvr>
-                                      <p:tavLst>
-                                        <p:tav tm="0">
-                                          <p:val>
-                                            <p:fltVal val="0"/>
-                                          </p:val>
-                                        </p:tav>
-                                        <p:tav tm="100000">
-                                          <p:val>
-                                            <p:strVal val="#ppt_h"/>
-                                          </p:val>
-                                        </p:tav>
-                                      </p:tavLst>
-                                    </p:anim>
-                                    <p:anim calcmode="lin" valueType="num">
-                                      <p:cBhvr>
-                                        <p:cTn id="18" dur="1000" fill="hold"/>
-                                        <p:tgtEl>
-                                          <p:spTgt spid="397322"/>
-                                        </p:tgtEl>
-                                        <p:attrNameLst>
-                                          <p:attrName>ppt_x</p:attrName>
-                                        </p:attrNameLst>
-                                      </p:cBhvr>
-                                      <p:tavLst>
-                                        <p:tav tm="0" fmla="#ppt_x+(cos(-2*pi*(1-$))*-#ppt_x-sin(-2*pi*(1-$))*(1-#ppt_y))*(1-$)">
-                                          <p:val>
-                                            <p:fltVal val="0"/>
-                                          </p:val>
-                                        </p:tav>
-                                        <p:tav tm="100000">
-                                          <p:val>
-                                            <p:fltVal val="1"/>
-                                          </p:val>
-                                        </p:tav>
-                                      </p:tavLst>
-                                    </p:anim>
-                                    <p:anim calcmode="lin" valueType="num">
-                                      <p:cBhvr>
-                                        <p:cTn id="19" dur="1000" fill="hold"/>
-                                        <p:tgtEl>
-                                          <p:spTgt spid="397322"/>
-                                        </p:tgtEl>
-                                        <p:attrNameLst>
-                                          <p:attrName>ppt_y</p:attrName>
-                                        </p:attrNameLst>
-                                      </p:cBhvr>
-                                      <p:tavLst>
-                                        <p:tav tm="0" fmla="#ppt_y+(sin(-2*pi*(1-$))*-#ppt_x+cos(-2*pi*(1-$))*(1-#ppt_y))*(1-$)">
-                                          <p:val>
-                                            <p:fltVal val="0"/>
-                                          </p:val>
-                                        </p:tav>
-                                        <p:tav tm="100000">
-                                          <p:val>
-                                            <p:fltVal val="1"/>
-                                          </p:val>
-                                        </p:tav>
-                                      </p:tavLst>
-                                    </p:anim>
-                                  </p:childTnLst>
-                                </p:cTn>
-                              </p:par>
-                            </p:childTnLst>
-                          </p:cTn>
-                        </p:par>
-                      </p:childTnLst>
-                    </p:cTn>
-                  </p:par>
-                </p:childTnLst>
-              </p:cTn>
-              <p:prevCondLst>
-                <p:cond evt="onPrev" delay="0">
-                  <p:tgtEl>
-                    <p:sldTgt/>
-                  </p:tgtEl>
-                </p:cond>
-              </p:prevCondLst>
-              <p:nextCondLst>
-                <p:cond evt="onNext" delay="0">
-                  <p:tgtEl>
-                    <p:sldTgt/>
-                  </p:tgtEl>
-                </p:cond>
-              </p:nextCondLst>
-            </p:seq>
-          </p:childTnLst>
-        </p:cTn>
-      </p:par>
-    </p:tnLst>
   </p:timing>
 </p:sld>
 </file>
